--- a/教案/第00章 语言基础.pptx
+++ b/教案/第00章 语言基础.pptx
@@ -158,7 +158,28 @@
 <file path=ppt/changesInfos/changesInfo1.xml><?xml version="1.0" encoding="utf-8"?>
 <pc:chgInfo xmlns:a="http://schemas.openxmlformats.org/drawingml/2006/main" xmlns:r="http://schemas.openxmlformats.org/officeDocument/2006/relationships" xmlns:ac="http://schemas.microsoft.com/office/drawing/2013/main/command" xmlns:pc="http://schemas.microsoft.com/office/powerpoint/2013/main/command">
   <pc:docChgLst>
-    <pc:chgData name="Siwei PENG" userId="8c9d49ea30389574" providerId="LiveId" clId="{FFB6E04F-921F-4B7D-8DAC-2319400C2E98}"/>
+    <pc:chgData name="PENG Siwei" userId="8c9d49ea30389574" providerId="LiveId" clId="{D08EBF65-5D84-4BB0-A99B-69B8A0182B1F}"/>
+    <pc:docChg chg="modSld">
+      <pc:chgData name="PENG Siwei" userId="8c9d49ea30389574" providerId="LiveId" clId="{D08EBF65-5D84-4BB0-A99B-69B8A0182B1F}" dt="2018-09-18T01:50:15.486" v="5" actId="20577"/>
+      <pc:docMkLst>
+        <pc:docMk/>
+      </pc:docMkLst>
+      <pc:sldChg chg="modSp">
+        <pc:chgData name="PENG Siwei" userId="8c9d49ea30389574" providerId="LiveId" clId="{D08EBF65-5D84-4BB0-A99B-69B8A0182B1F}" dt="2018-09-18T01:50:15.486" v="5" actId="20577"/>
+        <pc:sldMkLst>
+          <pc:docMk/>
+          <pc:sldMk cId="0" sldId="262"/>
+        </pc:sldMkLst>
+        <pc:spChg chg="mod">
+          <ac:chgData name="PENG Siwei" userId="8c9d49ea30389574" providerId="LiveId" clId="{D08EBF65-5D84-4BB0-A99B-69B8A0182B1F}" dt="2018-09-18T01:50:15.486" v="5" actId="20577"/>
+          <ac:spMkLst>
+            <pc:docMk/>
+            <pc:sldMk cId="0" sldId="262"/>
+            <ac:spMk id="69636" creationId="{9C5B1F8B-5785-43C8-9FBB-5FB51CBD4AC5}"/>
+          </ac:spMkLst>
+        </pc:spChg>
+      </pc:sldChg>
+    </pc:docChg>
   </pc:docChgLst>
   <pc:docChgLst>
     <pc:chgData name="PENG Siwei" userId="8c9d49ea30389574" providerId="LiveId" clId="{206A8344-012F-4B5E-AB57-9297F0AC395C}"/>
@@ -246,33 +267,6 @@
     </pc:docChg>
   </pc:docChgLst>
   <pc:docChgLst>
-    <pc:chgData name="PENG Siwei" userId="8c9d49ea30389574" providerId="LiveId" clId="{D08EBF65-5D84-4BB0-A99B-69B8A0182B1F}"/>
-    <pc:docChg chg="modSld">
-      <pc:chgData name="PENG Siwei" userId="8c9d49ea30389574" providerId="LiveId" clId="{D08EBF65-5D84-4BB0-A99B-69B8A0182B1F}" dt="2018-09-18T01:50:15.486" v="5" actId="20577"/>
-      <pc:docMkLst>
-        <pc:docMk/>
-      </pc:docMkLst>
-      <pc:sldChg chg="modSp">
-        <pc:chgData name="PENG Siwei" userId="8c9d49ea30389574" providerId="LiveId" clId="{D08EBF65-5D84-4BB0-A99B-69B8A0182B1F}" dt="2018-09-18T01:50:15.486" v="5" actId="20577"/>
-        <pc:sldMkLst>
-          <pc:docMk/>
-          <pc:sldMk cId="0" sldId="262"/>
-        </pc:sldMkLst>
-        <pc:spChg chg="mod">
-          <ac:chgData name="PENG Siwei" userId="8c9d49ea30389574" providerId="LiveId" clId="{D08EBF65-5D84-4BB0-A99B-69B8A0182B1F}" dt="2018-09-18T01:50:15.486" v="5" actId="20577"/>
-          <ac:spMkLst>
-            <pc:docMk/>
-            <pc:sldMk cId="0" sldId="262"/>
-            <ac:spMk id="69636" creationId="{9C5B1F8B-5785-43C8-9FBB-5FB51CBD4AC5}"/>
-          </ac:spMkLst>
-        </pc:spChg>
-      </pc:sldChg>
-    </pc:docChg>
-  </pc:docChgLst>
-  <pc:docChgLst>
-    <pc:chgData name="Siwei PENG" userId="8c9d49ea30389574" providerId="LiveId" clId="{848E7EF0-135E-4BA0-B5E1-03AB0B1631C5}"/>
-  </pc:docChgLst>
-  <pc:docChgLst>
     <pc:chgData name="PENG Siwei" userId="8c9d49ea30389574" providerId="LiveId" clId="{8A3E259D-DD25-4066-8353-AFAC23C7EE03}"/>
     <pc:docChg chg="modSld">
       <pc:chgData name="PENG Siwei" userId="8c9d49ea30389574" providerId="LiveId" clId="{8A3E259D-DD25-4066-8353-AFAC23C7EE03}" dt="2018-10-09T01:17:36.031" v="1"/>
@@ -295,6 +289,12 @@
         </pc:spChg>
       </pc:sldChg>
     </pc:docChg>
+  </pc:docChgLst>
+  <pc:docChgLst>
+    <pc:chgData name="Siwei PENG" userId="8c9d49ea30389574" providerId="LiveId" clId="{FFB6E04F-921F-4B7D-8DAC-2319400C2E98}"/>
+  </pc:docChgLst>
+  <pc:docChgLst>
+    <pc:chgData name="Siwei PENG" userId="8c9d49ea30389574" providerId="LiveId" clId="{848E7EF0-135E-4BA0-B5E1-03AB0B1631C5}"/>
   </pc:docChgLst>
 </pc:chgInfo>
 </file>
@@ -381,7 +381,7 @@
           <a:p>
             <a:fld id="{07D5EC8A-DED5-4534-8812-4BFE99EACB50}" type="datetimeFigureOut">
               <a:rPr lang="zh-CN" altLang="en-US" smtClean="0"/>
-              <a:t>2018/10/9</a:t>
+              <a:t>2019/9/6</a:t>
             </a:fld>
             <a:endParaRPr lang="zh-CN" altLang="en-US"/>
           </a:p>
@@ -649,6 +649,90 @@
 </file>
 
 <file path=ppt/notesSlides/notesSlide1.xml><?xml version="1.0" encoding="utf-8"?>
+<p:notes xmlns:a="http://schemas.openxmlformats.org/drawingml/2006/main" xmlns:r="http://schemas.openxmlformats.org/officeDocument/2006/relationships" xmlns:p="http://schemas.openxmlformats.org/presentationml/2006/main">
+  <p:cSld>
+    <p:spTree>
+      <p:nvGrpSpPr>
+        <p:cNvPr id="1" name=""/>
+        <p:cNvGrpSpPr/>
+        <p:nvPr/>
+      </p:nvGrpSpPr>
+      <p:grpSpPr>
+        <a:xfrm>
+          <a:off x="0" y="0"/>
+          <a:ext cx="0" cy="0"/>
+          <a:chOff x="0" y="0"/>
+          <a:chExt cx="0" cy="0"/>
+        </a:xfrm>
+      </p:grpSpPr>
+      <p:sp>
+        <p:nvSpPr>
+          <p:cNvPr id="2" name="幻灯片图像占位符 1"/>
+          <p:cNvSpPr>
+            <a:spLocks noGrp="1" noRot="1" noChangeAspect="1"/>
+          </p:cNvSpPr>
+          <p:nvPr>
+            <p:ph type="sldImg"/>
+          </p:nvPr>
+        </p:nvSpPr>
+        <p:spPr/>
+      </p:sp>
+      <p:sp>
+        <p:nvSpPr>
+          <p:cNvPr id="3" name="备注占位符 2"/>
+          <p:cNvSpPr>
+            <a:spLocks noGrp="1"/>
+          </p:cNvSpPr>
+          <p:nvPr>
+            <p:ph type="body" idx="1"/>
+          </p:nvPr>
+        </p:nvSpPr>
+        <p:spPr/>
+        <p:txBody>
+          <a:bodyPr/>
+          <a:lstStyle/>
+          <a:p>
+            <a:endParaRPr lang="zh-CN" altLang="en-US" dirty="0"/>
+          </a:p>
+        </p:txBody>
+      </p:sp>
+      <p:sp>
+        <p:nvSpPr>
+          <p:cNvPr id="4" name="灯片编号占位符 3"/>
+          <p:cNvSpPr>
+            <a:spLocks noGrp="1"/>
+          </p:cNvSpPr>
+          <p:nvPr>
+            <p:ph type="sldNum" sz="quarter" idx="5"/>
+          </p:nvPr>
+        </p:nvSpPr>
+        <p:spPr/>
+        <p:txBody>
+          <a:bodyPr/>
+          <a:lstStyle/>
+          <a:p>
+            <a:fld id="{F76373D5-A435-4CBA-8BDB-CB2F6543F1DE}" type="slidenum">
+              <a:rPr lang="zh-CN" altLang="en-US" smtClean="0"/>
+              <a:t>1</a:t>
+            </a:fld>
+            <a:endParaRPr lang="zh-CN" altLang="en-US"/>
+          </a:p>
+        </p:txBody>
+      </p:sp>
+    </p:spTree>
+    <p:extLst>
+      <p:ext uri="{BB962C8B-B14F-4D97-AF65-F5344CB8AC3E}">
+        <p14:creationId xmlns:p14="http://schemas.microsoft.com/office/powerpoint/2010/main" val="225822126"/>
+      </p:ext>
+    </p:extLst>
+  </p:cSld>
+  <p:clrMapOvr>
+    <a:masterClrMapping/>
+  </p:clrMapOvr>
+</p:notes>
+</file>
+
+<file path=ppt/notesSlides/notesSlide2.xml><?xml version="1.0" encoding="utf-8"?>
 <p:notes xmlns:a="http://schemas.openxmlformats.org/drawingml/2006/main" xmlns:r="http://schemas.openxmlformats.org/officeDocument/2006/relationships" xmlns:p="http://schemas.openxmlformats.org/presentationml/2006/main">
   <p:cSld>
     <p:spTree>
@@ -8335,10 +8419,10 @@
       </p:sp>
       <p:pic>
         <p:nvPicPr>
-          <p:cNvPr id="4" name="图片 3">
+          <p:cNvPr id="6" name="图片 5" descr="图片包含 屏幕截图&#10;&#10;描述已自动生成">
             <a:extLst>
               <a:ext uri="{FF2B5EF4-FFF2-40B4-BE49-F238E27FC236}">
-                <a16:creationId xmlns:a16="http://schemas.microsoft.com/office/drawing/2014/main" id="{6A361747-BEA8-4E79-8B7E-4C5BC9CC270E}"/>
+                <a16:creationId xmlns:a16="http://schemas.microsoft.com/office/drawing/2014/main" id="{EE694CC3-09E9-4938-808A-8DA02E9982FF}"/>
               </a:ext>
             </a:extLst>
           </p:cNvPr>
@@ -8348,14 +8432,20 @@
           <p:nvPr/>
         </p:nvPicPr>
         <p:blipFill rotWithShape="1">
-          <a:blip r:embed="rId2"/>
-          <a:srcRect l="7883" t="24801" r="10101" b="21650"/>
+          <a:blip r:embed="rId3">
+            <a:extLst>
+              <a:ext uri="{28A0092B-C50C-407E-A947-70E740481C1C}">
+                <a14:useLocalDpi xmlns:a14="http://schemas.microsoft.com/office/drawing/2010/main" val="0"/>
+              </a:ext>
+            </a:extLst>
+          </a:blip>
+          <a:srcRect l="7884" t="27950" r="7884" b="17450"/>
           <a:stretch/>
         </p:blipFill>
         <p:spPr>
           <a:xfrm>
             <a:off x="9336360" y="116632"/>
-            <a:ext cx="2664297" cy="3672408"/>
+            <a:ext cx="2736304" cy="3744416"/>
           </a:xfrm>
           <a:prstGeom prst="rect">
             <a:avLst/>
@@ -8821,9 +8911,9 @@
         <p:grpSpPr>
           <a:xfrm>
             <a:off x="6688498" y="2435262"/>
-            <a:ext cx="3433228" cy="375099"/>
+            <a:ext cx="3433228" cy="369332"/>
             <a:chOff x="5164498" y="2435261"/>
-            <a:chExt cx="3433228" cy="375099"/>
+            <a:chExt cx="3433228" cy="369332"/>
           </a:xfrm>
         </p:grpSpPr>
         <p:grpSp>
@@ -8840,10 +8930,10 @@
           </p:nvGrpSpPr>
           <p:grpSpPr>
             <a:xfrm>
-              <a:off x="5436096" y="2516561"/>
-              <a:ext cx="1296144" cy="293799"/>
-              <a:chOff x="5436096" y="2559137"/>
-              <a:chExt cx="1296144" cy="293799"/>
+              <a:off x="5443264" y="2514788"/>
+              <a:ext cx="1288976" cy="289805"/>
+              <a:chOff x="5443264" y="2557364"/>
+              <a:chExt cx="1288976" cy="289805"/>
             </a:xfrm>
           </p:grpSpPr>
           <p:sp>
@@ -8860,7 +8950,7 @@
             </p:nvSpPr>
             <p:spPr>
               <a:xfrm>
-                <a:off x="5436096" y="2564904"/>
+                <a:off x="5443264" y="2557364"/>
                 <a:ext cx="288032" cy="288032"/>
               </a:xfrm>
               <a:prstGeom prst="rect">
@@ -30148,6 +30238,20 @@
             <a:pPr lvl="1"/>
             <a:r>
               <a:rPr lang="en-US" altLang="zh-CN" dirty="0"/>
+              <a:t>VS Code + Compiler</a:t>
+            </a:r>
+          </a:p>
+          <a:p>
+            <a:pPr lvl="1"/>
+            <a:r>
+              <a:rPr lang="en-US" altLang="zh-CN" dirty="0"/>
+              <a:t>Visual Studio 2019 Community</a:t>
+            </a:r>
+          </a:p>
+          <a:p>
+            <a:pPr lvl="1"/>
+            <a:r>
+              <a:rPr lang="en-US" altLang="zh-CN" dirty="0"/>
               <a:t>Dev-</a:t>
             </a:r>
             <a:r>
@@ -30161,20 +30265,6 @@
             <a:r>
               <a:rPr lang="en-US" altLang="zh-CN" dirty="0"/>
               <a:t>Code-Block</a:t>
-            </a:r>
-          </a:p>
-          <a:p>
-            <a:pPr lvl="1"/>
-            <a:r>
-              <a:rPr lang="en-US" altLang="zh-CN" dirty="0"/>
-              <a:t>Visual Studio 2017 Community</a:t>
-            </a:r>
-          </a:p>
-          <a:p>
-            <a:pPr lvl="1"/>
-            <a:r>
-              <a:rPr lang="en-US" altLang="zh-CN" dirty="0"/>
-              <a:t>VS Code + Compiler</a:t>
             </a:r>
           </a:p>
         </p:txBody>

--- a/教案/第00章 语言基础.pptx
+++ b/教案/第00章 语言基础.pptx
@@ -381,7 +381,7 @@
           <a:p>
             <a:fld id="{07D5EC8A-DED5-4534-8812-4BFE99EACB50}" type="datetimeFigureOut">
               <a:rPr lang="zh-CN" altLang="en-US" smtClean="0"/>
-              <a:t>2019/9/6</a:t>
+              <a:t>2019/9/28</a:t>
             </a:fld>
             <a:endParaRPr lang="zh-CN" altLang="en-US"/>
           </a:p>
@@ -28438,548 +28438,518 @@
                 <a:latin typeface="新宋体" panose="02010609030101010101" pitchFamily="49" charset="-122"/>
                 <a:ea typeface="新宋体" panose="02010609030101010101" pitchFamily="49" charset="-122"/>
               </a:rPr>
+              <a:t> == </a:t>
+            </a:r>
+            <a:r>
+              <a:rPr lang="en-US" altLang="zh-CN" sz="1400" dirty="0" err="1">
+                <a:solidFill>
+                  <a:srgbClr val="6F008A"/>
+                </a:solidFill>
+                <a:latin typeface="新宋体" panose="02010609030101010101" pitchFamily="49" charset="-122"/>
+                <a:ea typeface="新宋体" panose="02010609030101010101" pitchFamily="49" charset="-122"/>
+              </a:rPr>
+              <a:t>nullptr</a:t>
+            </a:r>
+            <a:r>
+              <a:rPr lang="en-US" altLang="zh-CN" sz="1400" dirty="0">
+                <a:solidFill>
+                  <a:srgbClr val="000000"/>
+                </a:solidFill>
+                <a:latin typeface="新宋体" panose="02010609030101010101" pitchFamily="49" charset="-122"/>
+                <a:ea typeface="新宋体" panose="02010609030101010101" pitchFamily="49" charset="-122"/>
+              </a:rPr>
+              <a:t>) </a:t>
+            </a:r>
+            <a:r>
+              <a:rPr lang="en-US" altLang="zh-CN" sz="1400" dirty="0">
+                <a:solidFill>
+                  <a:srgbClr val="0000FF"/>
+                </a:solidFill>
+                <a:latin typeface="新宋体" panose="02010609030101010101" pitchFamily="49" charset="-122"/>
+                <a:ea typeface="新宋体" panose="02010609030101010101" pitchFamily="49" charset="-122"/>
+              </a:rPr>
+              <a:t>return</a:t>
+            </a:r>
+            <a:r>
+              <a:rPr lang="en-US" altLang="zh-CN" sz="1400" dirty="0">
+                <a:solidFill>
+                  <a:srgbClr val="000000"/>
+                </a:solidFill>
+                <a:latin typeface="新宋体" panose="02010609030101010101" pitchFamily="49" charset="-122"/>
+                <a:ea typeface="新宋体" panose="02010609030101010101" pitchFamily="49" charset="-122"/>
+              </a:rPr>
+              <a:t> 1;</a:t>
+            </a:r>
+          </a:p>
+          <a:p>
+            <a:pPr lvl="1"/>
+            <a:r>
+              <a:rPr lang="en-US" altLang="zh-CN" sz="1400" dirty="0">
+                <a:solidFill>
+                  <a:srgbClr val="0000FF"/>
+                </a:solidFill>
+                <a:latin typeface="新宋体" panose="02010609030101010101" pitchFamily="49" charset="-122"/>
+                <a:ea typeface="新宋体" panose="02010609030101010101" pitchFamily="49" charset="-122"/>
+              </a:rPr>
+              <a:t>if</a:t>
+            </a:r>
+            <a:r>
+              <a:rPr lang="en-US" altLang="zh-CN" sz="1400" dirty="0">
+                <a:solidFill>
+                  <a:srgbClr val="000000"/>
+                </a:solidFill>
+                <a:latin typeface="新宋体" panose="02010609030101010101" pitchFamily="49" charset="-122"/>
+                <a:ea typeface="新宋体" panose="02010609030101010101" pitchFamily="49" charset="-122"/>
+              </a:rPr>
+              <a:t> (</a:t>
+            </a:r>
+            <a:r>
+              <a:rPr lang="en-US" altLang="zh-CN" sz="1400" dirty="0">
+                <a:solidFill>
+                  <a:srgbClr val="808080"/>
+                </a:solidFill>
+                <a:latin typeface="新宋体" panose="02010609030101010101" pitchFamily="49" charset="-122"/>
+                <a:ea typeface="新宋体" panose="02010609030101010101" pitchFamily="49" charset="-122"/>
+              </a:rPr>
+              <a:t>n</a:t>
+            </a:r>
+            <a:r>
+              <a:rPr lang="en-US" altLang="zh-CN" sz="1400" dirty="0">
+                <a:solidFill>
+                  <a:srgbClr val="000000"/>
+                </a:solidFill>
+                <a:latin typeface="新宋体" panose="02010609030101010101" pitchFamily="49" charset="-122"/>
+                <a:ea typeface="新宋体" panose="02010609030101010101" pitchFamily="49" charset="-122"/>
+              </a:rPr>
+              <a:t> &lt; 0) </a:t>
+            </a:r>
+            <a:r>
+              <a:rPr lang="en-US" altLang="zh-CN" sz="1400" dirty="0">
+                <a:solidFill>
+                  <a:srgbClr val="0000FF"/>
+                </a:solidFill>
+                <a:latin typeface="新宋体" panose="02010609030101010101" pitchFamily="49" charset="-122"/>
+                <a:ea typeface="新宋体" panose="02010609030101010101" pitchFamily="49" charset="-122"/>
+              </a:rPr>
+              <a:t>return</a:t>
+            </a:r>
+            <a:r>
+              <a:rPr lang="en-US" altLang="zh-CN" sz="1400" dirty="0">
+                <a:solidFill>
+                  <a:srgbClr val="000000"/>
+                </a:solidFill>
+                <a:latin typeface="新宋体" panose="02010609030101010101" pitchFamily="49" charset="-122"/>
+                <a:ea typeface="新宋体" panose="02010609030101010101" pitchFamily="49" charset="-122"/>
+              </a:rPr>
+              <a:t> 2;</a:t>
+            </a:r>
+          </a:p>
+          <a:p>
+            <a:pPr lvl="1"/>
+            <a:r>
+              <a:rPr lang="nn-NO" altLang="zh-CN" sz="1400" dirty="0">
+                <a:solidFill>
+                  <a:srgbClr val="0000FF"/>
+                </a:solidFill>
+                <a:latin typeface="新宋体" panose="02010609030101010101" pitchFamily="49" charset="-122"/>
+                <a:ea typeface="新宋体" panose="02010609030101010101" pitchFamily="49" charset="-122"/>
+              </a:rPr>
+              <a:t>for</a:t>
+            </a:r>
+            <a:r>
+              <a:rPr lang="nn-NO" altLang="zh-CN" sz="1400" dirty="0">
+                <a:solidFill>
+                  <a:srgbClr val="000000"/>
+                </a:solidFill>
+                <a:latin typeface="新宋体" panose="02010609030101010101" pitchFamily="49" charset="-122"/>
+                <a:ea typeface="新宋体" panose="02010609030101010101" pitchFamily="49" charset="-122"/>
+              </a:rPr>
+              <a:t> (</a:t>
+            </a:r>
+            <a:r>
+              <a:rPr lang="nn-NO" altLang="zh-CN" sz="1400" dirty="0">
+                <a:solidFill>
+                  <a:srgbClr val="0000FF"/>
+                </a:solidFill>
+                <a:latin typeface="新宋体" panose="02010609030101010101" pitchFamily="49" charset="-122"/>
+                <a:ea typeface="新宋体" panose="02010609030101010101" pitchFamily="49" charset="-122"/>
+              </a:rPr>
+              <a:t>int</a:t>
+            </a:r>
+            <a:r>
+              <a:rPr lang="nn-NO" altLang="zh-CN" sz="1400" dirty="0">
+                <a:solidFill>
+                  <a:srgbClr val="000000"/>
+                </a:solidFill>
+                <a:latin typeface="新宋体" panose="02010609030101010101" pitchFamily="49" charset="-122"/>
+                <a:ea typeface="新宋体" panose="02010609030101010101" pitchFamily="49" charset="-122"/>
+              </a:rPr>
+              <a:t> i = 0; i &lt; </a:t>
+            </a:r>
+            <a:r>
+              <a:rPr lang="nn-NO" altLang="zh-CN" sz="1400" dirty="0">
+                <a:solidFill>
+                  <a:srgbClr val="808080"/>
+                </a:solidFill>
+                <a:latin typeface="新宋体" panose="02010609030101010101" pitchFamily="49" charset="-122"/>
+                <a:ea typeface="新宋体" panose="02010609030101010101" pitchFamily="49" charset="-122"/>
+              </a:rPr>
+              <a:t>n</a:t>
+            </a:r>
+            <a:r>
+              <a:rPr lang="nn-NO" altLang="zh-CN" sz="1400" dirty="0">
+                <a:solidFill>
+                  <a:srgbClr val="000000"/>
+                </a:solidFill>
+                <a:latin typeface="新宋体" panose="02010609030101010101" pitchFamily="49" charset="-122"/>
+                <a:ea typeface="新宋体" panose="02010609030101010101" pitchFamily="49" charset="-122"/>
+              </a:rPr>
+              <a:t>; i++)</a:t>
+            </a:r>
+          </a:p>
+          <a:p>
+            <a:pPr lvl="1"/>
+            <a:r>
+              <a:rPr lang="en-US" altLang="zh-CN" sz="1400" dirty="0">
+                <a:solidFill>
+                  <a:srgbClr val="000000"/>
+                </a:solidFill>
+                <a:latin typeface="新宋体" panose="02010609030101010101" pitchFamily="49" charset="-122"/>
+                <a:ea typeface="新宋体" panose="02010609030101010101" pitchFamily="49" charset="-122"/>
+              </a:rPr>
+              <a:t>	</a:t>
+            </a:r>
+            <a:r>
+              <a:rPr lang="en-US" altLang="zh-CN" sz="1400" dirty="0" err="1">
+                <a:solidFill>
+                  <a:srgbClr val="000000"/>
+                </a:solidFill>
+                <a:latin typeface="新宋体" panose="02010609030101010101" pitchFamily="49" charset="-122"/>
+                <a:ea typeface="新宋体" panose="02010609030101010101" pitchFamily="49" charset="-122"/>
+              </a:rPr>
+              <a:t>cin</a:t>
+            </a:r>
+            <a:r>
+              <a:rPr lang="en-US" altLang="zh-CN" sz="1400" dirty="0">
+                <a:solidFill>
+                  <a:srgbClr val="000000"/>
+                </a:solidFill>
+                <a:latin typeface="新宋体" panose="02010609030101010101" pitchFamily="49" charset="-122"/>
+                <a:ea typeface="新宋体" panose="02010609030101010101" pitchFamily="49" charset="-122"/>
+              </a:rPr>
               <a:t> </a:t>
             </a:r>
             <a:r>
-              <a:rPr lang="en-US" altLang="zh-CN" sz="1400">
-                <a:solidFill>
-                  <a:srgbClr val="000000"/>
-                </a:solidFill>
-                <a:latin typeface="新宋体" panose="02010609030101010101" pitchFamily="49" charset="-122"/>
-                <a:ea typeface="新宋体" panose="02010609030101010101" pitchFamily="49" charset="-122"/>
-              </a:rPr>
-              <a:t>== </a:t>
-            </a:r>
-            <a:r>
-              <a:rPr lang="en-US" altLang="zh-CN" sz="1400">
+              <a:rPr lang="en-US" altLang="zh-CN" sz="1400" dirty="0">
+                <a:solidFill>
+                  <a:srgbClr val="008080"/>
+                </a:solidFill>
+                <a:latin typeface="新宋体" panose="02010609030101010101" pitchFamily="49" charset="-122"/>
+                <a:ea typeface="新宋体" panose="02010609030101010101" pitchFamily="49" charset="-122"/>
+              </a:rPr>
+              <a:t>&gt;&gt;</a:t>
+            </a:r>
+            <a:r>
+              <a:rPr lang="en-US" altLang="zh-CN" sz="1400" dirty="0">
+                <a:solidFill>
+                  <a:srgbClr val="000000"/>
+                </a:solidFill>
+                <a:latin typeface="新宋体" panose="02010609030101010101" pitchFamily="49" charset="-122"/>
+                <a:ea typeface="新宋体" panose="02010609030101010101" pitchFamily="49" charset="-122"/>
+              </a:rPr>
+              <a:t> </a:t>
+            </a:r>
+            <a:r>
+              <a:rPr lang="en-US" altLang="zh-CN" sz="1400" dirty="0">
+                <a:solidFill>
+                  <a:srgbClr val="808080"/>
+                </a:solidFill>
+                <a:latin typeface="新宋体" panose="02010609030101010101" pitchFamily="49" charset="-122"/>
+                <a:ea typeface="新宋体" panose="02010609030101010101" pitchFamily="49" charset="-122"/>
+              </a:rPr>
+              <a:t>s</a:t>
+            </a:r>
+            <a:r>
+              <a:rPr lang="en-US" altLang="zh-CN" sz="1400" dirty="0">
+                <a:solidFill>
+                  <a:srgbClr val="000000"/>
+                </a:solidFill>
+                <a:latin typeface="新宋体" panose="02010609030101010101" pitchFamily="49" charset="-122"/>
+                <a:ea typeface="新宋体" panose="02010609030101010101" pitchFamily="49" charset="-122"/>
+              </a:rPr>
+              <a:t>[i].Name </a:t>
+            </a:r>
+            <a:r>
+              <a:rPr lang="en-US" altLang="zh-CN" sz="1400" dirty="0">
+                <a:solidFill>
+                  <a:srgbClr val="008080"/>
+                </a:solidFill>
+                <a:latin typeface="新宋体" panose="02010609030101010101" pitchFamily="49" charset="-122"/>
+                <a:ea typeface="新宋体" panose="02010609030101010101" pitchFamily="49" charset="-122"/>
+              </a:rPr>
+              <a:t>&gt;&gt;</a:t>
+            </a:r>
+            <a:r>
+              <a:rPr lang="en-US" altLang="zh-CN" sz="1400" dirty="0">
+                <a:solidFill>
+                  <a:srgbClr val="000000"/>
+                </a:solidFill>
+                <a:latin typeface="新宋体" panose="02010609030101010101" pitchFamily="49" charset="-122"/>
+                <a:ea typeface="新宋体" panose="02010609030101010101" pitchFamily="49" charset="-122"/>
+              </a:rPr>
+              <a:t> </a:t>
+            </a:r>
+            <a:r>
+              <a:rPr lang="en-US" altLang="zh-CN" sz="1400" dirty="0">
+                <a:solidFill>
+                  <a:srgbClr val="808080"/>
+                </a:solidFill>
+                <a:latin typeface="新宋体" panose="02010609030101010101" pitchFamily="49" charset="-122"/>
+                <a:ea typeface="新宋体" panose="02010609030101010101" pitchFamily="49" charset="-122"/>
+              </a:rPr>
+              <a:t>s</a:t>
+            </a:r>
+            <a:r>
+              <a:rPr lang="en-US" altLang="zh-CN" sz="1400" dirty="0">
+                <a:solidFill>
+                  <a:srgbClr val="000000"/>
+                </a:solidFill>
+                <a:latin typeface="新宋体" panose="02010609030101010101" pitchFamily="49" charset="-122"/>
+                <a:ea typeface="新宋体" panose="02010609030101010101" pitchFamily="49" charset="-122"/>
+              </a:rPr>
+              <a:t>[i].Score;</a:t>
+            </a:r>
+          </a:p>
+          <a:p>
+            <a:pPr lvl="1"/>
+            <a:r>
+              <a:rPr lang="en-US" altLang="zh-CN" sz="1400" dirty="0">
+                <a:solidFill>
+                  <a:srgbClr val="0000FF"/>
+                </a:solidFill>
+                <a:latin typeface="新宋体" panose="02010609030101010101" pitchFamily="49" charset="-122"/>
+                <a:ea typeface="新宋体" panose="02010609030101010101" pitchFamily="49" charset="-122"/>
+              </a:rPr>
+              <a:t>return</a:t>
+            </a:r>
+            <a:r>
+              <a:rPr lang="en-US" altLang="zh-CN" sz="1400" dirty="0">
+                <a:solidFill>
+                  <a:srgbClr val="000000"/>
+                </a:solidFill>
+                <a:latin typeface="新宋体" panose="02010609030101010101" pitchFamily="49" charset="-122"/>
+                <a:ea typeface="新宋体" panose="02010609030101010101" pitchFamily="49" charset="-122"/>
+              </a:rPr>
+              <a:t> 0;</a:t>
+            </a:r>
+          </a:p>
+          <a:p>
+            <a:r>
+              <a:rPr lang="en-US" altLang="zh-CN" sz="1400" dirty="0">
+                <a:solidFill>
+                  <a:srgbClr val="000000"/>
+                </a:solidFill>
+                <a:latin typeface="新宋体" panose="02010609030101010101" pitchFamily="49" charset="-122"/>
+                <a:ea typeface="新宋体" panose="02010609030101010101" pitchFamily="49" charset="-122"/>
+              </a:rPr>
+              <a:t>}</a:t>
+            </a:r>
+          </a:p>
+          <a:p>
+            <a:r>
+              <a:rPr lang="en-US" altLang="zh-CN" sz="1400" dirty="0" err="1">
+                <a:solidFill>
+                  <a:srgbClr val="0000FF"/>
+                </a:solidFill>
+                <a:latin typeface="新宋体" panose="02010609030101010101" pitchFamily="49" charset="-122"/>
+                <a:ea typeface="新宋体" panose="02010609030101010101" pitchFamily="49" charset="-122"/>
+              </a:rPr>
+              <a:t>int</a:t>
+            </a:r>
+            <a:r>
+              <a:rPr lang="en-US" altLang="zh-CN" sz="1400" dirty="0">
+                <a:solidFill>
+                  <a:srgbClr val="000000"/>
+                </a:solidFill>
+                <a:latin typeface="新宋体" panose="02010609030101010101" pitchFamily="49" charset="-122"/>
+                <a:ea typeface="新宋体" panose="02010609030101010101" pitchFamily="49" charset="-122"/>
+              </a:rPr>
+              <a:t> </a:t>
+            </a:r>
+            <a:r>
+              <a:rPr lang="en-US" altLang="zh-CN" sz="1400" dirty="0" err="1">
+                <a:solidFill>
+                  <a:srgbClr val="000000"/>
+                </a:solidFill>
+                <a:latin typeface="新宋体" panose="02010609030101010101" pitchFamily="49" charset="-122"/>
+                <a:ea typeface="新宋体" panose="02010609030101010101" pitchFamily="49" charset="-122"/>
+              </a:rPr>
+              <a:t>GetIndexOfMax</a:t>
+            </a:r>
+            <a:r>
+              <a:rPr lang="en-US" altLang="zh-CN" sz="1400" dirty="0">
+                <a:solidFill>
+                  <a:srgbClr val="000000"/>
+                </a:solidFill>
+                <a:latin typeface="新宋体" panose="02010609030101010101" pitchFamily="49" charset="-122"/>
+                <a:ea typeface="新宋体" panose="02010609030101010101" pitchFamily="49" charset="-122"/>
+              </a:rPr>
+              <a:t>(</a:t>
+            </a:r>
+            <a:r>
+              <a:rPr lang="en-US" altLang="zh-CN" sz="1400" dirty="0">
+                <a:solidFill>
+                  <a:srgbClr val="2B91AF"/>
+                </a:solidFill>
+                <a:latin typeface="新宋体" panose="02010609030101010101" pitchFamily="49" charset="-122"/>
+                <a:ea typeface="新宋体" panose="02010609030101010101" pitchFamily="49" charset="-122"/>
+              </a:rPr>
+              <a:t>Student</a:t>
+            </a:r>
+            <a:r>
+              <a:rPr lang="en-US" altLang="zh-CN" sz="1400" dirty="0">
+                <a:solidFill>
+                  <a:srgbClr val="000000"/>
+                </a:solidFill>
+                <a:latin typeface="新宋体" panose="02010609030101010101" pitchFamily="49" charset="-122"/>
+                <a:ea typeface="新宋体" panose="02010609030101010101" pitchFamily="49" charset="-122"/>
+              </a:rPr>
+              <a:t> </a:t>
+            </a:r>
+            <a:r>
+              <a:rPr lang="en-US" altLang="zh-CN" sz="1400" dirty="0">
+                <a:solidFill>
+                  <a:srgbClr val="808080"/>
+                </a:solidFill>
+                <a:latin typeface="新宋体" panose="02010609030101010101" pitchFamily="49" charset="-122"/>
+                <a:ea typeface="新宋体" panose="02010609030101010101" pitchFamily="49" charset="-122"/>
+              </a:rPr>
+              <a:t>s</a:t>
+            </a:r>
+            <a:r>
+              <a:rPr lang="en-US" altLang="zh-CN" sz="1400" dirty="0">
+                <a:solidFill>
+                  <a:srgbClr val="000000"/>
+                </a:solidFill>
+                <a:latin typeface="新宋体" panose="02010609030101010101" pitchFamily="49" charset="-122"/>
+                <a:ea typeface="新宋体" panose="02010609030101010101" pitchFamily="49" charset="-122"/>
+              </a:rPr>
+              <a:t>[], </a:t>
+            </a:r>
+            <a:r>
+              <a:rPr lang="en-US" altLang="zh-CN" sz="1400" dirty="0" err="1">
+                <a:solidFill>
+                  <a:srgbClr val="0000FF"/>
+                </a:solidFill>
+                <a:latin typeface="新宋体" panose="02010609030101010101" pitchFamily="49" charset="-122"/>
+                <a:ea typeface="新宋体" panose="02010609030101010101" pitchFamily="49" charset="-122"/>
+              </a:rPr>
+              <a:t>int</a:t>
+            </a:r>
+            <a:r>
+              <a:rPr lang="en-US" altLang="zh-CN" sz="1400" dirty="0">
+                <a:solidFill>
+                  <a:srgbClr val="000000"/>
+                </a:solidFill>
+                <a:latin typeface="新宋体" panose="02010609030101010101" pitchFamily="49" charset="-122"/>
+                <a:ea typeface="新宋体" panose="02010609030101010101" pitchFamily="49" charset="-122"/>
+              </a:rPr>
+              <a:t> </a:t>
+            </a:r>
+            <a:r>
+              <a:rPr lang="en-US" altLang="zh-CN" sz="1400" dirty="0">
+                <a:solidFill>
+                  <a:srgbClr val="808080"/>
+                </a:solidFill>
+                <a:latin typeface="新宋体" panose="02010609030101010101" pitchFamily="49" charset="-122"/>
+                <a:ea typeface="新宋体" panose="02010609030101010101" pitchFamily="49" charset="-122"/>
+              </a:rPr>
+              <a:t>n</a:t>
+            </a:r>
+            <a:r>
+              <a:rPr lang="en-US" altLang="zh-CN" sz="1400" dirty="0">
+                <a:solidFill>
+                  <a:srgbClr val="000000"/>
+                </a:solidFill>
+                <a:latin typeface="新宋体" panose="02010609030101010101" pitchFamily="49" charset="-122"/>
+                <a:ea typeface="新宋体" panose="02010609030101010101" pitchFamily="49" charset="-122"/>
+              </a:rPr>
+              <a:t>)</a:t>
+            </a:r>
+          </a:p>
+          <a:p>
+            <a:r>
+              <a:rPr lang="en-US" altLang="zh-CN" sz="1400" dirty="0">
+                <a:solidFill>
+                  <a:srgbClr val="000000"/>
+                </a:solidFill>
+                <a:latin typeface="新宋体" panose="02010609030101010101" pitchFamily="49" charset="-122"/>
+                <a:ea typeface="新宋体" panose="02010609030101010101" pitchFamily="49" charset="-122"/>
+              </a:rPr>
+              <a:t>{</a:t>
+            </a:r>
+          </a:p>
+          <a:p>
+            <a:pPr lvl="1"/>
+            <a:r>
+              <a:rPr lang="en-US" altLang="zh-CN" sz="1400" dirty="0">
+                <a:solidFill>
+                  <a:srgbClr val="0000FF"/>
+                </a:solidFill>
+                <a:latin typeface="新宋体" panose="02010609030101010101" pitchFamily="49" charset="-122"/>
+                <a:ea typeface="新宋体" panose="02010609030101010101" pitchFamily="49" charset="-122"/>
+              </a:rPr>
+              <a:t>if</a:t>
+            </a:r>
+            <a:r>
+              <a:rPr lang="en-US" altLang="zh-CN" sz="1400" dirty="0">
+                <a:solidFill>
+                  <a:srgbClr val="000000"/>
+                </a:solidFill>
+                <a:latin typeface="新宋体" panose="02010609030101010101" pitchFamily="49" charset="-122"/>
+                <a:ea typeface="新宋体" panose="02010609030101010101" pitchFamily="49" charset="-122"/>
+              </a:rPr>
+              <a:t> (</a:t>
+            </a:r>
+            <a:r>
+              <a:rPr lang="en-US" altLang="zh-CN" sz="1400" dirty="0">
+                <a:solidFill>
+                  <a:srgbClr val="808080"/>
+                </a:solidFill>
+                <a:latin typeface="新宋体" panose="02010609030101010101" pitchFamily="49" charset="-122"/>
+                <a:ea typeface="新宋体" panose="02010609030101010101" pitchFamily="49" charset="-122"/>
+              </a:rPr>
+              <a:t>s</a:t>
+            </a:r>
+            <a:r>
+              <a:rPr lang="en-US" altLang="zh-CN" sz="1400" dirty="0">
+                <a:solidFill>
+                  <a:srgbClr val="000000"/>
+                </a:solidFill>
+                <a:latin typeface="新宋体" panose="02010609030101010101" pitchFamily="49" charset="-122"/>
+                <a:ea typeface="新宋体" panose="02010609030101010101" pitchFamily="49" charset="-122"/>
+              </a:rPr>
+              <a:t> == </a:t>
+            </a:r>
+            <a:r>
+              <a:rPr lang="en-US" altLang="zh-CN" sz="1400" dirty="0" err="1">
                 <a:solidFill>
                   <a:srgbClr val="6F008A"/>
                 </a:solidFill>
                 <a:latin typeface="新宋体" panose="02010609030101010101" pitchFamily="49" charset="-122"/>
                 <a:ea typeface="新宋体" panose="02010609030101010101" pitchFamily="49" charset="-122"/>
               </a:rPr>
-              <a:t>NULL</a:t>
-            </a:r>
-            <a:r>
-              <a:rPr lang="en-US" altLang="zh-CN" sz="1400">
-                <a:solidFill>
-                  <a:srgbClr val="000000"/>
-                </a:solidFill>
-                <a:latin typeface="新宋体" panose="02010609030101010101" pitchFamily="49" charset="-122"/>
-                <a:ea typeface="新宋体" panose="02010609030101010101" pitchFamily="49" charset="-122"/>
-              </a:rPr>
-              <a:t>) </a:t>
+              <a:t>nullptr</a:t>
             </a:r>
             <a:r>
               <a:rPr lang="en-US" altLang="zh-CN" sz="1400" dirty="0">
                 <a:solidFill>
-                  <a:srgbClr val="0000FF"/>
-                </a:solidFill>
-                <a:latin typeface="新宋体" panose="02010609030101010101" pitchFamily="49" charset="-122"/>
-                <a:ea typeface="新宋体" panose="02010609030101010101" pitchFamily="49" charset="-122"/>
-              </a:rPr>
-              <a:t>return</a:t>
-            </a:r>
-            <a:r>
-              <a:rPr lang="en-US" altLang="zh-CN" sz="1400" dirty="0">
-                <a:solidFill>
-                  <a:srgbClr val="000000"/>
-                </a:solidFill>
-                <a:latin typeface="新宋体" panose="02010609030101010101" pitchFamily="49" charset="-122"/>
-                <a:ea typeface="新宋体" panose="02010609030101010101" pitchFamily="49" charset="-122"/>
-              </a:rPr>
-              <a:t> 1;</a:t>
-            </a:r>
-          </a:p>
-          <a:p>
-            <a:pPr lvl="1"/>
-            <a:r>
-              <a:rPr lang="en-US" altLang="zh-CN" sz="1400" dirty="0">
-                <a:solidFill>
-                  <a:srgbClr val="0000FF"/>
-                </a:solidFill>
-                <a:latin typeface="新宋体" panose="02010609030101010101" pitchFamily="49" charset="-122"/>
-                <a:ea typeface="新宋体" panose="02010609030101010101" pitchFamily="49" charset="-122"/>
-              </a:rPr>
-              <a:t>if</a:t>
-            </a:r>
-            <a:r>
-              <a:rPr lang="en-US" altLang="zh-CN" sz="1400" dirty="0">
-                <a:solidFill>
-                  <a:srgbClr val="000000"/>
-                </a:solidFill>
-                <a:latin typeface="新宋体" panose="02010609030101010101" pitchFamily="49" charset="-122"/>
-                <a:ea typeface="新宋体" panose="02010609030101010101" pitchFamily="49" charset="-122"/>
-              </a:rPr>
-              <a:t> (</a:t>
-            </a:r>
-            <a:r>
-              <a:rPr lang="en-US" altLang="zh-CN" sz="1400" dirty="0">
-                <a:solidFill>
-                  <a:srgbClr val="808080"/>
-                </a:solidFill>
-                <a:latin typeface="新宋体" panose="02010609030101010101" pitchFamily="49" charset="-122"/>
-                <a:ea typeface="新宋体" panose="02010609030101010101" pitchFamily="49" charset="-122"/>
-              </a:rPr>
-              <a:t>n</a:t>
-            </a:r>
-            <a:r>
-              <a:rPr lang="en-US" altLang="zh-CN" sz="1400" dirty="0">
-                <a:solidFill>
-                  <a:srgbClr val="000000"/>
-                </a:solidFill>
-                <a:latin typeface="新宋体" panose="02010609030101010101" pitchFamily="49" charset="-122"/>
-                <a:ea typeface="新宋体" panose="02010609030101010101" pitchFamily="49" charset="-122"/>
-              </a:rPr>
-              <a:t> &lt; 0) </a:t>
-            </a:r>
-            <a:r>
-              <a:rPr lang="en-US" altLang="zh-CN" sz="1400" dirty="0">
-                <a:solidFill>
-                  <a:srgbClr val="0000FF"/>
-                </a:solidFill>
-                <a:latin typeface="新宋体" panose="02010609030101010101" pitchFamily="49" charset="-122"/>
-                <a:ea typeface="新宋体" panose="02010609030101010101" pitchFamily="49" charset="-122"/>
-              </a:rPr>
-              <a:t>return</a:t>
-            </a:r>
-            <a:r>
-              <a:rPr lang="en-US" altLang="zh-CN" sz="1400" dirty="0">
-                <a:solidFill>
-                  <a:srgbClr val="000000"/>
-                </a:solidFill>
-                <a:latin typeface="新宋体" panose="02010609030101010101" pitchFamily="49" charset="-122"/>
-                <a:ea typeface="新宋体" panose="02010609030101010101" pitchFamily="49" charset="-122"/>
-              </a:rPr>
-              <a:t> 2;</a:t>
-            </a:r>
-          </a:p>
-          <a:p>
-            <a:pPr lvl="1"/>
-            <a:r>
-              <a:rPr lang="nn-NO" altLang="zh-CN" sz="1400" dirty="0">
-                <a:solidFill>
-                  <a:srgbClr val="0000FF"/>
-                </a:solidFill>
-                <a:latin typeface="新宋体" panose="02010609030101010101" pitchFamily="49" charset="-122"/>
-                <a:ea typeface="新宋体" panose="02010609030101010101" pitchFamily="49" charset="-122"/>
-              </a:rPr>
-              <a:t>for</a:t>
-            </a:r>
-            <a:r>
-              <a:rPr lang="nn-NO" altLang="zh-CN" sz="1400" dirty="0">
-                <a:solidFill>
-                  <a:srgbClr val="000000"/>
-                </a:solidFill>
-                <a:latin typeface="新宋体" panose="02010609030101010101" pitchFamily="49" charset="-122"/>
-                <a:ea typeface="新宋体" panose="02010609030101010101" pitchFamily="49" charset="-122"/>
-              </a:rPr>
-              <a:t> (</a:t>
-            </a:r>
-            <a:r>
-              <a:rPr lang="nn-NO" altLang="zh-CN" sz="1400" dirty="0">
-                <a:solidFill>
-                  <a:srgbClr val="0000FF"/>
-                </a:solidFill>
-                <a:latin typeface="新宋体" panose="02010609030101010101" pitchFamily="49" charset="-122"/>
-                <a:ea typeface="新宋体" panose="02010609030101010101" pitchFamily="49" charset="-122"/>
-              </a:rPr>
-              <a:t>int</a:t>
-            </a:r>
-            <a:r>
-              <a:rPr lang="nn-NO" altLang="zh-CN" sz="1400" dirty="0">
-                <a:solidFill>
-                  <a:srgbClr val="000000"/>
-                </a:solidFill>
-                <a:latin typeface="新宋体" panose="02010609030101010101" pitchFamily="49" charset="-122"/>
-                <a:ea typeface="新宋体" panose="02010609030101010101" pitchFamily="49" charset="-122"/>
-              </a:rPr>
-              <a:t> i = 0; i &lt; </a:t>
-            </a:r>
-            <a:r>
-              <a:rPr lang="nn-NO" altLang="zh-CN" sz="1400" dirty="0">
-                <a:solidFill>
-                  <a:srgbClr val="808080"/>
-                </a:solidFill>
-                <a:latin typeface="新宋体" panose="02010609030101010101" pitchFamily="49" charset="-122"/>
-                <a:ea typeface="新宋体" panose="02010609030101010101" pitchFamily="49" charset="-122"/>
-              </a:rPr>
-              <a:t>n</a:t>
-            </a:r>
-            <a:r>
-              <a:rPr lang="nn-NO" altLang="zh-CN" sz="1400" dirty="0">
-                <a:solidFill>
-                  <a:srgbClr val="000000"/>
-                </a:solidFill>
-                <a:latin typeface="新宋体" panose="02010609030101010101" pitchFamily="49" charset="-122"/>
-                <a:ea typeface="新宋体" panose="02010609030101010101" pitchFamily="49" charset="-122"/>
-              </a:rPr>
-              <a:t>; i++)</a:t>
-            </a:r>
-          </a:p>
-          <a:p>
-            <a:pPr lvl="1"/>
-            <a:r>
-              <a:rPr lang="en-US" altLang="zh-CN" sz="1400" dirty="0">
-                <a:solidFill>
-                  <a:srgbClr val="000000"/>
-                </a:solidFill>
-                <a:latin typeface="新宋体" panose="02010609030101010101" pitchFamily="49" charset="-122"/>
-                <a:ea typeface="新宋体" panose="02010609030101010101" pitchFamily="49" charset="-122"/>
-              </a:rPr>
-              <a:t>	</a:t>
-            </a:r>
-            <a:r>
-              <a:rPr lang="en-US" altLang="zh-CN" sz="1400" dirty="0" err="1">
-                <a:solidFill>
-                  <a:srgbClr val="000000"/>
-                </a:solidFill>
-                <a:latin typeface="新宋体" panose="02010609030101010101" pitchFamily="49" charset="-122"/>
-                <a:ea typeface="新宋体" panose="02010609030101010101" pitchFamily="49" charset="-122"/>
-              </a:rPr>
-              <a:t>cin</a:t>
-            </a:r>
-            <a:r>
-              <a:rPr lang="en-US" altLang="zh-CN" sz="1400" dirty="0">
-                <a:solidFill>
-                  <a:srgbClr val="000000"/>
-                </a:solidFill>
-                <a:latin typeface="新宋体" panose="02010609030101010101" pitchFamily="49" charset="-122"/>
-                <a:ea typeface="新宋体" panose="02010609030101010101" pitchFamily="49" charset="-122"/>
-              </a:rPr>
-              <a:t> </a:t>
-            </a:r>
-            <a:r>
-              <a:rPr lang="en-US" altLang="zh-CN" sz="1400" dirty="0">
-                <a:solidFill>
-                  <a:srgbClr val="008080"/>
-                </a:solidFill>
-                <a:latin typeface="新宋体" panose="02010609030101010101" pitchFamily="49" charset="-122"/>
-                <a:ea typeface="新宋体" panose="02010609030101010101" pitchFamily="49" charset="-122"/>
-              </a:rPr>
-              <a:t>&gt;&gt;</a:t>
-            </a:r>
-            <a:r>
-              <a:rPr lang="en-US" altLang="zh-CN" sz="1400" dirty="0">
-                <a:solidFill>
-                  <a:srgbClr val="000000"/>
-                </a:solidFill>
-                <a:latin typeface="新宋体" panose="02010609030101010101" pitchFamily="49" charset="-122"/>
-                <a:ea typeface="新宋体" panose="02010609030101010101" pitchFamily="49" charset="-122"/>
-              </a:rPr>
-              <a:t> </a:t>
-            </a:r>
-            <a:r>
-              <a:rPr lang="en-US" altLang="zh-CN" sz="1400" dirty="0">
-                <a:solidFill>
-                  <a:srgbClr val="808080"/>
-                </a:solidFill>
-                <a:latin typeface="新宋体" panose="02010609030101010101" pitchFamily="49" charset="-122"/>
-                <a:ea typeface="新宋体" panose="02010609030101010101" pitchFamily="49" charset="-122"/>
-              </a:rPr>
-              <a:t>s</a:t>
-            </a:r>
-            <a:r>
-              <a:rPr lang="en-US" altLang="zh-CN" sz="1400" dirty="0">
-                <a:solidFill>
-                  <a:srgbClr val="000000"/>
-                </a:solidFill>
-                <a:latin typeface="新宋体" panose="02010609030101010101" pitchFamily="49" charset="-122"/>
-                <a:ea typeface="新宋体" panose="02010609030101010101" pitchFamily="49" charset="-122"/>
-              </a:rPr>
-              <a:t>[i].Name </a:t>
-            </a:r>
-            <a:r>
-              <a:rPr lang="en-US" altLang="zh-CN" sz="1400" dirty="0">
-                <a:solidFill>
-                  <a:srgbClr val="008080"/>
-                </a:solidFill>
-                <a:latin typeface="新宋体" panose="02010609030101010101" pitchFamily="49" charset="-122"/>
-                <a:ea typeface="新宋体" panose="02010609030101010101" pitchFamily="49" charset="-122"/>
-              </a:rPr>
-              <a:t>&gt;&gt;</a:t>
-            </a:r>
-            <a:r>
-              <a:rPr lang="en-US" altLang="zh-CN" sz="1400" dirty="0">
-                <a:solidFill>
-                  <a:srgbClr val="000000"/>
-                </a:solidFill>
-                <a:latin typeface="新宋体" panose="02010609030101010101" pitchFamily="49" charset="-122"/>
-                <a:ea typeface="新宋体" panose="02010609030101010101" pitchFamily="49" charset="-122"/>
-              </a:rPr>
-              <a:t> </a:t>
-            </a:r>
-            <a:r>
-              <a:rPr lang="en-US" altLang="zh-CN" sz="1400" dirty="0">
-                <a:solidFill>
-                  <a:srgbClr val="808080"/>
-                </a:solidFill>
-                <a:latin typeface="新宋体" panose="02010609030101010101" pitchFamily="49" charset="-122"/>
-                <a:ea typeface="新宋体" panose="02010609030101010101" pitchFamily="49" charset="-122"/>
-              </a:rPr>
-              <a:t>s</a:t>
-            </a:r>
-            <a:r>
-              <a:rPr lang="en-US" altLang="zh-CN" sz="1400" dirty="0">
-                <a:solidFill>
-                  <a:srgbClr val="000000"/>
-                </a:solidFill>
-                <a:latin typeface="新宋体" panose="02010609030101010101" pitchFamily="49" charset="-122"/>
-                <a:ea typeface="新宋体" panose="02010609030101010101" pitchFamily="49" charset="-122"/>
-              </a:rPr>
-              <a:t>[i].Score;</a:t>
-            </a:r>
-          </a:p>
-          <a:p>
-            <a:pPr lvl="1"/>
-            <a:r>
-              <a:rPr lang="en-US" altLang="zh-CN" sz="1400" dirty="0">
-                <a:solidFill>
-                  <a:srgbClr val="0000FF"/>
-                </a:solidFill>
-                <a:latin typeface="新宋体" panose="02010609030101010101" pitchFamily="49" charset="-122"/>
-                <a:ea typeface="新宋体" panose="02010609030101010101" pitchFamily="49" charset="-122"/>
-              </a:rPr>
-              <a:t>return</a:t>
-            </a:r>
-            <a:r>
-              <a:rPr lang="en-US" altLang="zh-CN" sz="1400" dirty="0">
-                <a:solidFill>
-                  <a:srgbClr val="000000"/>
-                </a:solidFill>
-                <a:latin typeface="新宋体" panose="02010609030101010101" pitchFamily="49" charset="-122"/>
-                <a:ea typeface="新宋体" panose="02010609030101010101" pitchFamily="49" charset="-122"/>
-              </a:rPr>
-              <a:t> 0;</a:t>
-            </a:r>
-          </a:p>
-          <a:p>
-            <a:r>
-              <a:rPr lang="en-US" altLang="zh-CN" sz="1400" dirty="0">
-                <a:solidFill>
-                  <a:srgbClr val="000000"/>
-                </a:solidFill>
-                <a:latin typeface="新宋体" panose="02010609030101010101" pitchFamily="49" charset="-122"/>
-                <a:ea typeface="新宋体" panose="02010609030101010101" pitchFamily="49" charset="-122"/>
-              </a:rPr>
-              <a:t>}</a:t>
-            </a:r>
-          </a:p>
-          <a:p>
-            <a:r>
-              <a:rPr lang="en-US" altLang="zh-CN" sz="1400" dirty="0" err="1">
-                <a:solidFill>
-                  <a:srgbClr val="0000FF"/>
-                </a:solidFill>
-                <a:latin typeface="新宋体" panose="02010609030101010101" pitchFamily="49" charset="-122"/>
-                <a:ea typeface="新宋体" panose="02010609030101010101" pitchFamily="49" charset="-122"/>
-              </a:rPr>
-              <a:t>int</a:t>
-            </a:r>
-            <a:r>
-              <a:rPr lang="en-US" altLang="zh-CN" sz="1400" dirty="0">
-                <a:solidFill>
-                  <a:srgbClr val="000000"/>
-                </a:solidFill>
-                <a:latin typeface="新宋体" panose="02010609030101010101" pitchFamily="49" charset="-122"/>
-                <a:ea typeface="新宋体" panose="02010609030101010101" pitchFamily="49" charset="-122"/>
-              </a:rPr>
-              <a:t> </a:t>
-            </a:r>
-            <a:r>
-              <a:rPr lang="en-US" altLang="zh-CN" sz="1400" dirty="0" err="1">
-                <a:solidFill>
-                  <a:srgbClr val="000000"/>
-                </a:solidFill>
-                <a:latin typeface="新宋体" panose="02010609030101010101" pitchFamily="49" charset="-122"/>
-                <a:ea typeface="新宋体" panose="02010609030101010101" pitchFamily="49" charset="-122"/>
-              </a:rPr>
-              <a:t>GetIndexOfMax</a:t>
-            </a:r>
-            <a:r>
-              <a:rPr lang="en-US" altLang="zh-CN" sz="1400" dirty="0">
-                <a:solidFill>
-                  <a:srgbClr val="000000"/>
-                </a:solidFill>
-                <a:latin typeface="新宋体" panose="02010609030101010101" pitchFamily="49" charset="-122"/>
-                <a:ea typeface="新宋体" panose="02010609030101010101" pitchFamily="49" charset="-122"/>
-              </a:rPr>
-              <a:t>(</a:t>
-            </a:r>
-            <a:r>
-              <a:rPr lang="en-US" altLang="zh-CN" sz="1400" dirty="0">
-                <a:solidFill>
-                  <a:srgbClr val="2B91AF"/>
-                </a:solidFill>
-                <a:latin typeface="新宋体" panose="02010609030101010101" pitchFamily="49" charset="-122"/>
-                <a:ea typeface="新宋体" panose="02010609030101010101" pitchFamily="49" charset="-122"/>
-              </a:rPr>
-              <a:t>Student</a:t>
-            </a:r>
-            <a:r>
-              <a:rPr lang="en-US" altLang="zh-CN" sz="1400" dirty="0">
-                <a:solidFill>
-                  <a:srgbClr val="000000"/>
-                </a:solidFill>
-                <a:latin typeface="新宋体" panose="02010609030101010101" pitchFamily="49" charset="-122"/>
-                <a:ea typeface="新宋体" panose="02010609030101010101" pitchFamily="49" charset="-122"/>
-              </a:rPr>
-              <a:t> </a:t>
-            </a:r>
-            <a:r>
-              <a:rPr lang="en-US" altLang="zh-CN" sz="1400" dirty="0">
-                <a:solidFill>
-                  <a:srgbClr val="808080"/>
-                </a:solidFill>
-                <a:latin typeface="新宋体" panose="02010609030101010101" pitchFamily="49" charset="-122"/>
-                <a:ea typeface="新宋体" panose="02010609030101010101" pitchFamily="49" charset="-122"/>
-              </a:rPr>
-              <a:t>s</a:t>
-            </a:r>
-            <a:r>
-              <a:rPr lang="en-US" altLang="zh-CN" sz="1400" dirty="0">
-                <a:solidFill>
-                  <a:srgbClr val="000000"/>
-                </a:solidFill>
-                <a:latin typeface="新宋体" panose="02010609030101010101" pitchFamily="49" charset="-122"/>
-                <a:ea typeface="新宋体" panose="02010609030101010101" pitchFamily="49" charset="-122"/>
-              </a:rPr>
-              <a:t>[], </a:t>
-            </a:r>
-            <a:r>
-              <a:rPr lang="en-US" altLang="zh-CN" sz="1400" dirty="0" err="1">
-                <a:solidFill>
-                  <a:srgbClr val="0000FF"/>
-                </a:solidFill>
-                <a:latin typeface="新宋体" panose="02010609030101010101" pitchFamily="49" charset="-122"/>
-                <a:ea typeface="新宋体" panose="02010609030101010101" pitchFamily="49" charset="-122"/>
-              </a:rPr>
-              <a:t>int</a:t>
-            </a:r>
-            <a:r>
-              <a:rPr lang="en-US" altLang="zh-CN" sz="1400" dirty="0">
-                <a:solidFill>
-                  <a:srgbClr val="000000"/>
-                </a:solidFill>
-                <a:latin typeface="新宋体" panose="02010609030101010101" pitchFamily="49" charset="-122"/>
-                <a:ea typeface="新宋体" panose="02010609030101010101" pitchFamily="49" charset="-122"/>
-              </a:rPr>
-              <a:t> </a:t>
-            </a:r>
-            <a:r>
-              <a:rPr lang="en-US" altLang="zh-CN" sz="1400" dirty="0">
-                <a:solidFill>
-                  <a:srgbClr val="808080"/>
-                </a:solidFill>
-                <a:latin typeface="新宋体" panose="02010609030101010101" pitchFamily="49" charset="-122"/>
-                <a:ea typeface="新宋体" panose="02010609030101010101" pitchFamily="49" charset="-122"/>
-              </a:rPr>
-              <a:t>n</a:t>
-            </a:r>
-            <a:r>
-              <a:rPr lang="en-US" altLang="zh-CN" sz="1400" dirty="0">
-                <a:solidFill>
-                  <a:srgbClr val="000000"/>
-                </a:solidFill>
-                <a:latin typeface="新宋体" panose="02010609030101010101" pitchFamily="49" charset="-122"/>
-                <a:ea typeface="新宋体" panose="02010609030101010101" pitchFamily="49" charset="-122"/>
-              </a:rPr>
-              <a:t>)</a:t>
-            </a:r>
-          </a:p>
-          <a:p>
-            <a:r>
-              <a:rPr lang="en-US" altLang="zh-CN" sz="1400" dirty="0">
-                <a:solidFill>
-                  <a:srgbClr val="000000"/>
-                </a:solidFill>
-                <a:latin typeface="新宋体" panose="02010609030101010101" pitchFamily="49" charset="-122"/>
-                <a:ea typeface="新宋体" panose="02010609030101010101" pitchFamily="49" charset="-122"/>
-              </a:rPr>
-              <a:t>{</a:t>
-            </a:r>
-          </a:p>
-          <a:p>
-            <a:pPr lvl="1"/>
-            <a:r>
-              <a:rPr lang="en-US" altLang="zh-CN" sz="1400" dirty="0">
-                <a:solidFill>
-                  <a:srgbClr val="0000FF"/>
-                </a:solidFill>
-                <a:latin typeface="新宋体" panose="02010609030101010101" pitchFamily="49" charset="-122"/>
-                <a:ea typeface="新宋体" panose="02010609030101010101" pitchFamily="49" charset="-122"/>
-              </a:rPr>
-              <a:t>if</a:t>
-            </a:r>
-            <a:r>
-              <a:rPr lang="en-US" altLang="zh-CN" sz="1400" dirty="0">
-                <a:solidFill>
-                  <a:srgbClr val="000000"/>
-                </a:solidFill>
-                <a:latin typeface="新宋体" panose="02010609030101010101" pitchFamily="49" charset="-122"/>
-                <a:ea typeface="新宋体" panose="02010609030101010101" pitchFamily="49" charset="-122"/>
-              </a:rPr>
-              <a:t> (</a:t>
-            </a:r>
-            <a:r>
-              <a:rPr lang="en-US" altLang="zh-CN" sz="1400" dirty="0">
-                <a:solidFill>
-                  <a:srgbClr val="808080"/>
-                </a:solidFill>
-                <a:latin typeface="新宋体" panose="02010609030101010101" pitchFamily="49" charset="-122"/>
-                <a:ea typeface="新宋体" panose="02010609030101010101" pitchFamily="49" charset="-122"/>
-              </a:rPr>
-              <a:t>s</a:t>
-            </a:r>
-            <a:r>
-              <a:rPr lang="en-US" altLang="zh-CN" sz="1400" dirty="0">
-                <a:solidFill>
-                  <a:srgbClr val="000000"/>
-                </a:solidFill>
-                <a:latin typeface="新宋体" panose="02010609030101010101" pitchFamily="49" charset="-122"/>
-                <a:ea typeface="新宋体" panose="02010609030101010101" pitchFamily="49" charset="-122"/>
-              </a:rPr>
-              <a:t> </a:t>
-            </a:r>
-            <a:r>
-              <a:rPr lang="en-US" altLang="zh-CN" sz="1400">
-                <a:solidFill>
-                  <a:srgbClr val="000000"/>
-                </a:solidFill>
-                <a:latin typeface="新宋体" panose="02010609030101010101" pitchFamily="49" charset="-122"/>
-                <a:ea typeface="新宋体" panose="02010609030101010101" pitchFamily="49" charset="-122"/>
-              </a:rPr>
-              <a:t>== </a:t>
-            </a:r>
-            <a:r>
-              <a:rPr lang="en-US" altLang="zh-CN" sz="1400">
-                <a:solidFill>
-                  <a:srgbClr val="6F008A"/>
-                </a:solidFill>
-                <a:latin typeface="新宋体" panose="02010609030101010101" pitchFamily="49" charset="-122"/>
-                <a:ea typeface="新宋体" panose="02010609030101010101" pitchFamily="49" charset="-122"/>
-              </a:rPr>
-              <a:t>NULL</a:t>
-            </a:r>
-            <a:r>
-              <a:rPr lang="en-US" altLang="zh-CN" sz="1400">
-                <a:solidFill>
-                  <a:srgbClr val="000000"/>
-                </a:solidFill>
-                <a:latin typeface="新宋体" panose="02010609030101010101" pitchFamily="49" charset="-122"/>
-                <a:ea typeface="新宋体" panose="02010609030101010101" pitchFamily="49" charset="-122"/>
-              </a:rPr>
-              <a:t> </a:t>
-            </a:r>
-            <a:r>
-              <a:rPr lang="en-US" altLang="zh-CN" sz="1400" dirty="0">
-                <a:solidFill>
-                  <a:srgbClr val="000000"/>
-                </a:solidFill>
-                <a:latin typeface="新宋体" panose="02010609030101010101" pitchFamily="49" charset="-122"/>
-                <a:ea typeface="新宋体" panose="02010609030101010101" pitchFamily="49" charset="-122"/>
-              </a:rPr>
-              <a:t>|| </a:t>
+                  <a:srgbClr val="000000"/>
+                </a:solidFill>
+                <a:latin typeface="新宋体" panose="02010609030101010101" pitchFamily="49" charset="-122"/>
+                <a:ea typeface="新宋体" panose="02010609030101010101" pitchFamily="49" charset="-122"/>
+              </a:rPr>
+              <a:t> || </a:t>
             </a:r>
             <a:r>
               <a:rPr lang="en-US" altLang="zh-CN" sz="1400" dirty="0">

--- a/教案/第00章 语言基础.pptx
+++ b/教案/第00章 语言基础.pptx
@@ -290,12 +290,6 @@
       </pc:sldChg>
     </pc:docChg>
   </pc:docChgLst>
-  <pc:docChgLst>
-    <pc:chgData name="Siwei PENG" userId="8c9d49ea30389574" providerId="LiveId" clId="{FFB6E04F-921F-4B7D-8DAC-2319400C2E98}"/>
-  </pc:docChgLst>
-  <pc:docChgLst>
-    <pc:chgData name="Siwei PENG" userId="8c9d49ea30389574" providerId="LiveId" clId="{848E7EF0-135E-4BA0-B5E1-03AB0B1631C5}"/>
-  </pc:docChgLst>
 </pc:chgInfo>
 </file>
 
@@ -381,7 +375,7 @@
           <a:p>
             <a:fld id="{07D5EC8A-DED5-4534-8812-4BFE99EACB50}" type="datetimeFigureOut">
               <a:rPr lang="zh-CN" altLang="en-US" smtClean="0"/>
-              <a:t>2019/9/28</a:t>
+              <a:t>2020-09-10</a:t>
             </a:fld>
             <a:endParaRPr lang="zh-CN" altLang="en-US"/>
           </a:p>
@@ -8417,41 +8411,6 @@
           </a:p>
         </p:txBody>
       </p:sp>
-      <p:pic>
-        <p:nvPicPr>
-          <p:cNvPr id="6" name="图片 5" descr="图片包含 屏幕截图&#10;&#10;描述已自动生成">
-            <a:extLst>
-              <a:ext uri="{FF2B5EF4-FFF2-40B4-BE49-F238E27FC236}">
-                <a16:creationId xmlns:a16="http://schemas.microsoft.com/office/drawing/2014/main" id="{EE694CC3-09E9-4938-808A-8DA02E9982FF}"/>
-              </a:ext>
-            </a:extLst>
-          </p:cNvPr>
-          <p:cNvPicPr>
-            <a:picLocks noChangeAspect="1"/>
-          </p:cNvPicPr>
-          <p:nvPr/>
-        </p:nvPicPr>
-        <p:blipFill rotWithShape="1">
-          <a:blip r:embed="rId3">
-            <a:extLst>
-              <a:ext uri="{28A0092B-C50C-407E-A947-70E740481C1C}">
-                <a14:useLocalDpi xmlns:a14="http://schemas.microsoft.com/office/drawing/2010/main" val="0"/>
-              </a:ext>
-            </a:extLst>
-          </a:blip>
-          <a:srcRect l="7884" t="27950" r="7884" b="17450"/>
-          <a:stretch/>
-        </p:blipFill>
-        <p:spPr>
-          <a:xfrm>
-            <a:off x="9336360" y="116632"/>
-            <a:ext cx="2736304" cy="3744416"/>
-          </a:xfrm>
-          <a:prstGeom prst="rect">
-            <a:avLst/>
-          </a:prstGeom>
-        </p:spPr>
-      </p:pic>
     </p:spTree>
     <p:extLst>
       <p:ext uri="{BB962C8B-B14F-4D97-AF65-F5344CB8AC3E}">

--- a/教案/第00章 语言基础.pptx
+++ b/教案/第00章 语言基础.pptx
@@ -23,7 +23,7 @@
     <p:sldId id="272" r:id="rId14"/>
     <p:sldId id="274" r:id="rId15"/>
     <p:sldId id="275" r:id="rId16"/>
-    <p:sldId id="276" r:id="rId17"/>
+    <p:sldId id="283" r:id="rId17"/>
     <p:sldId id="277" r:id="rId18"/>
     <p:sldId id="278" r:id="rId19"/>
     <p:sldId id="279" r:id="rId20"/>
@@ -375,7 +375,7 @@
           <a:p>
             <a:fld id="{07D5EC8A-DED5-4534-8812-4BFE99EACB50}" type="datetimeFigureOut">
               <a:rPr lang="zh-CN" altLang="en-US" smtClean="0"/>
-              <a:t>2020-09-10</a:t>
+              <a:t>2020-09-23</a:t>
             </a:fld>
             <a:endParaRPr lang="zh-CN" altLang="en-US"/>
           </a:p>
@@ -806,6 +806,90 @@
     <p:extLst>
       <p:ext uri="{BB962C8B-B14F-4D97-AF65-F5344CB8AC3E}">
         <p14:creationId xmlns:p14="http://schemas.microsoft.com/office/powerpoint/2010/main" val="4049311626"/>
+      </p:ext>
+    </p:extLst>
+  </p:cSld>
+  <p:clrMapOvr>
+    <a:masterClrMapping/>
+  </p:clrMapOvr>
+</p:notes>
+</file>
+
+<file path=ppt/notesSlides/notesSlide3.xml><?xml version="1.0" encoding="utf-8"?>
+<p:notes xmlns:a="http://schemas.openxmlformats.org/drawingml/2006/main" xmlns:r="http://schemas.openxmlformats.org/officeDocument/2006/relationships" xmlns:p="http://schemas.openxmlformats.org/presentationml/2006/main">
+  <p:cSld>
+    <p:spTree>
+      <p:nvGrpSpPr>
+        <p:cNvPr id="1" name=""/>
+        <p:cNvGrpSpPr/>
+        <p:nvPr/>
+      </p:nvGrpSpPr>
+      <p:grpSpPr>
+        <a:xfrm>
+          <a:off x="0" y="0"/>
+          <a:ext cx="0" cy="0"/>
+          <a:chOff x="0" y="0"/>
+          <a:chExt cx="0" cy="0"/>
+        </a:xfrm>
+      </p:grpSpPr>
+      <p:sp>
+        <p:nvSpPr>
+          <p:cNvPr id="2" name="幻灯片图像占位符 1"/>
+          <p:cNvSpPr>
+            <a:spLocks noGrp="1" noRot="1" noChangeAspect="1"/>
+          </p:cNvSpPr>
+          <p:nvPr>
+            <p:ph type="sldImg"/>
+          </p:nvPr>
+        </p:nvSpPr>
+        <p:spPr/>
+      </p:sp>
+      <p:sp>
+        <p:nvSpPr>
+          <p:cNvPr id="3" name="备注占位符 2"/>
+          <p:cNvSpPr>
+            <a:spLocks noGrp="1"/>
+          </p:cNvSpPr>
+          <p:nvPr>
+            <p:ph type="body" idx="1"/>
+          </p:nvPr>
+        </p:nvSpPr>
+        <p:spPr/>
+        <p:txBody>
+          <a:bodyPr/>
+          <a:lstStyle/>
+          <a:p>
+            <a:endParaRPr lang="zh-CN" altLang="en-US" dirty="0"/>
+          </a:p>
+        </p:txBody>
+      </p:sp>
+      <p:sp>
+        <p:nvSpPr>
+          <p:cNvPr id="4" name="灯片编号占位符 3"/>
+          <p:cNvSpPr>
+            <a:spLocks noGrp="1"/>
+          </p:cNvSpPr>
+          <p:nvPr>
+            <p:ph type="sldNum" sz="quarter" idx="5"/>
+          </p:nvPr>
+        </p:nvSpPr>
+        <p:spPr/>
+        <p:txBody>
+          <a:bodyPr/>
+          <a:lstStyle/>
+          <a:p>
+            <a:fld id="{F76373D5-A435-4CBA-8BDB-CB2F6543F1DE}" type="slidenum">
+              <a:rPr lang="zh-CN" altLang="en-US" smtClean="0"/>
+              <a:t>14</a:t>
+            </a:fld>
+            <a:endParaRPr lang="zh-CN" altLang="en-US"/>
+          </a:p>
+        </p:txBody>
+      </p:sp>
+    </p:spTree>
+    <p:extLst>
+      <p:ext uri="{BB962C8B-B14F-4D97-AF65-F5344CB8AC3E}">
+        <p14:creationId xmlns:p14="http://schemas.microsoft.com/office/powerpoint/2010/main" val="3257841665"/>
       </p:ext>
     </p:extLst>
   </p:cSld>
@@ -12462,10 +12546,10 @@
       </p:sp>
       <p:grpSp>
         <p:nvGrpSpPr>
-          <p:cNvPr id="19" name="组合 18">
+          <p:cNvPr id="22" name="组合 21">
             <a:extLst>
               <a:ext uri="{FF2B5EF4-FFF2-40B4-BE49-F238E27FC236}">
-                <a16:creationId xmlns:a16="http://schemas.microsoft.com/office/drawing/2014/main" id="{B097D123-84D2-48C1-A76A-BF6E369B5DC7}"/>
+                <a16:creationId xmlns:a16="http://schemas.microsoft.com/office/drawing/2014/main" id="{8AE7E65A-C1F5-4754-B415-FED02EDF5C08}"/>
               </a:ext>
             </a:extLst>
           </p:cNvPr>
@@ -12475,17 +12559,486 @@
         <p:grpSpPr>
           <a:xfrm>
             <a:off x="7283938" y="3397144"/>
-            <a:ext cx="2774463" cy="2514078"/>
-            <a:chOff x="5759937" y="3397144"/>
-            <a:chExt cx="2774463" cy="2514078"/>
+            <a:ext cx="3589183" cy="3058783"/>
+            <a:chOff x="7283938" y="3397144"/>
+            <a:chExt cx="3589183" cy="3058783"/>
           </a:xfrm>
         </p:grpSpPr>
+        <p:grpSp>
+          <p:nvGrpSpPr>
+            <p:cNvPr id="19" name="组合 18">
+              <a:extLst>
+                <a:ext uri="{FF2B5EF4-FFF2-40B4-BE49-F238E27FC236}">
+                  <a16:creationId xmlns:a16="http://schemas.microsoft.com/office/drawing/2014/main" id="{B097D123-84D2-48C1-A76A-BF6E369B5DC7}"/>
+                </a:ext>
+              </a:extLst>
+            </p:cNvPr>
+            <p:cNvGrpSpPr/>
+            <p:nvPr/>
+          </p:nvGrpSpPr>
+          <p:grpSpPr>
+            <a:xfrm>
+              <a:off x="7283938" y="3397144"/>
+              <a:ext cx="2774463" cy="2514078"/>
+              <a:chOff x="5759937" y="3397144"/>
+              <a:chExt cx="2774463" cy="2514078"/>
+            </a:xfrm>
+          </p:grpSpPr>
+          <p:sp>
+            <p:nvSpPr>
+              <p:cNvPr id="5" name="矩形 4">
+                <a:extLst>
+                  <a:ext uri="{FF2B5EF4-FFF2-40B4-BE49-F238E27FC236}">
+                    <a16:creationId xmlns:a16="http://schemas.microsoft.com/office/drawing/2014/main" id="{140E2859-7E9E-4FC4-93C9-2CD3DD7BFB1F}"/>
+                  </a:ext>
+                </a:extLst>
+              </p:cNvPr>
+              <p:cNvSpPr/>
+              <p:nvPr/>
+            </p:nvSpPr>
+            <p:spPr>
+              <a:xfrm>
+                <a:off x="6012160" y="3501008"/>
+                <a:ext cx="2522240" cy="2410214"/>
+              </a:xfrm>
+              <a:prstGeom prst="rect">
+                <a:avLst/>
+              </a:prstGeom>
+              <a:noFill/>
+            </p:spPr>
+            <p:style>
+              <a:lnRef idx="2">
+                <a:schemeClr val="accent1">
+                  <a:shade val="50000"/>
+                </a:schemeClr>
+              </a:lnRef>
+              <a:fillRef idx="1">
+                <a:schemeClr val="accent1"/>
+              </a:fillRef>
+              <a:effectRef idx="0">
+                <a:schemeClr val="accent1"/>
+              </a:effectRef>
+              <a:fontRef idx="minor">
+                <a:schemeClr val="lt1"/>
+              </a:fontRef>
+            </p:style>
+            <p:txBody>
+              <a:bodyPr rot="0" spcFirstLastPara="0" vertOverflow="overflow" horzOverflow="overflow" vert="horz" wrap="square" lIns="91440" tIns="45720" rIns="91440" bIns="45720" numCol="1" spcCol="0" rtlCol="0" fromWordArt="0" anchor="ctr" anchorCtr="0" forceAA="0" compatLnSpc="1">
+                <a:prstTxWarp prst="textNoShape">
+                  <a:avLst/>
+                </a:prstTxWarp>
+                <a:noAutofit/>
+              </a:bodyPr>
+              <a:lstStyle/>
+              <a:p>
+                <a:pPr algn="ctr"/>
+                <a:endParaRPr lang="zh-CN" altLang="en-US"/>
+              </a:p>
+            </p:txBody>
+          </p:sp>
+          <p:cxnSp>
+            <p:nvCxnSpPr>
+              <p:cNvPr id="7" name="直接连接符 6">
+                <a:extLst>
+                  <a:ext uri="{FF2B5EF4-FFF2-40B4-BE49-F238E27FC236}">
+                    <a16:creationId xmlns:a16="http://schemas.microsoft.com/office/drawing/2014/main" id="{0A7368B6-D352-44C5-8D57-25A32473E512}"/>
+                  </a:ext>
+                </a:extLst>
+              </p:cNvPr>
+              <p:cNvCxnSpPr/>
+              <p:nvPr/>
+            </p:nvCxnSpPr>
+            <p:spPr>
+              <a:xfrm>
+                <a:off x="6012160" y="3789040"/>
+                <a:ext cx="2522240" cy="0"/>
+              </a:xfrm>
+              <a:prstGeom prst="line">
+                <a:avLst/>
+              </a:prstGeom>
+            </p:spPr>
+            <p:style>
+              <a:lnRef idx="1">
+                <a:schemeClr val="accent1"/>
+              </a:lnRef>
+              <a:fillRef idx="0">
+                <a:schemeClr val="accent1"/>
+              </a:fillRef>
+              <a:effectRef idx="0">
+                <a:schemeClr val="accent1"/>
+              </a:effectRef>
+              <a:fontRef idx="minor">
+                <a:schemeClr val="tx1"/>
+              </a:fontRef>
+            </p:style>
+          </p:cxnSp>
+          <p:cxnSp>
+            <p:nvCxnSpPr>
+              <p:cNvPr id="8" name="直接连接符 7">
+                <a:extLst>
+                  <a:ext uri="{FF2B5EF4-FFF2-40B4-BE49-F238E27FC236}">
+                    <a16:creationId xmlns:a16="http://schemas.microsoft.com/office/drawing/2014/main" id="{292ADAE5-50BB-4985-8D8E-F98AB05BD5B6}"/>
+                  </a:ext>
+                </a:extLst>
+              </p:cNvPr>
+              <p:cNvCxnSpPr/>
+              <p:nvPr/>
+            </p:nvCxnSpPr>
+            <p:spPr>
+              <a:xfrm>
+                <a:off x="6012160" y="4077072"/>
+                <a:ext cx="2522240" cy="0"/>
+              </a:xfrm>
+              <a:prstGeom prst="line">
+                <a:avLst/>
+              </a:prstGeom>
+            </p:spPr>
+            <p:style>
+              <a:lnRef idx="1">
+                <a:schemeClr val="accent1"/>
+              </a:lnRef>
+              <a:fillRef idx="0">
+                <a:schemeClr val="accent1"/>
+              </a:fillRef>
+              <a:effectRef idx="0">
+                <a:schemeClr val="accent1"/>
+              </a:effectRef>
+              <a:fontRef idx="minor">
+                <a:schemeClr val="tx1"/>
+              </a:fontRef>
+            </p:style>
+          </p:cxnSp>
+          <p:cxnSp>
+            <p:nvCxnSpPr>
+              <p:cNvPr id="9" name="直接连接符 8">
+                <a:extLst>
+                  <a:ext uri="{FF2B5EF4-FFF2-40B4-BE49-F238E27FC236}">
+                    <a16:creationId xmlns:a16="http://schemas.microsoft.com/office/drawing/2014/main" id="{DFE50752-84DE-4AB1-A3E6-5E4D1ED828C4}"/>
+                  </a:ext>
+                </a:extLst>
+              </p:cNvPr>
+              <p:cNvCxnSpPr/>
+              <p:nvPr/>
+            </p:nvCxnSpPr>
+            <p:spPr>
+              <a:xfrm>
+                <a:off x="6012160" y="4437112"/>
+                <a:ext cx="2522240" cy="0"/>
+              </a:xfrm>
+              <a:prstGeom prst="line">
+                <a:avLst/>
+              </a:prstGeom>
+            </p:spPr>
+            <p:style>
+              <a:lnRef idx="1">
+                <a:schemeClr val="accent1"/>
+              </a:lnRef>
+              <a:fillRef idx="0">
+                <a:schemeClr val="accent1"/>
+              </a:fillRef>
+              <a:effectRef idx="0">
+                <a:schemeClr val="accent1"/>
+              </a:effectRef>
+              <a:fontRef idx="minor">
+                <a:schemeClr val="tx1"/>
+              </a:fontRef>
+            </p:style>
+          </p:cxnSp>
+          <p:cxnSp>
+            <p:nvCxnSpPr>
+              <p:cNvPr id="11" name="直接连接符 10">
+                <a:extLst>
+                  <a:ext uri="{FF2B5EF4-FFF2-40B4-BE49-F238E27FC236}">
+                    <a16:creationId xmlns:a16="http://schemas.microsoft.com/office/drawing/2014/main" id="{4209BB50-4AD9-43D6-B6F0-2209301EF781}"/>
+                  </a:ext>
+                </a:extLst>
+              </p:cNvPr>
+              <p:cNvCxnSpPr/>
+              <p:nvPr/>
+            </p:nvCxnSpPr>
+            <p:spPr>
+              <a:xfrm>
+                <a:off x="6300192" y="3501008"/>
+                <a:ext cx="0" cy="2410214"/>
+              </a:xfrm>
+              <a:prstGeom prst="line">
+                <a:avLst/>
+              </a:prstGeom>
+            </p:spPr>
+            <p:style>
+              <a:lnRef idx="1">
+                <a:schemeClr val="accent1"/>
+              </a:lnRef>
+              <a:fillRef idx="0">
+                <a:schemeClr val="accent1"/>
+              </a:fillRef>
+              <a:effectRef idx="0">
+                <a:schemeClr val="accent1"/>
+              </a:effectRef>
+              <a:fontRef idx="minor">
+                <a:schemeClr val="tx1"/>
+              </a:fontRef>
+            </p:style>
+          </p:cxnSp>
+          <p:cxnSp>
+            <p:nvCxnSpPr>
+              <p:cNvPr id="12" name="直接连接符 11">
+                <a:extLst>
+                  <a:ext uri="{FF2B5EF4-FFF2-40B4-BE49-F238E27FC236}">
+                    <a16:creationId xmlns:a16="http://schemas.microsoft.com/office/drawing/2014/main" id="{7BB8FF90-717E-427E-A931-4F00A858F8A5}"/>
+                  </a:ext>
+                </a:extLst>
+              </p:cNvPr>
+              <p:cNvCxnSpPr/>
+              <p:nvPr/>
+            </p:nvCxnSpPr>
+            <p:spPr>
+              <a:xfrm>
+                <a:off x="6588224" y="3501008"/>
+                <a:ext cx="0" cy="2410214"/>
+              </a:xfrm>
+              <a:prstGeom prst="line">
+                <a:avLst/>
+              </a:prstGeom>
+            </p:spPr>
+            <p:style>
+              <a:lnRef idx="1">
+                <a:schemeClr val="accent1"/>
+              </a:lnRef>
+              <a:fillRef idx="0">
+                <a:schemeClr val="accent1"/>
+              </a:fillRef>
+              <a:effectRef idx="0">
+                <a:schemeClr val="accent1"/>
+              </a:effectRef>
+              <a:fontRef idx="minor">
+                <a:schemeClr val="tx1"/>
+              </a:fontRef>
+            </p:style>
+          </p:cxnSp>
+          <p:cxnSp>
+            <p:nvCxnSpPr>
+              <p:cNvPr id="13" name="直接连接符 12">
+                <a:extLst>
+                  <a:ext uri="{FF2B5EF4-FFF2-40B4-BE49-F238E27FC236}">
+                    <a16:creationId xmlns:a16="http://schemas.microsoft.com/office/drawing/2014/main" id="{41770DA3-ADEB-419C-86E2-72BFFED415AD}"/>
+                  </a:ext>
+                </a:extLst>
+              </p:cNvPr>
+              <p:cNvCxnSpPr/>
+              <p:nvPr/>
+            </p:nvCxnSpPr>
+            <p:spPr>
+              <a:xfrm>
+                <a:off x="6876256" y="3501008"/>
+                <a:ext cx="0" cy="2410214"/>
+              </a:xfrm>
+              <a:prstGeom prst="line">
+                <a:avLst/>
+              </a:prstGeom>
+            </p:spPr>
+            <p:style>
+              <a:lnRef idx="1">
+                <a:schemeClr val="accent1"/>
+              </a:lnRef>
+              <a:fillRef idx="0">
+                <a:schemeClr val="accent1"/>
+              </a:fillRef>
+              <a:effectRef idx="0">
+                <a:schemeClr val="accent1"/>
+              </a:effectRef>
+              <a:fontRef idx="minor">
+                <a:schemeClr val="tx1"/>
+              </a:fontRef>
+            </p:style>
+          </p:cxnSp>
+          <p:cxnSp>
+            <p:nvCxnSpPr>
+              <p:cNvPr id="14" name="直接连接符 13">
+                <a:extLst>
+                  <a:ext uri="{FF2B5EF4-FFF2-40B4-BE49-F238E27FC236}">
+                    <a16:creationId xmlns:a16="http://schemas.microsoft.com/office/drawing/2014/main" id="{607B98FE-A3D6-4DA3-A97D-D2C76DED299F}"/>
+                  </a:ext>
+                </a:extLst>
+              </p:cNvPr>
+              <p:cNvCxnSpPr/>
+              <p:nvPr/>
+            </p:nvCxnSpPr>
+            <p:spPr>
+              <a:xfrm>
+                <a:off x="7164288" y="3501008"/>
+                <a:ext cx="0" cy="2410214"/>
+              </a:xfrm>
+              <a:prstGeom prst="line">
+                <a:avLst/>
+              </a:prstGeom>
+            </p:spPr>
+            <p:style>
+              <a:lnRef idx="1">
+                <a:schemeClr val="accent1"/>
+              </a:lnRef>
+              <a:fillRef idx="0">
+                <a:schemeClr val="accent1"/>
+              </a:fillRef>
+              <a:effectRef idx="0">
+                <a:schemeClr val="accent1"/>
+              </a:effectRef>
+              <a:fontRef idx="minor">
+                <a:schemeClr val="tx1"/>
+              </a:fontRef>
+            </p:style>
+          </p:cxnSp>
+          <p:cxnSp>
+            <p:nvCxnSpPr>
+              <p:cNvPr id="15" name="直接连接符 14">
+                <a:extLst>
+                  <a:ext uri="{FF2B5EF4-FFF2-40B4-BE49-F238E27FC236}">
+                    <a16:creationId xmlns:a16="http://schemas.microsoft.com/office/drawing/2014/main" id="{3FE5B18E-8F00-4151-A56C-6233EB004F98}"/>
+                  </a:ext>
+                </a:extLst>
+              </p:cNvPr>
+              <p:cNvCxnSpPr/>
+              <p:nvPr/>
+            </p:nvCxnSpPr>
+            <p:spPr>
+              <a:xfrm>
+                <a:off x="6012160" y="4797152"/>
+                <a:ext cx="2522240" cy="0"/>
+              </a:xfrm>
+              <a:prstGeom prst="line">
+                <a:avLst/>
+              </a:prstGeom>
+            </p:spPr>
+            <p:style>
+              <a:lnRef idx="1">
+                <a:schemeClr val="accent1"/>
+              </a:lnRef>
+              <a:fillRef idx="0">
+                <a:schemeClr val="accent1"/>
+              </a:fillRef>
+              <a:effectRef idx="0">
+                <a:schemeClr val="accent1"/>
+              </a:effectRef>
+              <a:fontRef idx="minor">
+                <a:schemeClr val="tx1"/>
+              </a:fontRef>
+            </p:style>
+          </p:cxnSp>
+          <p:sp>
+            <p:nvSpPr>
+              <p:cNvPr id="16" name="文本框 15">
+                <a:extLst>
+                  <a:ext uri="{FF2B5EF4-FFF2-40B4-BE49-F238E27FC236}">
+                    <a16:creationId xmlns:a16="http://schemas.microsoft.com/office/drawing/2014/main" id="{5617331E-81D4-4EB8-8D31-F922B08D37BA}"/>
+                  </a:ext>
+                </a:extLst>
+              </p:cNvPr>
+              <p:cNvSpPr txBox="1"/>
+              <p:nvPr/>
+            </p:nvSpPr>
+            <p:spPr>
+              <a:xfrm>
+                <a:off x="7497855" y="3408774"/>
+                <a:ext cx="646331" cy="369332"/>
+              </a:xfrm>
+              <a:prstGeom prst="rect">
+                <a:avLst/>
+              </a:prstGeom>
+              <a:noFill/>
+            </p:spPr>
+            <p:txBody>
+              <a:bodyPr wrap="none" rtlCol="0">
+                <a:spAutoFit/>
+              </a:bodyPr>
+              <a:lstStyle/>
+              <a:p>
+                <a:r>
+                  <a:rPr lang="en-US" altLang="zh-CN" dirty="0"/>
+                  <a:t>……</a:t>
+                </a:r>
+                <a:endParaRPr lang="zh-CN" altLang="en-US" dirty="0"/>
+              </a:p>
+            </p:txBody>
+          </p:sp>
+          <p:sp>
+            <p:nvSpPr>
+              <p:cNvPr id="17" name="文本框 16">
+                <a:extLst>
+                  <a:ext uri="{FF2B5EF4-FFF2-40B4-BE49-F238E27FC236}">
+                    <a16:creationId xmlns:a16="http://schemas.microsoft.com/office/drawing/2014/main" id="{DBC8E518-CE2F-4839-AD8B-DDB43EEFC878}"/>
+                  </a:ext>
+                </a:extLst>
+              </p:cNvPr>
+              <p:cNvSpPr txBox="1"/>
+              <p:nvPr/>
+            </p:nvSpPr>
+            <p:spPr>
+              <a:xfrm>
+                <a:off x="7452320" y="5169521"/>
+                <a:ext cx="646331" cy="369332"/>
+              </a:xfrm>
+              <a:prstGeom prst="rect">
+                <a:avLst/>
+              </a:prstGeom>
+              <a:noFill/>
+            </p:spPr>
+            <p:txBody>
+              <a:bodyPr wrap="none" rtlCol="0">
+                <a:spAutoFit/>
+              </a:bodyPr>
+              <a:lstStyle/>
+              <a:p>
+                <a:r>
+                  <a:rPr lang="en-US" altLang="zh-CN" dirty="0"/>
+                  <a:t>……</a:t>
+                </a:r>
+                <a:endParaRPr lang="zh-CN" altLang="en-US" dirty="0"/>
+              </a:p>
+            </p:txBody>
+          </p:sp>
+          <p:sp>
+            <p:nvSpPr>
+              <p:cNvPr id="18" name="文本框 17">
+                <a:extLst>
+                  <a:ext uri="{FF2B5EF4-FFF2-40B4-BE49-F238E27FC236}">
+                    <a16:creationId xmlns:a16="http://schemas.microsoft.com/office/drawing/2014/main" id="{881ED055-8CF8-478C-96EE-3D822A5FE7FA}"/>
+                  </a:ext>
+                </a:extLst>
+              </p:cNvPr>
+              <p:cNvSpPr txBox="1"/>
+              <p:nvPr/>
+            </p:nvSpPr>
+            <p:spPr>
+              <a:xfrm>
+                <a:off x="5759937" y="3397144"/>
+                <a:ext cx="300082" cy="369332"/>
+              </a:xfrm>
+              <a:prstGeom prst="rect">
+                <a:avLst/>
+              </a:prstGeom>
+              <a:noFill/>
+            </p:spPr>
+            <p:txBody>
+              <a:bodyPr wrap="none" rtlCol="0">
+                <a:spAutoFit/>
+              </a:bodyPr>
+              <a:lstStyle/>
+              <a:p>
+                <a:r>
+                  <a:rPr lang="en-US" altLang="zh-CN" dirty="0"/>
+                  <a:t>S</a:t>
+                </a:r>
+                <a:endParaRPr lang="zh-CN" altLang="en-US" dirty="0"/>
+              </a:p>
+            </p:txBody>
+          </p:sp>
+        </p:grpSp>
         <p:sp>
           <p:nvSpPr>
-            <p:cNvPr id="5" name="矩形 4">
+            <p:cNvPr id="6" name="右大括号 5">
               <a:extLst>
                 <a:ext uri="{FF2B5EF4-FFF2-40B4-BE49-F238E27FC236}">
-                  <a16:creationId xmlns:a16="http://schemas.microsoft.com/office/drawing/2014/main" id="{140E2859-7E9E-4FC4-93C9-2CD3DD7BFB1F}"/>
+                  <a16:creationId xmlns:a16="http://schemas.microsoft.com/office/drawing/2014/main" id="{A6E702A9-2AEA-4A98-8807-E0FA61FFF4C9}"/>
                 </a:ext>
               </a:extLst>
             </p:cNvPr>
@@ -12494,64 +13047,17 @@
           </p:nvSpPr>
           <p:spPr>
             <a:xfrm>
-              <a:off x="6012160" y="3501008"/>
-              <a:ext cx="2522240" cy="2410214"/>
+              <a:off x="10121179" y="3501008"/>
+              <a:ext cx="184270" cy="2410211"/>
             </a:xfrm>
-            <a:prstGeom prst="rect">
+            <a:prstGeom prst="rightBrace">
               <a:avLst/>
             </a:prstGeom>
-            <a:noFill/>
-          </p:spPr>
-          <p:style>
-            <a:lnRef idx="2">
-              <a:schemeClr val="accent1">
-                <a:shade val="50000"/>
-              </a:schemeClr>
-            </a:lnRef>
-            <a:fillRef idx="1">
-              <a:schemeClr val="accent1"/>
-            </a:fillRef>
-            <a:effectRef idx="0">
-              <a:schemeClr val="accent1"/>
-            </a:effectRef>
-            <a:fontRef idx="minor">
-              <a:schemeClr val="lt1"/>
-            </a:fontRef>
-          </p:style>
-          <p:txBody>
-            <a:bodyPr rot="0" spcFirstLastPara="0" vertOverflow="overflow" horzOverflow="overflow" vert="horz" wrap="square" lIns="91440" tIns="45720" rIns="91440" bIns="45720" numCol="1" spcCol="0" rtlCol="0" fromWordArt="0" anchor="ctr" anchorCtr="0" forceAA="0" compatLnSpc="1">
-              <a:prstTxWarp prst="textNoShape">
-                <a:avLst/>
-              </a:prstTxWarp>
-              <a:noAutofit/>
-            </a:bodyPr>
-            <a:lstStyle/>
-            <a:p>
-              <a:pPr algn="ctr"/>
-              <a:endParaRPr lang="zh-CN" altLang="en-US"/>
-            </a:p>
-          </p:txBody>
-        </p:sp>
-        <p:cxnSp>
-          <p:nvCxnSpPr>
-            <p:cNvPr id="7" name="直接连接符 6">
-              <a:extLst>
-                <a:ext uri="{FF2B5EF4-FFF2-40B4-BE49-F238E27FC236}">
-                  <a16:creationId xmlns:a16="http://schemas.microsoft.com/office/drawing/2014/main" id="{0A7368B6-D352-44C5-8D57-25A32473E512}"/>
-                </a:ext>
-              </a:extLst>
-            </p:cNvPr>
-            <p:cNvCxnSpPr/>
-            <p:nvPr/>
-          </p:nvCxnSpPr>
-          <p:spPr>
-            <a:xfrm>
-              <a:off x="6012160" y="3789040"/>
-              <a:ext cx="2522240" cy="0"/>
-            </a:xfrm>
-            <a:prstGeom prst="line">
-              <a:avLst/>
-            </a:prstGeom>
+            <a:ln>
+              <a:solidFill>
+                <a:srgbClr val="00B0F0"/>
+              </a:solidFill>
+            </a:ln>
           </p:spPr>
           <p:style>
             <a:lnRef idx="1">
@@ -12567,27 +13073,40 @@
               <a:schemeClr val="tx1"/>
             </a:fontRef>
           </p:style>
-        </p:cxnSp>
-        <p:cxnSp>
-          <p:nvCxnSpPr>
-            <p:cNvPr id="8" name="直接连接符 7">
+          <p:txBody>
+            <a:bodyPr rtlCol="0" anchor="ctr"/>
+            <a:lstStyle/>
+            <a:p>
+              <a:pPr algn="ctr"/>
+              <a:endParaRPr lang="zh-CN" altLang="en-US"/>
+            </a:p>
+          </p:txBody>
+        </p:sp>
+        <p:sp>
+          <p:nvSpPr>
+            <p:cNvPr id="20" name="右大括号 19">
               <a:extLst>
                 <a:ext uri="{FF2B5EF4-FFF2-40B4-BE49-F238E27FC236}">
-                  <a16:creationId xmlns:a16="http://schemas.microsoft.com/office/drawing/2014/main" id="{292ADAE5-50BB-4985-8D8E-F98AB05BD5B6}"/>
+                  <a16:creationId xmlns:a16="http://schemas.microsoft.com/office/drawing/2014/main" id="{B1C51A03-CE9F-4B17-9D3E-CB59D5963C07}"/>
                 </a:ext>
               </a:extLst>
             </p:cNvPr>
-            <p:cNvCxnSpPr/>
+            <p:cNvSpPr/>
             <p:nvPr/>
-          </p:nvCxnSpPr>
+          </p:nvSpPr>
           <p:spPr>
-            <a:xfrm>
-              <a:off x="6012160" y="4077072"/>
-              <a:ext cx="2522240" cy="0"/>
+            <a:xfrm rot="5400000">
+              <a:off x="8706828" y="4788262"/>
+              <a:ext cx="180893" cy="2522228"/>
             </a:xfrm>
-            <a:prstGeom prst="line">
+            <a:prstGeom prst="rightBrace">
               <a:avLst/>
             </a:prstGeom>
+            <a:ln>
+              <a:solidFill>
+                <a:srgbClr val="00B0F0"/>
+              </a:solidFill>
+            </a:ln>
           </p:spPr>
           <p:style>
             <a:lnRef idx="1">
@@ -12603,229 +13122,21 @@
               <a:schemeClr val="tx1"/>
             </a:fontRef>
           </p:style>
-        </p:cxnSp>
-        <p:cxnSp>
-          <p:nvCxnSpPr>
-            <p:cNvPr id="9" name="直接连接符 8">
+          <p:txBody>
+            <a:bodyPr rtlCol="0" anchor="ctr"/>
+            <a:lstStyle/>
+            <a:p>
+              <a:pPr algn="ctr"/>
+              <a:endParaRPr lang="zh-CN" altLang="en-US"/>
+            </a:p>
+          </p:txBody>
+        </p:sp>
+        <p:sp>
+          <p:nvSpPr>
+            <p:cNvPr id="10" name="文本框 9">
               <a:extLst>
                 <a:ext uri="{FF2B5EF4-FFF2-40B4-BE49-F238E27FC236}">
-                  <a16:creationId xmlns:a16="http://schemas.microsoft.com/office/drawing/2014/main" id="{DFE50752-84DE-4AB1-A3E6-5E4D1ED828C4}"/>
-                </a:ext>
-              </a:extLst>
-            </p:cNvPr>
-            <p:cNvCxnSpPr/>
-            <p:nvPr/>
-          </p:nvCxnSpPr>
-          <p:spPr>
-            <a:xfrm>
-              <a:off x="6012160" y="4437112"/>
-              <a:ext cx="2522240" cy="0"/>
-            </a:xfrm>
-            <a:prstGeom prst="line">
-              <a:avLst/>
-            </a:prstGeom>
-          </p:spPr>
-          <p:style>
-            <a:lnRef idx="1">
-              <a:schemeClr val="accent1"/>
-            </a:lnRef>
-            <a:fillRef idx="0">
-              <a:schemeClr val="accent1"/>
-            </a:fillRef>
-            <a:effectRef idx="0">
-              <a:schemeClr val="accent1"/>
-            </a:effectRef>
-            <a:fontRef idx="minor">
-              <a:schemeClr val="tx1"/>
-            </a:fontRef>
-          </p:style>
-        </p:cxnSp>
-        <p:cxnSp>
-          <p:nvCxnSpPr>
-            <p:cNvPr id="11" name="直接连接符 10">
-              <a:extLst>
-                <a:ext uri="{FF2B5EF4-FFF2-40B4-BE49-F238E27FC236}">
-                  <a16:creationId xmlns:a16="http://schemas.microsoft.com/office/drawing/2014/main" id="{4209BB50-4AD9-43D6-B6F0-2209301EF781}"/>
-                </a:ext>
-              </a:extLst>
-            </p:cNvPr>
-            <p:cNvCxnSpPr/>
-            <p:nvPr/>
-          </p:nvCxnSpPr>
-          <p:spPr>
-            <a:xfrm>
-              <a:off x="6300192" y="3501008"/>
-              <a:ext cx="0" cy="2410214"/>
-            </a:xfrm>
-            <a:prstGeom prst="line">
-              <a:avLst/>
-            </a:prstGeom>
-          </p:spPr>
-          <p:style>
-            <a:lnRef idx="1">
-              <a:schemeClr val="accent1"/>
-            </a:lnRef>
-            <a:fillRef idx="0">
-              <a:schemeClr val="accent1"/>
-            </a:fillRef>
-            <a:effectRef idx="0">
-              <a:schemeClr val="accent1"/>
-            </a:effectRef>
-            <a:fontRef idx="minor">
-              <a:schemeClr val="tx1"/>
-            </a:fontRef>
-          </p:style>
-        </p:cxnSp>
-        <p:cxnSp>
-          <p:nvCxnSpPr>
-            <p:cNvPr id="12" name="直接连接符 11">
-              <a:extLst>
-                <a:ext uri="{FF2B5EF4-FFF2-40B4-BE49-F238E27FC236}">
-                  <a16:creationId xmlns:a16="http://schemas.microsoft.com/office/drawing/2014/main" id="{7BB8FF90-717E-427E-A931-4F00A858F8A5}"/>
-                </a:ext>
-              </a:extLst>
-            </p:cNvPr>
-            <p:cNvCxnSpPr/>
-            <p:nvPr/>
-          </p:nvCxnSpPr>
-          <p:spPr>
-            <a:xfrm>
-              <a:off x="6588224" y="3501008"/>
-              <a:ext cx="0" cy="2410214"/>
-            </a:xfrm>
-            <a:prstGeom prst="line">
-              <a:avLst/>
-            </a:prstGeom>
-          </p:spPr>
-          <p:style>
-            <a:lnRef idx="1">
-              <a:schemeClr val="accent1"/>
-            </a:lnRef>
-            <a:fillRef idx="0">
-              <a:schemeClr val="accent1"/>
-            </a:fillRef>
-            <a:effectRef idx="0">
-              <a:schemeClr val="accent1"/>
-            </a:effectRef>
-            <a:fontRef idx="minor">
-              <a:schemeClr val="tx1"/>
-            </a:fontRef>
-          </p:style>
-        </p:cxnSp>
-        <p:cxnSp>
-          <p:nvCxnSpPr>
-            <p:cNvPr id="13" name="直接连接符 12">
-              <a:extLst>
-                <a:ext uri="{FF2B5EF4-FFF2-40B4-BE49-F238E27FC236}">
-                  <a16:creationId xmlns:a16="http://schemas.microsoft.com/office/drawing/2014/main" id="{41770DA3-ADEB-419C-86E2-72BFFED415AD}"/>
-                </a:ext>
-              </a:extLst>
-            </p:cNvPr>
-            <p:cNvCxnSpPr/>
-            <p:nvPr/>
-          </p:nvCxnSpPr>
-          <p:spPr>
-            <a:xfrm>
-              <a:off x="6876256" y="3501008"/>
-              <a:ext cx="0" cy="2410214"/>
-            </a:xfrm>
-            <a:prstGeom prst="line">
-              <a:avLst/>
-            </a:prstGeom>
-          </p:spPr>
-          <p:style>
-            <a:lnRef idx="1">
-              <a:schemeClr val="accent1"/>
-            </a:lnRef>
-            <a:fillRef idx="0">
-              <a:schemeClr val="accent1"/>
-            </a:fillRef>
-            <a:effectRef idx="0">
-              <a:schemeClr val="accent1"/>
-            </a:effectRef>
-            <a:fontRef idx="minor">
-              <a:schemeClr val="tx1"/>
-            </a:fontRef>
-          </p:style>
-        </p:cxnSp>
-        <p:cxnSp>
-          <p:nvCxnSpPr>
-            <p:cNvPr id="14" name="直接连接符 13">
-              <a:extLst>
-                <a:ext uri="{FF2B5EF4-FFF2-40B4-BE49-F238E27FC236}">
-                  <a16:creationId xmlns:a16="http://schemas.microsoft.com/office/drawing/2014/main" id="{607B98FE-A3D6-4DA3-A97D-D2C76DED299F}"/>
-                </a:ext>
-              </a:extLst>
-            </p:cNvPr>
-            <p:cNvCxnSpPr/>
-            <p:nvPr/>
-          </p:nvCxnSpPr>
-          <p:spPr>
-            <a:xfrm>
-              <a:off x="7164288" y="3501008"/>
-              <a:ext cx="0" cy="2410214"/>
-            </a:xfrm>
-            <a:prstGeom prst="line">
-              <a:avLst/>
-            </a:prstGeom>
-          </p:spPr>
-          <p:style>
-            <a:lnRef idx="1">
-              <a:schemeClr val="accent1"/>
-            </a:lnRef>
-            <a:fillRef idx="0">
-              <a:schemeClr val="accent1"/>
-            </a:fillRef>
-            <a:effectRef idx="0">
-              <a:schemeClr val="accent1"/>
-            </a:effectRef>
-            <a:fontRef idx="minor">
-              <a:schemeClr val="tx1"/>
-            </a:fontRef>
-          </p:style>
-        </p:cxnSp>
-        <p:cxnSp>
-          <p:nvCxnSpPr>
-            <p:cNvPr id="15" name="直接连接符 14">
-              <a:extLst>
-                <a:ext uri="{FF2B5EF4-FFF2-40B4-BE49-F238E27FC236}">
-                  <a16:creationId xmlns:a16="http://schemas.microsoft.com/office/drawing/2014/main" id="{3FE5B18E-8F00-4151-A56C-6233EB004F98}"/>
-                </a:ext>
-              </a:extLst>
-            </p:cNvPr>
-            <p:cNvCxnSpPr/>
-            <p:nvPr/>
-          </p:nvCxnSpPr>
-          <p:spPr>
-            <a:xfrm>
-              <a:off x="6012160" y="4797152"/>
-              <a:ext cx="2522240" cy="0"/>
-            </a:xfrm>
-            <a:prstGeom prst="line">
-              <a:avLst/>
-            </a:prstGeom>
-          </p:spPr>
-          <p:style>
-            <a:lnRef idx="1">
-              <a:schemeClr val="accent1"/>
-            </a:lnRef>
-            <a:fillRef idx="0">
-              <a:schemeClr val="accent1"/>
-            </a:fillRef>
-            <a:effectRef idx="0">
-              <a:schemeClr val="accent1"/>
-            </a:effectRef>
-            <a:fontRef idx="minor">
-              <a:schemeClr val="tx1"/>
-            </a:fontRef>
-          </p:style>
-        </p:cxnSp>
-        <p:sp>
-          <p:nvSpPr>
-            <p:cNvPr id="16" name="文本框 15">
-              <a:extLst>
-                <a:ext uri="{FF2B5EF4-FFF2-40B4-BE49-F238E27FC236}">
-                  <a16:creationId xmlns:a16="http://schemas.microsoft.com/office/drawing/2014/main" id="{5617331E-81D4-4EB8-8D31-F922B08D37BA}"/>
+                  <a16:creationId xmlns:a16="http://schemas.microsoft.com/office/drawing/2014/main" id="{9A44AFD1-8B2B-4D57-B3AB-945C80AD4B96}"/>
                 </a:ext>
               </a:extLst>
             </p:cNvPr>
@@ -12834,8 +13145,8 @@
           </p:nvSpPr>
           <p:spPr>
             <a:xfrm>
-              <a:off x="7497855" y="3408774"/>
-              <a:ext cx="646331" cy="369332"/>
+              <a:off x="10241217" y="4493339"/>
+              <a:ext cx="631904" cy="369332"/>
             </a:xfrm>
             <a:prstGeom prst="rect">
               <a:avLst/>
@@ -12850,18 +13161,21 @@
             <a:p>
               <a:r>
                 <a:rPr lang="en-US" altLang="zh-CN" dirty="0"/>
-                <a:t>……</a:t>
+                <a:t>m</a:t>
               </a:r>
-              <a:endParaRPr lang="zh-CN" altLang="en-US" dirty="0"/>
+              <a:r>
+                <a:rPr lang="zh-CN" altLang="en-US" dirty="0"/>
+                <a:t>行</a:t>
+              </a:r>
             </a:p>
           </p:txBody>
         </p:sp>
         <p:sp>
           <p:nvSpPr>
-            <p:cNvPr id="17" name="文本框 16">
+            <p:cNvPr id="21" name="文本框 20">
               <a:extLst>
                 <a:ext uri="{FF2B5EF4-FFF2-40B4-BE49-F238E27FC236}">
-                  <a16:creationId xmlns:a16="http://schemas.microsoft.com/office/drawing/2014/main" id="{DBC8E518-CE2F-4839-AD8B-DDB43EEFC878}"/>
+                  <a16:creationId xmlns:a16="http://schemas.microsoft.com/office/drawing/2014/main" id="{6024B2BE-A01F-4F27-99C6-33D8214A2168}"/>
                 </a:ext>
               </a:extLst>
             </p:cNvPr>
@@ -12870,8 +13184,8 @@
           </p:nvSpPr>
           <p:spPr>
             <a:xfrm>
-              <a:off x="7452320" y="5169521"/>
-              <a:ext cx="646331" cy="369332"/>
+              <a:off x="8518992" y="6086595"/>
+              <a:ext cx="556563" cy="369332"/>
             </a:xfrm>
             <a:prstGeom prst="rect">
               <a:avLst/>
@@ -12886,50 +13200,20 @@
             <a:p>
               <a:r>
                 <a:rPr lang="en-US" altLang="zh-CN" dirty="0"/>
-                <a:t>……</a:t>
+                <a:t>n</a:t>
               </a:r>
-              <a:endParaRPr lang="zh-CN" altLang="en-US" dirty="0"/>
-            </a:p>
-          </p:txBody>
-        </p:sp>
-        <p:sp>
-          <p:nvSpPr>
-            <p:cNvPr id="18" name="文本框 17">
-              <a:extLst>
-                <a:ext uri="{FF2B5EF4-FFF2-40B4-BE49-F238E27FC236}">
-                  <a16:creationId xmlns:a16="http://schemas.microsoft.com/office/drawing/2014/main" id="{881ED055-8CF8-478C-96EE-3D822A5FE7FA}"/>
-                </a:ext>
-              </a:extLst>
-            </p:cNvPr>
-            <p:cNvSpPr txBox="1"/>
-            <p:nvPr/>
-          </p:nvSpPr>
-          <p:spPr>
-            <a:xfrm>
-              <a:off x="5759937" y="3397144"/>
-              <a:ext cx="300082" cy="369332"/>
-            </a:xfrm>
-            <a:prstGeom prst="rect">
-              <a:avLst/>
-            </a:prstGeom>
-            <a:noFill/>
-          </p:spPr>
-          <p:txBody>
-            <a:bodyPr wrap="none" rtlCol="0">
-              <a:spAutoFit/>
-            </a:bodyPr>
-            <a:lstStyle/>
-            <a:p>
               <a:r>
-                <a:rPr lang="en-US" altLang="zh-CN" dirty="0"/>
-                <a:t>S</a:t>
+                <a:rPr lang="zh-CN" altLang="en-US" dirty="0"/>
+                <a:t>列</a:t>
               </a:r>
-              <a:endParaRPr lang="zh-CN" altLang="en-US" dirty="0"/>
             </a:p>
           </p:txBody>
         </p:sp>
       </p:grpSp>
     </p:spTree>
+    <p:custDataLst>
+      <p:tags r:id="rId1"/>
+    </p:custDataLst>
     <p:extLst>
       <p:ext uri="{BB962C8B-B14F-4D97-AF65-F5344CB8AC3E}">
         <p14:creationId xmlns:p14="http://schemas.microsoft.com/office/powerpoint/2010/main" val="301228778"/>
@@ -13012,7 +13296,7 @@
                             </p:stCondLst>
                             <p:childTnLst>
                               <p:par>
-                                <p:cTn id="9" presetID="10" presetClass="entr" presetSubtype="0" fill="hold" nodeType="afterEffect">
+                                <p:cTn id="9" presetID="1" presetClass="entr" presetSubtype="0" fill="hold" nodeType="afterEffect">
                                   <p:stCondLst>
                                     <p:cond delay="0"/>
                                   </p:stCondLst>
@@ -13025,7 +13309,7 @@
                                           </p:stCondLst>
                                         </p:cTn>
                                         <p:tgtEl>
-                                          <p:spTgt spid="19"/>
+                                          <p:spTgt spid="22"/>
                                         </p:tgtEl>
                                         <p:attrNameLst>
                                           <p:attrName>style.visibility</p:attrName>
@@ -13035,14 +13319,6 @@
                                         <p:strVal val="visible"/>
                                       </p:to>
                                     </p:set>
-                                    <p:animEffect transition="in" filter="fade">
-                                      <p:cBhvr>
-                                        <p:cTn id="11" dur="500"/>
-                                        <p:tgtEl>
-                                          <p:spTgt spid="19"/>
-                                        </p:tgtEl>
-                                      </p:cBhvr>
-                                    </p:animEffect>
                                   </p:childTnLst>
                                 </p:cTn>
                               </p:par>
@@ -13053,26 +13329,26 @@
                     </p:cTn>
                   </p:par>
                   <p:par>
-                    <p:cTn id="12" fill="hold">
+                    <p:cTn id="11" fill="hold">
                       <p:stCondLst>
                         <p:cond delay="indefinite"/>
                       </p:stCondLst>
                       <p:childTnLst>
                         <p:par>
-                          <p:cTn id="13" fill="hold">
+                          <p:cTn id="12" fill="hold">
                             <p:stCondLst>
                               <p:cond delay="0"/>
                             </p:stCondLst>
                             <p:childTnLst>
                               <p:par>
-                                <p:cTn id="14" presetID="10" presetClass="entr" presetSubtype="0" fill="hold" nodeType="clickEffect">
+                                <p:cTn id="13" presetID="10" presetClass="entr" presetSubtype="0" fill="hold" nodeType="clickEffect">
                                   <p:stCondLst>
                                     <p:cond delay="0"/>
                                   </p:stCondLst>
                                   <p:childTnLst>
                                     <p:set>
                                       <p:cBhvr>
-                                        <p:cTn id="15" dur="1" fill="hold">
+                                        <p:cTn id="14" dur="1" fill="hold">
                                           <p:stCondLst>
                                             <p:cond delay="0"/>
                                           </p:stCondLst>
@@ -13094,7 +13370,7 @@
                                     </p:set>
                                     <p:animEffect transition="in" filter="fade">
                                       <p:cBhvr>
-                                        <p:cTn id="16" dur="500"/>
+                                        <p:cTn id="15" dur="500"/>
                                         <p:tgtEl>
                                           <p:spTgt spid="4">
                                             <p:txEl>
@@ -13107,8 +13383,17 @@
                                   </p:childTnLst>
                                 </p:cTn>
                               </p:par>
+                            </p:childTnLst>
+                          </p:cTn>
+                        </p:par>
+                        <p:par>
+                          <p:cTn id="16" fill="hold">
+                            <p:stCondLst>
+                              <p:cond delay="500"/>
+                            </p:stCondLst>
+                            <p:childTnLst>
                               <p:par>
-                                <p:cTn id="17" presetID="10" presetClass="entr" presetSubtype="0" fill="hold" nodeType="withEffect">
+                                <p:cTn id="17" presetID="10" presetClass="entr" presetSubtype="0" fill="hold" nodeType="afterEffect">
                                   <p:stCondLst>
                                     <p:cond delay="0"/>
                                   </p:stCondLst>
@@ -13150,15 +13435,24 @@
                                   </p:childTnLst>
                                 </p:cTn>
                               </p:par>
+                            </p:childTnLst>
+                          </p:cTn>
+                        </p:par>
+                        <p:par>
+                          <p:cTn id="20" fill="hold">
+                            <p:stCondLst>
+                              <p:cond delay="1000"/>
+                            </p:stCondLst>
+                            <p:childTnLst>
                               <p:par>
-                                <p:cTn id="20" presetID="10" presetClass="entr" presetSubtype="0" fill="hold" nodeType="withEffect">
+                                <p:cTn id="21" presetID="10" presetClass="entr" presetSubtype="0" fill="hold" nodeType="afterEffect">
                                   <p:stCondLst>
                                     <p:cond delay="0"/>
                                   </p:stCondLst>
                                   <p:childTnLst>
                                     <p:set>
                                       <p:cBhvr>
-                                        <p:cTn id="21" dur="1" fill="hold">
+                                        <p:cTn id="22" dur="1" fill="hold">
                                           <p:stCondLst>
                                             <p:cond delay="0"/>
                                           </p:stCondLst>
@@ -13180,7 +13474,7 @@
                                     </p:set>
                                     <p:animEffect transition="in" filter="fade">
                                       <p:cBhvr>
-                                        <p:cTn id="22" dur="500"/>
+                                        <p:cTn id="23" dur="500"/>
                                         <p:tgtEl>
                                           <p:spTgt spid="4">
                                             <p:txEl>
@@ -14467,10 +14761,10 @@
         </p:nvGrpSpPr>
         <p:grpSpPr>
           <a:xfrm>
-            <a:off x="6960097" y="3068960"/>
-            <a:ext cx="696215" cy="2594880"/>
-            <a:chOff x="5436096" y="3068960"/>
-            <a:chExt cx="696215" cy="2594880"/>
+            <a:off x="7009981" y="2808544"/>
+            <a:ext cx="646331" cy="2855296"/>
+            <a:chOff x="5485980" y="2808544"/>
+            <a:chExt cx="646331" cy="2855296"/>
           </a:xfrm>
         </p:grpSpPr>
         <p:sp>
@@ -14487,7 +14781,7 @@
           </p:nvSpPr>
           <p:spPr>
             <a:xfrm>
-              <a:off x="5436096" y="3068960"/>
+              <a:off x="5659103" y="2808544"/>
               <a:ext cx="300082" cy="369332"/>
             </a:xfrm>
             <a:prstGeom prst="rect">
@@ -15157,7 +15451,228 @@
           </a:fontRef>
         </p:style>
       </p:cxnSp>
+      <p:grpSp>
+        <p:nvGrpSpPr>
+          <p:cNvPr id="38" name="组合 37">
+            <a:extLst>
+              <a:ext uri="{FF2B5EF4-FFF2-40B4-BE49-F238E27FC236}">
+                <a16:creationId xmlns:a16="http://schemas.microsoft.com/office/drawing/2014/main" id="{76E198A0-F9EA-43D7-9195-9A0A0BE881F7}"/>
+              </a:ext>
+            </a:extLst>
+          </p:cNvPr>
+          <p:cNvGrpSpPr/>
+          <p:nvPr/>
+        </p:nvGrpSpPr>
+        <p:grpSpPr>
+          <a:xfrm>
+            <a:off x="6367675" y="3110553"/>
+            <a:ext cx="755889" cy="2305905"/>
+            <a:chOff x="6367675" y="3110553"/>
+            <a:chExt cx="755889" cy="2305905"/>
+          </a:xfrm>
+        </p:grpSpPr>
+        <p:sp>
+          <p:nvSpPr>
+            <p:cNvPr id="7" name="左大括号 6">
+              <a:extLst>
+                <a:ext uri="{FF2B5EF4-FFF2-40B4-BE49-F238E27FC236}">
+                  <a16:creationId xmlns:a16="http://schemas.microsoft.com/office/drawing/2014/main" id="{6EA7460C-5C12-4D9F-94E1-5CF7BCA95C8F}"/>
+                </a:ext>
+              </a:extLst>
+            </p:cNvPr>
+            <p:cNvSpPr/>
+            <p:nvPr/>
+          </p:nvSpPr>
+          <p:spPr>
+            <a:xfrm>
+              <a:off x="6954879" y="3110553"/>
+              <a:ext cx="168685" cy="2305905"/>
+            </a:xfrm>
+            <a:prstGeom prst="leftBrace">
+              <a:avLst/>
+            </a:prstGeom>
+            <a:ln>
+              <a:solidFill>
+                <a:srgbClr val="00B0F0"/>
+              </a:solidFill>
+            </a:ln>
+          </p:spPr>
+          <p:style>
+            <a:lnRef idx="1">
+              <a:schemeClr val="accent1"/>
+            </a:lnRef>
+            <a:fillRef idx="0">
+              <a:schemeClr val="accent1"/>
+            </a:fillRef>
+            <a:effectRef idx="0">
+              <a:schemeClr val="accent1"/>
+            </a:effectRef>
+            <a:fontRef idx="minor">
+              <a:schemeClr val="tx1"/>
+            </a:fontRef>
+          </p:style>
+          <p:txBody>
+            <a:bodyPr rtlCol="0" anchor="ctr"/>
+            <a:lstStyle/>
+            <a:p>
+              <a:pPr algn="ctr"/>
+              <a:endParaRPr lang="zh-CN" altLang="en-US"/>
+            </a:p>
+          </p:txBody>
+        </p:sp>
+        <p:sp>
+          <p:nvSpPr>
+            <p:cNvPr id="20" name="文本框 19">
+              <a:extLst>
+                <a:ext uri="{FF2B5EF4-FFF2-40B4-BE49-F238E27FC236}">
+                  <a16:creationId xmlns:a16="http://schemas.microsoft.com/office/drawing/2014/main" id="{95926B80-3A39-416F-8D8A-FB103248B13D}"/>
+                </a:ext>
+              </a:extLst>
+            </p:cNvPr>
+            <p:cNvSpPr txBox="1"/>
+            <p:nvPr/>
+          </p:nvSpPr>
+          <p:spPr>
+            <a:xfrm>
+              <a:off x="6367675" y="4078368"/>
+              <a:ext cx="631904" cy="369332"/>
+            </a:xfrm>
+            <a:prstGeom prst="rect">
+              <a:avLst/>
+            </a:prstGeom>
+            <a:noFill/>
+          </p:spPr>
+          <p:txBody>
+            <a:bodyPr wrap="none" rtlCol="0">
+              <a:spAutoFit/>
+            </a:bodyPr>
+            <a:lstStyle/>
+            <a:p>
+              <a:r>
+                <a:rPr lang="en-US" altLang="zh-CN" dirty="0"/>
+                <a:t>m</a:t>
+              </a:r>
+              <a:r>
+                <a:rPr lang="zh-CN" altLang="en-US" dirty="0"/>
+                <a:t>行</a:t>
+              </a:r>
+            </a:p>
+          </p:txBody>
+        </p:sp>
+      </p:grpSp>
+      <p:grpSp>
+        <p:nvGrpSpPr>
+          <p:cNvPr id="39" name="组合 38">
+            <a:extLst>
+              <a:ext uri="{FF2B5EF4-FFF2-40B4-BE49-F238E27FC236}">
+                <a16:creationId xmlns:a16="http://schemas.microsoft.com/office/drawing/2014/main" id="{433D3297-DDD9-42A7-BC92-7A41B03CE5C5}"/>
+              </a:ext>
+            </a:extLst>
+          </p:cNvPr>
+          <p:cNvGrpSpPr/>
+          <p:nvPr/>
+        </p:nvGrpSpPr>
+        <p:grpSpPr>
+          <a:xfrm>
+            <a:off x="7810727" y="5589830"/>
+            <a:ext cx="2534604" cy="527495"/>
+            <a:chOff x="7810727" y="5589830"/>
+            <a:chExt cx="2534604" cy="527495"/>
+          </a:xfrm>
+        </p:grpSpPr>
+        <p:sp>
+          <p:nvSpPr>
+            <p:cNvPr id="36" name="左大括号 35">
+              <a:extLst>
+                <a:ext uri="{FF2B5EF4-FFF2-40B4-BE49-F238E27FC236}">
+                  <a16:creationId xmlns:a16="http://schemas.microsoft.com/office/drawing/2014/main" id="{D78E61C3-9634-4B3B-BD40-8D1EA288D0F5}"/>
+                </a:ext>
+              </a:extLst>
+            </p:cNvPr>
+            <p:cNvSpPr/>
+            <p:nvPr/>
+          </p:nvSpPr>
+          <p:spPr>
+            <a:xfrm rot="16200000">
+              <a:off x="8981531" y="4419026"/>
+              <a:ext cx="192996" cy="2534604"/>
+            </a:xfrm>
+            <a:prstGeom prst="leftBrace">
+              <a:avLst/>
+            </a:prstGeom>
+            <a:ln>
+              <a:solidFill>
+                <a:srgbClr val="00B0F0"/>
+              </a:solidFill>
+            </a:ln>
+          </p:spPr>
+          <p:style>
+            <a:lnRef idx="1">
+              <a:schemeClr val="accent1"/>
+            </a:lnRef>
+            <a:fillRef idx="0">
+              <a:schemeClr val="accent1"/>
+            </a:fillRef>
+            <a:effectRef idx="0">
+              <a:schemeClr val="accent1"/>
+            </a:effectRef>
+            <a:fontRef idx="minor">
+              <a:schemeClr val="tx1"/>
+            </a:fontRef>
+          </p:style>
+          <p:txBody>
+            <a:bodyPr rtlCol="0" anchor="ctr"/>
+            <a:lstStyle/>
+            <a:p>
+              <a:pPr algn="ctr"/>
+              <a:endParaRPr lang="zh-CN" altLang="en-US"/>
+            </a:p>
+          </p:txBody>
+        </p:sp>
+        <p:sp>
+          <p:nvSpPr>
+            <p:cNvPr id="30" name="文本框 29">
+              <a:extLst>
+                <a:ext uri="{FF2B5EF4-FFF2-40B4-BE49-F238E27FC236}">
+                  <a16:creationId xmlns:a16="http://schemas.microsoft.com/office/drawing/2014/main" id="{BA620ED2-BCF9-4F9C-BD24-E1D784E322B4}"/>
+                </a:ext>
+              </a:extLst>
+            </p:cNvPr>
+            <p:cNvSpPr txBox="1"/>
+            <p:nvPr/>
+          </p:nvSpPr>
+          <p:spPr>
+            <a:xfrm>
+              <a:off x="8797696" y="5747993"/>
+              <a:ext cx="556563" cy="369332"/>
+            </a:xfrm>
+            <a:prstGeom prst="rect">
+              <a:avLst/>
+            </a:prstGeom>
+            <a:noFill/>
+          </p:spPr>
+          <p:txBody>
+            <a:bodyPr wrap="none" rtlCol="0">
+              <a:spAutoFit/>
+            </a:bodyPr>
+            <a:lstStyle/>
+            <a:p>
+              <a:r>
+                <a:rPr lang="en-US" altLang="zh-CN" dirty="0"/>
+                <a:t>n</a:t>
+              </a:r>
+              <a:r>
+                <a:rPr lang="zh-CN" altLang="en-US" dirty="0"/>
+                <a:t>列</a:t>
+              </a:r>
+            </a:p>
+          </p:txBody>
+        </p:sp>
+      </p:grpSp>
     </p:spTree>
+    <p:custDataLst>
+      <p:tags r:id="rId1"/>
+    </p:custDataLst>
     <p:extLst>
       <p:ext uri="{BB962C8B-B14F-4D97-AF65-F5344CB8AC3E}">
         <p14:creationId xmlns:p14="http://schemas.microsoft.com/office/powerpoint/2010/main" val="913977865"/>
@@ -15381,30 +15896,66 @@
                             </p:childTnLst>
                           </p:cTn>
                         </p:par>
-                      </p:childTnLst>
-                    </p:cTn>
-                  </p:par>
-                  <p:par>
-                    <p:cTn id="20" fill="hold">
-                      <p:stCondLst>
-                        <p:cond delay="indefinite"/>
-                      </p:stCondLst>
-                      <p:childTnLst>
                         <p:par>
-                          <p:cTn id="21" fill="hold">
+                          <p:cTn id="20" fill="hold">
                             <p:stCondLst>
-                              <p:cond delay="0"/>
+                              <p:cond delay="1000"/>
                             </p:stCondLst>
                             <p:childTnLst>
                               <p:par>
-                                <p:cTn id="22" presetID="10" presetClass="entr" presetSubtype="0" fill="hold" nodeType="clickEffect">
+                                <p:cTn id="21" presetID="1" presetClass="entr" presetSubtype="0" fill="hold" nodeType="afterEffect">
                                   <p:stCondLst>
                                     <p:cond delay="0"/>
                                   </p:stCondLst>
                                   <p:childTnLst>
                                     <p:set>
                                       <p:cBhvr>
-                                        <p:cTn id="23" dur="1" fill="hold">
+                                        <p:cTn id="22" dur="1" fill="hold">
+                                          <p:stCondLst>
+                                            <p:cond delay="0"/>
+                                          </p:stCondLst>
+                                        </p:cTn>
+                                        <p:tgtEl>
+                                          <p:spTgt spid="38"/>
+                                        </p:tgtEl>
+                                        <p:attrNameLst>
+                                          <p:attrName>style.visibility</p:attrName>
+                                        </p:attrNameLst>
+                                      </p:cBhvr>
+                                      <p:to>
+                                        <p:strVal val="visible"/>
+                                      </p:to>
+                                    </p:set>
+                                  </p:childTnLst>
+                                </p:cTn>
+                              </p:par>
+                            </p:childTnLst>
+                          </p:cTn>
+                        </p:par>
+                      </p:childTnLst>
+                    </p:cTn>
+                  </p:par>
+                  <p:par>
+                    <p:cTn id="23" fill="hold">
+                      <p:stCondLst>
+                        <p:cond delay="indefinite"/>
+                      </p:stCondLst>
+                      <p:childTnLst>
+                        <p:par>
+                          <p:cTn id="24" fill="hold">
+                            <p:stCondLst>
+                              <p:cond delay="0"/>
+                            </p:stCondLst>
+                            <p:childTnLst>
+                              <p:par>
+                                <p:cTn id="25" presetID="10" presetClass="entr" presetSubtype="0" fill="hold" nodeType="clickEffect">
+                                  <p:stCondLst>
+                                    <p:cond delay="0"/>
+                                  </p:stCondLst>
+                                  <p:childTnLst>
+                                    <p:set>
+                                      <p:cBhvr>
+                                        <p:cTn id="26" dur="1" fill="hold">
                                           <p:stCondLst>
                                             <p:cond delay="0"/>
                                           </p:stCondLst>
@@ -15426,7 +15977,7 @@
                                     </p:set>
                                     <p:animEffect transition="in" filter="fade">
                                       <p:cBhvr>
-                                        <p:cTn id="24" dur="500"/>
+                                        <p:cTn id="27" dur="500"/>
                                         <p:tgtEl>
                                           <p:spTgt spid="4">
                                             <p:txEl>
@@ -15443,20 +15994,20 @@
                           </p:cTn>
                         </p:par>
                         <p:par>
-                          <p:cTn id="25" fill="hold">
+                          <p:cTn id="28" fill="hold">
                             <p:stCondLst>
                               <p:cond delay="500"/>
                             </p:stCondLst>
                             <p:childTnLst>
                               <p:par>
-                                <p:cTn id="26" presetID="10" presetClass="entr" presetSubtype="0" fill="hold" nodeType="afterEffect">
+                                <p:cTn id="29" presetID="10" presetClass="entr" presetSubtype="0" fill="hold" nodeType="afterEffect">
                                   <p:stCondLst>
                                     <p:cond delay="0"/>
                                   </p:stCondLst>
                                   <p:childTnLst>
                                     <p:set>
                                       <p:cBhvr>
-                                        <p:cTn id="27" dur="1" fill="hold">
+                                        <p:cTn id="30" dur="1" fill="hold">
                                           <p:stCondLst>
                                             <p:cond delay="0"/>
                                           </p:stCondLst>
@@ -15474,7 +16025,7 @@
                                     </p:set>
                                     <p:animEffect transition="in" filter="fade">
                                       <p:cBhvr>
-                                        <p:cTn id="28" dur="500"/>
+                                        <p:cTn id="31" dur="500"/>
                                         <p:tgtEl>
                                           <p:spTgt spid="8"/>
                                         </p:tgtEl>
@@ -15487,20 +16038,56 @@
                           </p:cTn>
                         </p:par>
                         <p:par>
-                          <p:cTn id="29" fill="hold">
+                          <p:cTn id="32" fill="hold">
                             <p:stCondLst>
                               <p:cond delay="1000"/>
                             </p:stCondLst>
                             <p:childTnLst>
                               <p:par>
-                                <p:cTn id="30" presetID="10" presetClass="entr" presetSubtype="0" fill="hold" nodeType="afterEffect">
+                                <p:cTn id="33" presetID="1" presetClass="entr" presetSubtype="0" fill="hold" nodeType="afterEffect">
                                   <p:stCondLst>
                                     <p:cond delay="0"/>
                                   </p:stCondLst>
                                   <p:childTnLst>
                                     <p:set>
                                       <p:cBhvr>
-                                        <p:cTn id="31" dur="1" fill="hold">
+                                        <p:cTn id="34" dur="1" fill="hold">
+                                          <p:stCondLst>
+                                            <p:cond delay="0"/>
+                                          </p:stCondLst>
+                                        </p:cTn>
+                                        <p:tgtEl>
+                                          <p:spTgt spid="39"/>
+                                        </p:tgtEl>
+                                        <p:attrNameLst>
+                                          <p:attrName>style.visibility</p:attrName>
+                                        </p:attrNameLst>
+                                      </p:cBhvr>
+                                      <p:to>
+                                        <p:strVal val="visible"/>
+                                      </p:to>
+                                    </p:set>
+                                  </p:childTnLst>
+                                </p:cTn>
+                              </p:par>
+                            </p:childTnLst>
+                          </p:cTn>
+                        </p:par>
+                        <p:par>
+                          <p:cTn id="35" fill="hold">
+                            <p:stCondLst>
+                              <p:cond delay="1000"/>
+                            </p:stCondLst>
+                            <p:childTnLst>
+                              <p:par>
+                                <p:cTn id="36" presetID="10" presetClass="entr" presetSubtype="0" fill="hold" nodeType="afterEffect">
+                                  <p:stCondLst>
+                                    <p:cond delay="0"/>
+                                  </p:stCondLst>
+                                  <p:childTnLst>
+                                    <p:set>
+                                      <p:cBhvr>
+                                        <p:cTn id="37" dur="1" fill="hold">
                                           <p:stCondLst>
                                             <p:cond delay="0"/>
                                           </p:stCondLst>
@@ -15518,7 +16105,7 @@
                                     </p:set>
                                     <p:animEffect transition="in" filter="fade">
                                       <p:cBhvr>
-                                        <p:cTn id="32" dur="500"/>
+                                        <p:cTn id="38" dur="500"/>
                                         <p:tgtEl>
                                           <p:spTgt spid="31"/>
                                         </p:tgtEl>
@@ -15534,26 +16121,26 @@
                     </p:cTn>
                   </p:par>
                   <p:par>
-                    <p:cTn id="33" fill="hold">
+                    <p:cTn id="39" fill="hold">
                       <p:stCondLst>
                         <p:cond delay="indefinite"/>
                       </p:stCondLst>
                       <p:childTnLst>
                         <p:par>
-                          <p:cTn id="34" fill="hold">
+                          <p:cTn id="40" fill="hold">
                             <p:stCondLst>
                               <p:cond delay="0"/>
                             </p:stCondLst>
                             <p:childTnLst>
                               <p:par>
-                                <p:cTn id="35" presetID="10" presetClass="entr" presetSubtype="0" fill="hold" nodeType="clickEffect">
+                                <p:cTn id="41" presetID="10" presetClass="entr" presetSubtype="0" fill="hold" nodeType="clickEffect">
                                   <p:stCondLst>
                                     <p:cond delay="0"/>
                                   </p:stCondLst>
                                   <p:childTnLst>
                                     <p:set>
                                       <p:cBhvr>
-                                        <p:cTn id="36" dur="1" fill="hold">
+                                        <p:cTn id="42" dur="1" fill="hold">
                                           <p:stCondLst>
                                             <p:cond delay="0"/>
                                           </p:stCondLst>
@@ -15575,7 +16162,7 @@
                                     </p:set>
                                     <p:animEffect transition="in" filter="fade">
                                       <p:cBhvr>
-                                        <p:cTn id="37" dur="500"/>
+                                        <p:cTn id="43" dur="500"/>
                                         <p:tgtEl>
                                           <p:spTgt spid="4">
                                             <p:txEl>
@@ -15589,14 +16176,14 @@
                                 </p:cTn>
                               </p:par>
                               <p:par>
-                                <p:cTn id="38" presetID="10" presetClass="entr" presetSubtype="0" fill="hold" nodeType="withEffect">
+                                <p:cTn id="44" presetID="10" presetClass="entr" presetSubtype="0" fill="hold" nodeType="withEffect">
                                   <p:stCondLst>
                                     <p:cond delay="0"/>
                                   </p:stCondLst>
                                   <p:childTnLst>
                                     <p:set>
                                       <p:cBhvr>
-                                        <p:cTn id="39" dur="1" fill="hold">
+                                        <p:cTn id="45" dur="1" fill="hold">
                                           <p:stCondLst>
                                             <p:cond delay="0"/>
                                           </p:stCondLst>
@@ -15618,7 +16205,7 @@
                                     </p:set>
                                     <p:animEffect transition="in" filter="fade">
                                       <p:cBhvr>
-                                        <p:cTn id="40" dur="500"/>
+                                        <p:cTn id="46" dur="500"/>
                                         <p:tgtEl>
                                           <p:spTgt spid="4">
                                             <p:txEl>
@@ -15635,20 +16222,20 @@
                           </p:cTn>
                         </p:par>
                         <p:par>
-                          <p:cTn id="41" fill="hold">
+                          <p:cTn id="47" fill="hold">
                             <p:stCondLst>
                               <p:cond delay="500"/>
                             </p:stCondLst>
                             <p:childTnLst>
                               <p:par>
-                                <p:cTn id="42" presetID="10" presetClass="entr" presetSubtype="0" fill="hold" nodeType="afterEffect">
+                                <p:cTn id="48" presetID="10" presetClass="entr" presetSubtype="0" fill="hold" nodeType="afterEffect">
                                   <p:stCondLst>
                                     <p:cond delay="0"/>
                                   </p:stCondLst>
                                   <p:childTnLst>
                                     <p:set>
                                       <p:cBhvr>
-                                        <p:cTn id="43" dur="1" fill="hold">
+                                        <p:cTn id="49" dur="1" fill="hold">
                                           <p:stCondLst>
                                             <p:cond delay="0"/>
                                           </p:stCondLst>
@@ -15666,7 +16253,7 @@
                                     </p:set>
                                     <p:animEffect transition="in" filter="fade">
                                       <p:cBhvr>
-                                        <p:cTn id="44" dur="500"/>
+                                        <p:cTn id="50" dur="500"/>
                                         <p:tgtEl>
                                           <p:spTgt spid="32"/>
                                         </p:tgtEl>
@@ -15679,20 +16266,20 @@
                           </p:cTn>
                         </p:par>
                         <p:par>
-                          <p:cTn id="45" fill="hold">
+                          <p:cTn id="51" fill="hold">
                             <p:stCondLst>
                               <p:cond delay="1000"/>
                             </p:stCondLst>
                             <p:childTnLst>
                               <p:par>
-                                <p:cTn id="46" presetID="10" presetClass="entr" presetSubtype="0" fill="hold" nodeType="afterEffect">
+                                <p:cTn id="52" presetID="10" presetClass="entr" presetSubtype="0" fill="hold" nodeType="afterEffect">
                                   <p:stCondLst>
                                     <p:cond delay="0"/>
                                   </p:stCondLst>
                                   <p:childTnLst>
                                     <p:set>
                                       <p:cBhvr>
-                                        <p:cTn id="47" dur="1" fill="hold">
+                                        <p:cTn id="53" dur="1" fill="hold">
                                           <p:stCondLst>
                                             <p:cond delay="0"/>
                                           </p:stCondLst>
@@ -15710,7 +16297,7 @@
                                     </p:set>
                                     <p:animEffect transition="in" filter="fade">
                                       <p:cBhvr>
-                                        <p:cTn id="48" dur="500"/>
+                                        <p:cTn id="54" dur="500"/>
                                         <p:tgtEl>
                                           <p:spTgt spid="33"/>
                                         </p:tgtEl>
@@ -15723,20 +16310,20 @@
                           </p:cTn>
                         </p:par>
                         <p:par>
-                          <p:cTn id="49" fill="hold">
+                          <p:cTn id="55" fill="hold">
                             <p:stCondLst>
                               <p:cond delay="1500"/>
                             </p:stCondLst>
                             <p:childTnLst>
                               <p:par>
-                                <p:cTn id="50" presetID="10" presetClass="entr" presetSubtype="0" fill="hold" nodeType="afterEffect">
+                                <p:cTn id="56" presetID="10" presetClass="entr" presetSubtype="0" fill="hold" nodeType="afterEffect">
                                   <p:stCondLst>
                                     <p:cond delay="0"/>
                                   </p:stCondLst>
                                   <p:childTnLst>
                                     <p:set>
                                       <p:cBhvr>
-                                        <p:cTn id="51" dur="1" fill="hold">
+                                        <p:cTn id="57" dur="1" fill="hold">
                                           <p:stCondLst>
                                             <p:cond delay="0"/>
                                           </p:stCondLst>
@@ -15754,7 +16341,7 @@
                                     </p:set>
                                     <p:animEffect transition="in" filter="fade">
                                       <p:cBhvr>
-                                        <p:cTn id="52" dur="500"/>
+                                        <p:cTn id="58" dur="500"/>
                                         <p:tgtEl>
                                           <p:spTgt spid="34"/>
                                         </p:tgtEl>
@@ -15767,20 +16354,20 @@
                           </p:cTn>
                         </p:par>
                         <p:par>
-                          <p:cTn id="53" fill="hold">
+                          <p:cTn id="59" fill="hold">
                             <p:stCondLst>
                               <p:cond delay="2000"/>
                             </p:stCondLst>
                             <p:childTnLst>
                               <p:par>
-                                <p:cTn id="54" presetID="10" presetClass="entr" presetSubtype="0" fill="hold" nodeType="afterEffect">
+                                <p:cTn id="60" presetID="10" presetClass="entr" presetSubtype="0" fill="hold" nodeType="afterEffect">
                                   <p:stCondLst>
                                     <p:cond delay="0"/>
                                   </p:stCondLst>
                                   <p:childTnLst>
                                     <p:set>
                                       <p:cBhvr>
-                                        <p:cTn id="55" dur="1" fill="hold">
+                                        <p:cTn id="61" dur="1" fill="hold">
                                           <p:stCondLst>
                                             <p:cond delay="0"/>
                                           </p:stCondLst>
@@ -15798,7 +16385,7 @@
                                     </p:set>
                                     <p:animEffect transition="in" filter="fade">
                                       <p:cBhvr>
-                                        <p:cTn id="56" dur="500"/>
+                                        <p:cTn id="62" dur="500"/>
                                         <p:tgtEl>
                                           <p:spTgt spid="35"/>
                                         </p:tgtEl>
@@ -15814,26 +16401,26 @@
                     </p:cTn>
                   </p:par>
                   <p:par>
-                    <p:cTn id="57" fill="hold">
+                    <p:cTn id="63" fill="hold">
                       <p:stCondLst>
                         <p:cond delay="indefinite"/>
                       </p:stCondLst>
                       <p:childTnLst>
                         <p:par>
-                          <p:cTn id="58" fill="hold">
+                          <p:cTn id="64" fill="hold">
                             <p:stCondLst>
                               <p:cond delay="0"/>
                             </p:stCondLst>
                             <p:childTnLst>
                               <p:par>
-                                <p:cTn id="59" presetID="10" presetClass="entr" presetSubtype="0" fill="hold" nodeType="clickEffect">
+                                <p:cTn id="65" presetID="10" presetClass="entr" presetSubtype="0" fill="hold" nodeType="clickEffect">
                                   <p:stCondLst>
                                     <p:cond delay="0"/>
                                   </p:stCondLst>
                                   <p:childTnLst>
                                     <p:set>
                                       <p:cBhvr>
-                                        <p:cTn id="60" dur="1" fill="hold">
+                                        <p:cTn id="66" dur="1" fill="hold">
                                           <p:stCondLst>
                                             <p:cond delay="0"/>
                                           </p:stCondLst>
@@ -15855,7 +16442,7 @@
                                     </p:set>
                                     <p:animEffect transition="in" filter="fade">
                                       <p:cBhvr>
-                                        <p:cTn id="61" dur="500"/>
+                                        <p:cTn id="67" dur="500"/>
                                         <p:tgtEl>
                                           <p:spTgt spid="4">
                                             <p:txEl>
@@ -15869,14 +16456,14 @@
                                 </p:cTn>
                               </p:par>
                               <p:par>
-                                <p:cTn id="62" presetID="10" presetClass="entr" presetSubtype="0" fill="hold" nodeType="withEffect">
+                                <p:cTn id="68" presetID="10" presetClass="entr" presetSubtype="0" fill="hold" nodeType="withEffect">
                                   <p:stCondLst>
                                     <p:cond delay="0"/>
                                   </p:stCondLst>
                                   <p:childTnLst>
                                     <p:set>
                                       <p:cBhvr>
-                                        <p:cTn id="63" dur="1" fill="hold">
+                                        <p:cTn id="69" dur="1" fill="hold">
                                           <p:stCondLst>
                                             <p:cond delay="0"/>
                                           </p:stCondLst>
@@ -15898,7 +16485,7 @@
                                     </p:set>
                                     <p:animEffect transition="in" filter="fade">
                                       <p:cBhvr>
-                                        <p:cTn id="64" dur="500"/>
+                                        <p:cTn id="70" dur="500"/>
                                         <p:tgtEl>
                                           <p:spTgt spid="4">
                                             <p:txEl>
@@ -15912,14 +16499,14 @@
                                 </p:cTn>
                               </p:par>
                               <p:par>
-                                <p:cTn id="65" presetID="10" presetClass="entr" presetSubtype="0" fill="hold" nodeType="withEffect">
+                                <p:cTn id="71" presetID="10" presetClass="entr" presetSubtype="0" fill="hold" nodeType="withEffect">
                                   <p:stCondLst>
                                     <p:cond delay="0"/>
                                   </p:stCondLst>
                                   <p:childTnLst>
                                     <p:set>
                                       <p:cBhvr>
-                                        <p:cTn id="66" dur="1" fill="hold">
+                                        <p:cTn id="72" dur="1" fill="hold">
                                           <p:stCondLst>
                                             <p:cond delay="0"/>
                                           </p:stCondLst>
@@ -15941,7 +16528,7 @@
                                     </p:set>
                                     <p:animEffect transition="in" filter="fade">
                                       <p:cBhvr>
-                                        <p:cTn id="67" dur="500"/>
+                                        <p:cTn id="73" dur="500"/>
                                         <p:tgtEl>
                                           <p:spTgt spid="4">
                                             <p:txEl>
@@ -15961,26 +16548,26 @@
                     </p:cTn>
                   </p:par>
                   <p:par>
-                    <p:cTn id="68" fill="hold">
+                    <p:cTn id="74" fill="hold">
                       <p:stCondLst>
                         <p:cond delay="indefinite"/>
                       </p:stCondLst>
                       <p:childTnLst>
                         <p:par>
-                          <p:cTn id="69" fill="hold">
+                          <p:cTn id="75" fill="hold">
                             <p:stCondLst>
                               <p:cond delay="0"/>
                             </p:stCondLst>
                             <p:childTnLst>
                               <p:par>
-                                <p:cTn id="70" presetID="10" presetClass="entr" presetSubtype="0" fill="hold" nodeType="clickEffect">
+                                <p:cTn id="76" presetID="10" presetClass="entr" presetSubtype="0" fill="hold" nodeType="clickEffect">
                                   <p:stCondLst>
                                     <p:cond delay="0"/>
                                   </p:stCondLst>
                                   <p:childTnLst>
                                     <p:set>
                                       <p:cBhvr>
-                                        <p:cTn id="71" dur="1" fill="hold">
+                                        <p:cTn id="77" dur="1" fill="hold">
                                           <p:stCondLst>
                                             <p:cond delay="0"/>
                                           </p:stCondLst>
@@ -16002,7 +16589,7 @@
                                     </p:set>
                                     <p:animEffect transition="in" filter="fade">
                                       <p:cBhvr>
-                                        <p:cTn id="72" dur="500"/>
+                                        <p:cTn id="78" dur="500"/>
                                         <p:tgtEl>
                                           <p:spTgt spid="4">
                                             <p:txEl>
@@ -16019,20 +16606,20 @@
                           </p:cTn>
                         </p:par>
                         <p:par>
-                          <p:cTn id="73" fill="hold">
+                          <p:cTn id="79" fill="hold">
                             <p:stCondLst>
                               <p:cond delay="500"/>
                             </p:stCondLst>
                             <p:childTnLst>
                               <p:par>
-                                <p:cTn id="74" presetID="10" presetClass="exit" presetSubtype="0" fill="hold" nodeType="afterEffect">
+                                <p:cTn id="80" presetID="10" presetClass="exit" presetSubtype="0" fill="hold" nodeType="afterEffect">
                                   <p:stCondLst>
                                     <p:cond delay="0"/>
                                   </p:stCondLst>
                                   <p:childTnLst>
                                     <p:animEffect transition="out" filter="fade">
                                       <p:cBhvr>
-                                        <p:cTn id="75" dur="500"/>
+                                        <p:cTn id="81" dur="500"/>
                                         <p:tgtEl>
                                           <p:spTgt spid="8"/>
                                         </p:tgtEl>
@@ -16040,13 +16627,49 @@
                                     </p:animEffect>
                                     <p:set>
                                       <p:cBhvr>
-                                        <p:cTn id="76" dur="1" fill="hold">
+                                        <p:cTn id="82" dur="1" fill="hold">
                                           <p:stCondLst>
                                             <p:cond delay="499"/>
                                           </p:stCondLst>
                                         </p:cTn>
                                         <p:tgtEl>
                                           <p:spTgt spid="8"/>
+                                        </p:tgtEl>
+                                        <p:attrNameLst>
+                                          <p:attrName>style.visibility</p:attrName>
+                                        </p:attrNameLst>
+                                      </p:cBhvr>
+                                      <p:to>
+                                        <p:strVal val="hidden"/>
+                                      </p:to>
+                                    </p:set>
+                                  </p:childTnLst>
+                                </p:cTn>
+                              </p:par>
+                            </p:childTnLst>
+                          </p:cTn>
+                        </p:par>
+                        <p:par>
+                          <p:cTn id="83" fill="hold">
+                            <p:stCondLst>
+                              <p:cond delay="1000"/>
+                            </p:stCondLst>
+                            <p:childTnLst>
+                              <p:par>
+                                <p:cTn id="84" presetID="1" presetClass="exit" presetSubtype="0" fill="hold" nodeType="afterEffect">
+                                  <p:stCondLst>
+                                    <p:cond delay="0"/>
+                                  </p:stCondLst>
+                                  <p:childTnLst>
+                                    <p:set>
+                                      <p:cBhvr>
+                                        <p:cTn id="85" dur="1" fill="hold">
+                                          <p:stCondLst>
+                                            <p:cond delay="0"/>
+                                          </p:stCondLst>
+                                        </p:cTn>
+                                        <p:tgtEl>
+                                          <p:spTgt spid="39"/>
                                         </p:tgtEl>
                                         <p:attrNameLst>
                                           <p:attrName>style.visibility</p:attrName>
@@ -16202,8 +16825,8 @@
         </p:nvSpPr>
         <p:spPr>
           <a:xfrm>
-            <a:off x="1991544" y="2780928"/>
-            <a:ext cx="3816424" cy="3970318"/>
+            <a:off x="1991543" y="2780928"/>
+            <a:ext cx="4503459" cy="3970318"/>
           </a:xfrm>
           <a:prstGeom prst="rect">
             <a:avLst/>
@@ -16769,508 +17392,6 @@
       </p:sp>
       <p:grpSp>
         <p:nvGrpSpPr>
-          <p:cNvPr id="6" name="组合 5">
-            <a:extLst>
-              <a:ext uri="{FF2B5EF4-FFF2-40B4-BE49-F238E27FC236}">
-                <a16:creationId xmlns:a16="http://schemas.microsoft.com/office/drawing/2014/main" id="{E67AB31D-DA42-458A-A968-2D065BE5375A}"/>
-              </a:ext>
-            </a:extLst>
-          </p:cNvPr>
-          <p:cNvGrpSpPr/>
-          <p:nvPr/>
-        </p:nvGrpSpPr>
-        <p:grpSpPr>
-          <a:xfrm>
-            <a:off x="8867656" y="2996952"/>
-            <a:ext cx="2522240" cy="2502448"/>
-            <a:chOff x="6012160" y="3408774"/>
-            <a:chExt cx="2522240" cy="2502448"/>
-          </a:xfrm>
-        </p:grpSpPr>
-        <p:sp>
-          <p:nvSpPr>
-            <p:cNvPr id="7" name="矩形 6">
-              <a:extLst>
-                <a:ext uri="{FF2B5EF4-FFF2-40B4-BE49-F238E27FC236}">
-                  <a16:creationId xmlns:a16="http://schemas.microsoft.com/office/drawing/2014/main" id="{21180AF6-1BCC-4CDA-8E25-AFCBA15CE8A7}"/>
-                </a:ext>
-              </a:extLst>
-            </p:cNvPr>
-            <p:cNvSpPr/>
-            <p:nvPr/>
-          </p:nvSpPr>
-          <p:spPr>
-            <a:xfrm>
-              <a:off x="6012160" y="3501008"/>
-              <a:ext cx="2522240" cy="2410214"/>
-            </a:xfrm>
-            <a:prstGeom prst="rect">
-              <a:avLst/>
-            </a:prstGeom>
-            <a:noFill/>
-            <a:ln>
-              <a:solidFill>
-                <a:schemeClr val="bg2">
-                  <a:lumMod val="50000"/>
-                </a:schemeClr>
-              </a:solidFill>
-            </a:ln>
-          </p:spPr>
-          <p:style>
-            <a:lnRef idx="2">
-              <a:schemeClr val="accent1">
-                <a:shade val="50000"/>
-              </a:schemeClr>
-            </a:lnRef>
-            <a:fillRef idx="1">
-              <a:schemeClr val="accent1"/>
-            </a:fillRef>
-            <a:effectRef idx="0">
-              <a:schemeClr val="accent1"/>
-            </a:effectRef>
-            <a:fontRef idx="minor">
-              <a:schemeClr val="lt1"/>
-            </a:fontRef>
-          </p:style>
-          <p:txBody>
-            <a:bodyPr rot="0" spcFirstLastPara="0" vertOverflow="overflow" horzOverflow="overflow" vert="horz" wrap="square" lIns="91440" tIns="45720" rIns="91440" bIns="45720" numCol="1" spcCol="0" rtlCol="0" fromWordArt="0" anchor="ctr" anchorCtr="0" forceAA="0" compatLnSpc="1">
-              <a:prstTxWarp prst="textNoShape">
-                <a:avLst/>
-              </a:prstTxWarp>
-              <a:noAutofit/>
-            </a:bodyPr>
-            <a:lstStyle/>
-            <a:p>
-              <a:pPr algn="ctr"/>
-              <a:endParaRPr lang="zh-CN" altLang="en-US"/>
-            </a:p>
-          </p:txBody>
-        </p:sp>
-        <p:cxnSp>
-          <p:nvCxnSpPr>
-            <p:cNvPr id="8" name="直接连接符 7">
-              <a:extLst>
-                <a:ext uri="{FF2B5EF4-FFF2-40B4-BE49-F238E27FC236}">
-                  <a16:creationId xmlns:a16="http://schemas.microsoft.com/office/drawing/2014/main" id="{ABA17702-EBF7-41CF-A6F2-8A4BFD475A57}"/>
-                </a:ext>
-              </a:extLst>
-            </p:cNvPr>
-            <p:cNvCxnSpPr/>
-            <p:nvPr/>
-          </p:nvCxnSpPr>
-          <p:spPr>
-            <a:xfrm>
-              <a:off x="6012160" y="3789040"/>
-              <a:ext cx="2522240" cy="0"/>
-            </a:xfrm>
-            <a:prstGeom prst="line">
-              <a:avLst/>
-            </a:prstGeom>
-            <a:ln>
-              <a:solidFill>
-                <a:schemeClr val="bg2">
-                  <a:lumMod val="50000"/>
-                </a:schemeClr>
-              </a:solidFill>
-            </a:ln>
-          </p:spPr>
-          <p:style>
-            <a:lnRef idx="1">
-              <a:schemeClr val="accent1"/>
-            </a:lnRef>
-            <a:fillRef idx="0">
-              <a:schemeClr val="accent1"/>
-            </a:fillRef>
-            <a:effectRef idx="0">
-              <a:schemeClr val="accent1"/>
-            </a:effectRef>
-            <a:fontRef idx="minor">
-              <a:schemeClr val="tx1"/>
-            </a:fontRef>
-          </p:style>
-        </p:cxnSp>
-        <p:cxnSp>
-          <p:nvCxnSpPr>
-            <p:cNvPr id="9" name="直接连接符 8">
-              <a:extLst>
-                <a:ext uri="{FF2B5EF4-FFF2-40B4-BE49-F238E27FC236}">
-                  <a16:creationId xmlns:a16="http://schemas.microsoft.com/office/drawing/2014/main" id="{C13CFFEF-022C-42E1-99CE-6B9BE6DB31B6}"/>
-                </a:ext>
-              </a:extLst>
-            </p:cNvPr>
-            <p:cNvCxnSpPr/>
-            <p:nvPr/>
-          </p:nvCxnSpPr>
-          <p:spPr>
-            <a:xfrm>
-              <a:off x="6012160" y="4077072"/>
-              <a:ext cx="2522240" cy="0"/>
-            </a:xfrm>
-            <a:prstGeom prst="line">
-              <a:avLst/>
-            </a:prstGeom>
-            <a:ln>
-              <a:solidFill>
-                <a:schemeClr val="bg2">
-                  <a:lumMod val="50000"/>
-                </a:schemeClr>
-              </a:solidFill>
-            </a:ln>
-          </p:spPr>
-          <p:style>
-            <a:lnRef idx="1">
-              <a:schemeClr val="accent1"/>
-            </a:lnRef>
-            <a:fillRef idx="0">
-              <a:schemeClr val="accent1"/>
-            </a:fillRef>
-            <a:effectRef idx="0">
-              <a:schemeClr val="accent1"/>
-            </a:effectRef>
-            <a:fontRef idx="minor">
-              <a:schemeClr val="tx1"/>
-            </a:fontRef>
-          </p:style>
-        </p:cxnSp>
-        <p:cxnSp>
-          <p:nvCxnSpPr>
-            <p:cNvPr id="10" name="直接连接符 9">
-              <a:extLst>
-                <a:ext uri="{FF2B5EF4-FFF2-40B4-BE49-F238E27FC236}">
-                  <a16:creationId xmlns:a16="http://schemas.microsoft.com/office/drawing/2014/main" id="{226DC6FA-0437-4299-B0BD-7F77D65EC5E3}"/>
-                </a:ext>
-              </a:extLst>
-            </p:cNvPr>
-            <p:cNvCxnSpPr/>
-            <p:nvPr/>
-          </p:nvCxnSpPr>
-          <p:spPr>
-            <a:xfrm>
-              <a:off x="6012160" y="4437112"/>
-              <a:ext cx="2522240" cy="0"/>
-            </a:xfrm>
-            <a:prstGeom prst="line">
-              <a:avLst/>
-            </a:prstGeom>
-            <a:ln>
-              <a:solidFill>
-                <a:schemeClr val="bg2">
-                  <a:lumMod val="50000"/>
-                </a:schemeClr>
-              </a:solidFill>
-            </a:ln>
-          </p:spPr>
-          <p:style>
-            <a:lnRef idx="1">
-              <a:schemeClr val="accent1"/>
-            </a:lnRef>
-            <a:fillRef idx="0">
-              <a:schemeClr val="accent1"/>
-            </a:fillRef>
-            <a:effectRef idx="0">
-              <a:schemeClr val="accent1"/>
-            </a:effectRef>
-            <a:fontRef idx="minor">
-              <a:schemeClr val="tx1"/>
-            </a:fontRef>
-          </p:style>
-        </p:cxnSp>
-        <p:cxnSp>
-          <p:nvCxnSpPr>
-            <p:cNvPr id="11" name="直接连接符 10">
-              <a:extLst>
-                <a:ext uri="{FF2B5EF4-FFF2-40B4-BE49-F238E27FC236}">
-                  <a16:creationId xmlns:a16="http://schemas.microsoft.com/office/drawing/2014/main" id="{238A5838-AB11-4ADE-A327-88150841BBBA}"/>
-                </a:ext>
-              </a:extLst>
-            </p:cNvPr>
-            <p:cNvCxnSpPr/>
-            <p:nvPr/>
-          </p:nvCxnSpPr>
-          <p:spPr>
-            <a:xfrm>
-              <a:off x="6300192" y="3501008"/>
-              <a:ext cx="0" cy="2410214"/>
-            </a:xfrm>
-            <a:prstGeom prst="line">
-              <a:avLst/>
-            </a:prstGeom>
-            <a:ln>
-              <a:solidFill>
-                <a:schemeClr val="bg2">
-                  <a:lumMod val="50000"/>
-                </a:schemeClr>
-              </a:solidFill>
-            </a:ln>
-          </p:spPr>
-          <p:style>
-            <a:lnRef idx="1">
-              <a:schemeClr val="accent1"/>
-            </a:lnRef>
-            <a:fillRef idx="0">
-              <a:schemeClr val="accent1"/>
-            </a:fillRef>
-            <a:effectRef idx="0">
-              <a:schemeClr val="accent1"/>
-            </a:effectRef>
-            <a:fontRef idx="minor">
-              <a:schemeClr val="tx1"/>
-            </a:fontRef>
-          </p:style>
-        </p:cxnSp>
-        <p:cxnSp>
-          <p:nvCxnSpPr>
-            <p:cNvPr id="12" name="直接连接符 11">
-              <a:extLst>
-                <a:ext uri="{FF2B5EF4-FFF2-40B4-BE49-F238E27FC236}">
-                  <a16:creationId xmlns:a16="http://schemas.microsoft.com/office/drawing/2014/main" id="{7FB01FBE-6979-42D9-A62B-7D611BE26101}"/>
-                </a:ext>
-              </a:extLst>
-            </p:cNvPr>
-            <p:cNvCxnSpPr/>
-            <p:nvPr/>
-          </p:nvCxnSpPr>
-          <p:spPr>
-            <a:xfrm>
-              <a:off x="6588224" y="3501008"/>
-              <a:ext cx="0" cy="2410214"/>
-            </a:xfrm>
-            <a:prstGeom prst="line">
-              <a:avLst/>
-            </a:prstGeom>
-            <a:ln>
-              <a:solidFill>
-                <a:schemeClr val="bg2">
-                  <a:lumMod val="50000"/>
-                </a:schemeClr>
-              </a:solidFill>
-            </a:ln>
-          </p:spPr>
-          <p:style>
-            <a:lnRef idx="1">
-              <a:schemeClr val="accent1"/>
-            </a:lnRef>
-            <a:fillRef idx="0">
-              <a:schemeClr val="accent1"/>
-            </a:fillRef>
-            <a:effectRef idx="0">
-              <a:schemeClr val="accent1"/>
-            </a:effectRef>
-            <a:fontRef idx="minor">
-              <a:schemeClr val="tx1"/>
-            </a:fontRef>
-          </p:style>
-        </p:cxnSp>
-        <p:cxnSp>
-          <p:nvCxnSpPr>
-            <p:cNvPr id="13" name="直接连接符 12">
-              <a:extLst>
-                <a:ext uri="{FF2B5EF4-FFF2-40B4-BE49-F238E27FC236}">
-                  <a16:creationId xmlns:a16="http://schemas.microsoft.com/office/drawing/2014/main" id="{34CF783B-5213-4070-A3F2-06AA35D9280F}"/>
-                </a:ext>
-              </a:extLst>
-            </p:cNvPr>
-            <p:cNvCxnSpPr/>
-            <p:nvPr/>
-          </p:nvCxnSpPr>
-          <p:spPr>
-            <a:xfrm>
-              <a:off x="6876256" y="3501008"/>
-              <a:ext cx="0" cy="2410214"/>
-            </a:xfrm>
-            <a:prstGeom prst="line">
-              <a:avLst/>
-            </a:prstGeom>
-            <a:ln>
-              <a:solidFill>
-                <a:schemeClr val="bg2">
-                  <a:lumMod val="50000"/>
-                </a:schemeClr>
-              </a:solidFill>
-            </a:ln>
-          </p:spPr>
-          <p:style>
-            <a:lnRef idx="1">
-              <a:schemeClr val="accent1"/>
-            </a:lnRef>
-            <a:fillRef idx="0">
-              <a:schemeClr val="accent1"/>
-            </a:fillRef>
-            <a:effectRef idx="0">
-              <a:schemeClr val="accent1"/>
-            </a:effectRef>
-            <a:fontRef idx="minor">
-              <a:schemeClr val="tx1"/>
-            </a:fontRef>
-          </p:style>
-        </p:cxnSp>
-        <p:cxnSp>
-          <p:nvCxnSpPr>
-            <p:cNvPr id="14" name="直接连接符 13">
-              <a:extLst>
-                <a:ext uri="{FF2B5EF4-FFF2-40B4-BE49-F238E27FC236}">
-                  <a16:creationId xmlns:a16="http://schemas.microsoft.com/office/drawing/2014/main" id="{7C6080FB-5B8C-45D1-9A44-03F5E47AD0FD}"/>
-                </a:ext>
-              </a:extLst>
-            </p:cNvPr>
-            <p:cNvCxnSpPr/>
-            <p:nvPr/>
-          </p:nvCxnSpPr>
-          <p:spPr>
-            <a:xfrm>
-              <a:off x="7164288" y="3501008"/>
-              <a:ext cx="0" cy="2410214"/>
-            </a:xfrm>
-            <a:prstGeom prst="line">
-              <a:avLst/>
-            </a:prstGeom>
-            <a:ln>
-              <a:solidFill>
-                <a:schemeClr val="bg2">
-                  <a:lumMod val="50000"/>
-                </a:schemeClr>
-              </a:solidFill>
-            </a:ln>
-          </p:spPr>
-          <p:style>
-            <a:lnRef idx="1">
-              <a:schemeClr val="accent1"/>
-            </a:lnRef>
-            <a:fillRef idx="0">
-              <a:schemeClr val="accent1"/>
-            </a:fillRef>
-            <a:effectRef idx="0">
-              <a:schemeClr val="accent1"/>
-            </a:effectRef>
-            <a:fontRef idx="minor">
-              <a:schemeClr val="tx1"/>
-            </a:fontRef>
-          </p:style>
-        </p:cxnSp>
-        <p:cxnSp>
-          <p:nvCxnSpPr>
-            <p:cNvPr id="15" name="直接连接符 14">
-              <a:extLst>
-                <a:ext uri="{FF2B5EF4-FFF2-40B4-BE49-F238E27FC236}">
-                  <a16:creationId xmlns:a16="http://schemas.microsoft.com/office/drawing/2014/main" id="{F063CAC4-199B-4471-A9DA-124FBEF90526}"/>
-                </a:ext>
-              </a:extLst>
-            </p:cNvPr>
-            <p:cNvCxnSpPr/>
-            <p:nvPr/>
-          </p:nvCxnSpPr>
-          <p:spPr>
-            <a:xfrm>
-              <a:off x="6012160" y="4797152"/>
-              <a:ext cx="2522240" cy="0"/>
-            </a:xfrm>
-            <a:prstGeom prst="line">
-              <a:avLst/>
-            </a:prstGeom>
-            <a:ln>
-              <a:solidFill>
-                <a:schemeClr val="bg2">
-                  <a:lumMod val="50000"/>
-                </a:schemeClr>
-              </a:solidFill>
-            </a:ln>
-          </p:spPr>
-          <p:style>
-            <a:lnRef idx="1">
-              <a:schemeClr val="accent1"/>
-            </a:lnRef>
-            <a:fillRef idx="0">
-              <a:schemeClr val="accent1"/>
-            </a:fillRef>
-            <a:effectRef idx="0">
-              <a:schemeClr val="accent1"/>
-            </a:effectRef>
-            <a:fontRef idx="minor">
-              <a:schemeClr val="tx1"/>
-            </a:fontRef>
-          </p:style>
-        </p:cxnSp>
-        <p:sp>
-          <p:nvSpPr>
-            <p:cNvPr id="16" name="文本框 15">
-              <a:extLst>
-                <a:ext uri="{FF2B5EF4-FFF2-40B4-BE49-F238E27FC236}">
-                  <a16:creationId xmlns:a16="http://schemas.microsoft.com/office/drawing/2014/main" id="{14D3ADA5-D357-48BA-BE8A-86C9275BF98B}"/>
-                </a:ext>
-              </a:extLst>
-            </p:cNvPr>
-            <p:cNvSpPr txBox="1"/>
-            <p:nvPr/>
-          </p:nvSpPr>
-          <p:spPr>
-            <a:xfrm>
-              <a:off x="7497855" y="3408774"/>
-              <a:ext cx="646331" cy="369332"/>
-            </a:xfrm>
-            <a:prstGeom prst="rect">
-              <a:avLst/>
-            </a:prstGeom>
-            <a:noFill/>
-            <a:ln>
-              <a:noFill/>
-            </a:ln>
-          </p:spPr>
-          <p:txBody>
-            <a:bodyPr wrap="none" rtlCol="0">
-              <a:spAutoFit/>
-            </a:bodyPr>
-            <a:lstStyle/>
-            <a:p>
-              <a:r>
-                <a:rPr lang="en-US" altLang="zh-CN" dirty="0"/>
-                <a:t>……</a:t>
-              </a:r>
-              <a:endParaRPr lang="zh-CN" altLang="en-US" dirty="0"/>
-            </a:p>
-          </p:txBody>
-        </p:sp>
-        <p:sp>
-          <p:nvSpPr>
-            <p:cNvPr id="17" name="文本框 16">
-              <a:extLst>
-                <a:ext uri="{FF2B5EF4-FFF2-40B4-BE49-F238E27FC236}">
-                  <a16:creationId xmlns:a16="http://schemas.microsoft.com/office/drawing/2014/main" id="{8726DB7E-318B-4F13-9962-C0BA83888131}"/>
-                </a:ext>
-              </a:extLst>
-            </p:cNvPr>
-            <p:cNvSpPr txBox="1"/>
-            <p:nvPr/>
-          </p:nvSpPr>
-          <p:spPr>
-            <a:xfrm>
-              <a:off x="7452320" y="5169521"/>
-              <a:ext cx="646331" cy="369332"/>
-            </a:xfrm>
-            <a:prstGeom prst="rect">
-              <a:avLst/>
-            </a:prstGeom>
-            <a:noFill/>
-            <a:ln>
-              <a:noFill/>
-            </a:ln>
-          </p:spPr>
-          <p:txBody>
-            <a:bodyPr wrap="none" rtlCol="0">
-              <a:spAutoFit/>
-            </a:bodyPr>
-            <a:lstStyle/>
-            <a:p>
-              <a:r>
-                <a:rPr lang="en-US" altLang="zh-CN" dirty="0"/>
-                <a:t>……</a:t>
-              </a:r>
-              <a:endParaRPr lang="zh-CN" altLang="en-US" dirty="0"/>
-            </a:p>
-          </p:txBody>
-        </p:sp>
-      </p:grpSp>
-      <p:grpSp>
-        <p:nvGrpSpPr>
           <p:cNvPr id="19" name="组合 18">
             <a:extLst>
               <a:ext uri="{FF2B5EF4-FFF2-40B4-BE49-F238E27FC236}">
@@ -17283,7 +17404,7 @@
         </p:nvGrpSpPr>
         <p:grpSpPr>
           <a:xfrm>
-            <a:off x="7309020" y="3089186"/>
+            <a:off x="6783038" y="3051819"/>
             <a:ext cx="582089" cy="369332"/>
             <a:chOff x="7309020" y="3089186"/>
             <a:chExt cx="582089" cy="369332"/>
@@ -17392,7 +17513,7 @@
         </p:nvCxnSpPr>
         <p:spPr>
           <a:xfrm>
-            <a:off x="7747093" y="3273852"/>
+            <a:off x="7221111" y="3236485"/>
             <a:ext cx="1013203" cy="0"/>
           </a:xfrm>
           <a:prstGeom prst="straightConnector1">
@@ -17417,10 +17538,856 @@
           </a:fontRef>
         </p:style>
       </p:cxnSp>
+      <p:grpSp>
+        <p:nvGrpSpPr>
+          <p:cNvPr id="29" name="组合 28">
+            <a:extLst>
+              <a:ext uri="{FF2B5EF4-FFF2-40B4-BE49-F238E27FC236}">
+                <a16:creationId xmlns:a16="http://schemas.microsoft.com/office/drawing/2014/main" id="{E412ECE1-C985-4276-896A-9979CC00703F}"/>
+              </a:ext>
+            </a:extLst>
+          </p:cNvPr>
+          <p:cNvGrpSpPr/>
+          <p:nvPr/>
+        </p:nvGrpSpPr>
+        <p:grpSpPr>
+          <a:xfrm>
+            <a:off x="8341674" y="2959585"/>
+            <a:ext cx="3336960" cy="3054645"/>
+            <a:chOff x="8341674" y="2959585"/>
+            <a:chExt cx="3336960" cy="3054645"/>
+          </a:xfrm>
+        </p:grpSpPr>
+        <p:grpSp>
+          <p:nvGrpSpPr>
+            <p:cNvPr id="6" name="组合 5">
+              <a:extLst>
+                <a:ext uri="{FF2B5EF4-FFF2-40B4-BE49-F238E27FC236}">
+                  <a16:creationId xmlns:a16="http://schemas.microsoft.com/office/drawing/2014/main" id="{E67AB31D-DA42-458A-A968-2D065BE5375A}"/>
+                </a:ext>
+              </a:extLst>
+            </p:cNvPr>
+            <p:cNvGrpSpPr/>
+            <p:nvPr/>
+          </p:nvGrpSpPr>
+          <p:grpSpPr>
+            <a:xfrm>
+              <a:off x="8341674" y="2959585"/>
+              <a:ext cx="2522240" cy="2502448"/>
+              <a:chOff x="6012160" y="3408774"/>
+              <a:chExt cx="2522240" cy="2502448"/>
+            </a:xfrm>
+          </p:grpSpPr>
+          <p:sp>
+            <p:nvSpPr>
+              <p:cNvPr id="7" name="矩形 6">
+                <a:extLst>
+                  <a:ext uri="{FF2B5EF4-FFF2-40B4-BE49-F238E27FC236}">
+                    <a16:creationId xmlns:a16="http://schemas.microsoft.com/office/drawing/2014/main" id="{21180AF6-1BCC-4CDA-8E25-AFCBA15CE8A7}"/>
+                  </a:ext>
+                </a:extLst>
+              </p:cNvPr>
+              <p:cNvSpPr/>
+              <p:nvPr/>
+            </p:nvSpPr>
+            <p:spPr>
+              <a:xfrm>
+                <a:off x="6012160" y="3501008"/>
+                <a:ext cx="2522240" cy="2410214"/>
+              </a:xfrm>
+              <a:prstGeom prst="rect">
+                <a:avLst/>
+              </a:prstGeom>
+              <a:noFill/>
+              <a:ln>
+                <a:solidFill>
+                  <a:schemeClr val="bg2">
+                    <a:lumMod val="50000"/>
+                  </a:schemeClr>
+                </a:solidFill>
+              </a:ln>
+            </p:spPr>
+            <p:style>
+              <a:lnRef idx="2">
+                <a:schemeClr val="accent1">
+                  <a:shade val="50000"/>
+                </a:schemeClr>
+              </a:lnRef>
+              <a:fillRef idx="1">
+                <a:schemeClr val="accent1"/>
+              </a:fillRef>
+              <a:effectRef idx="0">
+                <a:schemeClr val="accent1"/>
+              </a:effectRef>
+              <a:fontRef idx="minor">
+                <a:schemeClr val="lt1"/>
+              </a:fontRef>
+            </p:style>
+            <p:txBody>
+              <a:bodyPr rot="0" spcFirstLastPara="0" vertOverflow="overflow" horzOverflow="overflow" vert="horz" wrap="square" lIns="91440" tIns="45720" rIns="91440" bIns="45720" numCol="1" spcCol="0" rtlCol="0" fromWordArt="0" anchor="ctr" anchorCtr="0" forceAA="0" compatLnSpc="1">
+                <a:prstTxWarp prst="textNoShape">
+                  <a:avLst/>
+                </a:prstTxWarp>
+                <a:noAutofit/>
+              </a:bodyPr>
+              <a:lstStyle/>
+              <a:p>
+                <a:pPr algn="ctr"/>
+                <a:endParaRPr lang="zh-CN" altLang="en-US"/>
+              </a:p>
+            </p:txBody>
+          </p:sp>
+          <p:cxnSp>
+            <p:nvCxnSpPr>
+              <p:cNvPr id="8" name="直接连接符 7">
+                <a:extLst>
+                  <a:ext uri="{FF2B5EF4-FFF2-40B4-BE49-F238E27FC236}">
+                    <a16:creationId xmlns:a16="http://schemas.microsoft.com/office/drawing/2014/main" id="{ABA17702-EBF7-41CF-A6F2-8A4BFD475A57}"/>
+                  </a:ext>
+                </a:extLst>
+              </p:cNvPr>
+              <p:cNvCxnSpPr/>
+              <p:nvPr/>
+            </p:nvCxnSpPr>
+            <p:spPr>
+              <a:xfrm>
+                <a:off x="6012160" y="3789040"/>
+                <a:ext cx="2522240" cy="0"/>
+              </a:xfrm>
+              <a:prstGeom prst="line">
+                <a:avLst/>
+              </a:prstGeom>
+              <a:ln>
+                <a:solidFill>
+                  <a:schemeClr val="bg2">
+                    <a:lumMod val="50000"/>
+                  </a:schemeClr>
+                </a:solidFill>
+              </a:ln>
+            </p:spPr>
+            <p:style>
+              <a:lnRef idx="1">
+                <a:schemeClr val="accent1"/>
+              </a:lnRef>
+              <a:fillRef idx="0">
+                <a:schemeClr val="accent1"/>
+              </a:fillRef>
+              <a:effectRef idx="0">
+                <a:schemeClr val="accent1"/>
+              </a:effectRef>
+              <a:fontRef idx="minor">
+                <a:schemeClr val="tx1"/>
+              </a:fontRef>
+            </p:style>
+          </p:cxnSp>
+          <p:cxnSp>
+            <p:nvCxnSpPr>
+              <p:cNvPr id="9" name="直接连接符 8">
+                <a:extLst>
+                  <a:ext uri="{FF2B5EF4-FFF2-40B4-BE49-F238E27FC236}">
+                    <a16:creationId xmlns:a16="http://schemas.microsoft.com/office/drawing/2014/main" id="{C13CFFEF-022C-42E1-99CE-6B9BE6DB31B6}"/>
+                  </a:ext>
+                </a:extLst>
+              </p:cNvPr>
+              <p:cNvCxnSpPr/>
+              <p:nvPr/>
+            </p:nvCxnSpPr>
+            <p:spPr>
+              <a:xfrm>
+                <a:off x="6012160" y="4077072"/>
+                <a:ext cx="2522240" cy="0"/>
+              </a:xfrm>
+              <a:prstGeom prst="line">
+                <a:avLst/>
+              </a:prstGeom>
+              <a:ln>
+                <a:solidFill>
+                  <a:schemeClr val="bg2">
+                    <a:lumMod val="50000"/>
+                  </a:schemeClr>
+                </a:solidFill>
+              </a:ln>
+            </p:spPr>
+            <p:style>
+              <a:lnRef idx="1">
+                <a:schemeClr val="accent1"/>
+              </a:lnRef>
+              <a:fillRef idx="0">
+                <a:schemeClr val="accent1"/>
+              </a:fillRef>
+              <a:effectRef idx="0">
+                <a:schemeClr val="accent1"/>
+              </a:effectRef>
+              <a:fontRef idx="minor">
+                <a:schemeClr val="tx1"/>
+              </a:fontRef>
+            </p:style>
+          </p:cxnSp>
+          <p:cxnSp>
+            <p:nvCxnSpPr>
+              <p:cNvPr id="10" name="直接连接符 9">
+                <a:extLst>
+                  <a:ext uri="{FF2B5EF4-FFF2-40B4-BE49-F238E27FC236}">
+                    <a16:creationId xmlns:a16="http://schemas.microsoft.com/office/drawing/2014/main" id="{226DC6FA-0437-4299-B0BD-7F77D65EC5E3}"/>
+                  </a:ext>
+                </a:extLst>
+              </p:cNvPr>
+              <p:cNvCxnSpPr/>
+              <p:nvPr/>
+            </p:nvCxnSpPr>
+            <p:spPr>
+              <a:xfrm>
+                <a:off x="6012160" y="4437112"/>
+                <a:ext cx="2522240" cy="0"/>
+              </a:xfrm>
+              <a:prstGeom prst="line">
+                <a:avLst/>
+              </a:prstGeom>
+              <a:ln>
+                <a:solidFill>
+                  <a:schemeClr val="bg2">
+                    <a:lumMod val="50000"/>
+                  </a:schemeClr>
+                </a:solidFill>
+              </a:ln>
+            </p:spPr>
+            <p:style>
+              <a:lnRef idx="1">
+                <a:schemeClr val="accent1"/>
+              </a:lnRef>
+              <a:fillRef idx="0">
+                <a:schemeClr val="accent1"/>
+              </a:fillRef>
+              <a:effectRef idx="0">
+                <a:schemeClr val="accent1"/>
+              </a:effectRef>
+              <a:fontRef idx="minor">
+                <a:schemeClr val="tx1"/>
+              </a:fontRef>
+            </p:style>
+          </p:cxnSp>
+          <p:cxnSp>
+            <p:nvCxnSpPr>
+              <p:cNvPr id="11" name="直接连接符 10">
+                <a:extLst>
+                  <a:ext uri="{FF2B5EF4-FFF2-40B4-BE49-F238E27FC236}">
+                    <a16:creationId xmlns:a16="http://schemas.microsoft.com/office/drawing/2014/main" id="{238A5838-AB11-4ADE-A327-88150841BBBA}"/>
+                  </a:ext>
+                </a:extLst>
+              </p:cNvPr>
+              <p:cNvCxnSpPr/>
+              <p:nvPr/>
+            </p:nvCxnSpPr>
+            <p:spPr>
+              <a:xfrm>
+                <a:off x="6300192" y="3501008"/>
+                <a:ext cx="0" cy="2410214"/>
+              </a:xfrm>
+              <a:prstGeom prst="line">
+                <a:avLst/>
+              </a:prstGeom>
+              <a:ln>
+                <a:solidFill>
+                  <a:schemeClr val="bg2">
+                    <a:lumMod val="50000"/>
+                  </a:schemeClr>
+                </a:solidFill>
+              </a:ln>
+            </p:spPr>
+            <p:style>
+              <a:lnRef idx="1">
+                <a:schemeClr val="accent1"/>
+              </a:lnRef>
+              <a:fillRef idx="0">
+                <a:schemeClr val="accent1"/>
+              </a:fillRef>
+              <a:effectRef idx="0">
+                <a:schemeClr val="accent1"/>
+              </a:effectRef>
+              <a:fontRef idx="minor">
+                <a:schemeClr val="tx1"/>
+              </a:fontRef>
+            </p:style>
+          </p:cxnSp>
+          <p:cxnSp>
+            <p:nvCxnSpPr>
+              <p:cNvPr id="12" name="直接连接符 11">
+                <a:extLst>
+                  <a:ext uri="{FF2B5EF4-FFF2-40B4-BE49-F238E27FC236}">
+                    <a16:creationId xmlns:a16="http://schemas.microsoft.com/office/drawing/2014/main" id="{7FB01FBE-6979-42D9-A62B-7D611BE26101}"/>
+                  </a:ext>
+                </a:extLst>
+              </p:cNvPr>
+              <p:cNvCxnSpPr/>
+              <p:nvPr/>
+            </p:nvCxnSpPr>
+            <p:spPr>
+              <a:xfrm>
+                <a:off x="6588224" y="3501008"/>
+                <a:ext cx="0" cy="2410214"/>
+              </a:xfrm>
+              <a:prstGeom prst="line">
+                <a:avLst/>
+              </a:prstGeom>
+              <a:ln>
+                <a:solidFill>
+                  <a:schemeClr val="bg2">
+                    <a:lumMod val="50000"/>
+                  </a:schemeClr>
+                </a:solidFill>
+              </a:ln>
+            </p:spPr>
+            <p:style>
+              <a:lnRef idx="1">
+                <a:schemeClr val="accent1"/>
+              </a:lnRef>
+              <a:fillRef idx="0">
+                <a:schemeClr val="accent1"/>
+              </a:fillRef>
+              <a:effectRef idx="0">
+                <a:schemeClr val="accent1"/>
+              </a:effectRef>
+              <a:fontRef idx="minor">
+                <a:schemeClr val="tx1"/>
+              </a:fontRef>
+            </p:style>
+          </p:cxnSp>
+          <p:cxnSp>
+            <p:nvCxnSpPr>
+              <p:cNvPr id="13" name="直接连接符 12">
+                <a:extLst>
+                  <a:ext uri="{FF2B5EF4-FFF2-40B4-BE49-F238E27FC236}">
+                    <a16:creationId xmlns:a16="http://schemas.microsoft.com/office/drawing/2014/main" id="{34CF783B-5213-4070-A3F2-06AA35D9280F}"/>
+                  </a:ext>
+                </a:extLst>
+              </p:cNvPr>
+              <p:cNvCxnSpPr/>
+              <p:nvPr/>
+            </p:nvCxnSpPr>
+            <p:spPr>
+              <a:xfrm>
+                <a:off x="6876256" y="3501008"/>
+                <a:ext cx="0" cy="2410214"/>
+              </a:xfrm>
+              <a:prstGeom prst="line">
+                <a:avLst/>
+              </a:prstGeom>
+              <a:ln>
+                <a:solidFill>
+                  <a:schemeClr val="bg2">
+                    <a:lumMod val="50000"/>
+                  </a:schemeClr>
+                </a:solidFill>
+              </a:ln>
+            </p:spPr>
+            <p:style>
+              <a:lnRef idx="1">
+                <a:schemeClr val="accent1"/>
+              </a:lnRef>
+              <a:fillRef idx="0">
+                <a:schemeClr val="accent1"/>
+              </a:fillRef>
+              <a:effectRef idx="0">
+                <a:schemeClr val="accent1"/>
+              </a:effectRef>
+              <a:fontRef idx="minor">
+                <a:schemeClr val="tx1"/>
+              </a:fontRef>
+            </p:style>
+          </p:cxnSp>
+          <p:cxnSp>
+            <p:nvCxnSpPr>
+              <p:cNvPr id="14" name="直接连接符 13">
+                <a:extLst>
+                  <a:ext uri="{FF2B5EF4-FFF2-40B4-BE49-F238E27FC236}">
+                    <a16:creationId xmlns:a16="http://schemas.microsoft.com/office/drawing/2014/main" id="{7C6080FB-5B8C-45D1-9A44-03F5E47AD0FD}"/>
+                  </a:ext>
+                </a:extLst>
+              </p:cNvPr>
+              <p:cNvCxnSpPr/>
+              <p:nvPr/>
+            </p:nvCxnSpPr>
+            <p:spPr>
+              <a:xfrm>
+                <a:off x="7164288" y="3501008"/>
+                <a:ext cx="0" cy="2410214"/>
+              </a:xfrm>
+              <a:prstGeom prst="line">
+                <a:avLst/>
+              </a:prstGeom>
+              <a:ln>
+                <a:solidFill>
+                  <a:schemeClr val="bg2">
+                    <a:lumMod val="50000"/>
+                  </a:schemeClr>
+                </a:solidFill>
+              </a:ln>
+            </p:spPr>
+            <p:style>
+              <a:lnRef idx="1">
+                <a:schemeClr val="accent1"/>
+              </a:lnRef>
+              <a:fillRef idx="0">
+                <a:schemeClr val="accent1"/>
+              </a:fillRef>
+              <a:effectRef idx="0">
+                <a:schemeClr val="accent1"/>
+              </a:effectRef>
+              <a:fontRef idx="minor">
+                <a:schemeClr val="tx1"/>
+              </a:fontRef>
+            </p:style>
+          </p:cxnSp>
+          <p:cxnSp>
+            <p:nvCxnSpPr>
+              <p:cNvPr id="15" name="直接连接符 14">
+                <a:extLst>
+                  <a:ext uri="{FF2B5EF4-FFF2-40B4-BE49-F238E27FC236}">
+                    <a16:creationId xmlns:a16="http://schemas.microsoft.com/office/drawing/2014/main" id="{F063CAC4-199B-4471-A9DA-124FBEF90526}"/>
+                  </a:ext>
+                </a:extLst>
+              </p:cNvPr>
+              <p:cNvCxnSpPr/>
+              <p:nvPr/>
+            </p:nvCxnSpPr>
+            <p:spPr>
+              <a:xfrm>
+                <a:off x="6012160" y="4797152"/>
+                <a:ext cx="2522240" cy="0"/>
+              </a:xfrm>
+              <a:prstGeom prst="line">
+                <a:avLst/>
+              </a:prstGeom>
+              <a:ln>
+                <a:solidFill>
+                  <a:schemeClr val="bg2">
+                    <a:lumMod val="50000"/>
+                  </a:schemeClr>
+                </a:solidFill>
+              </a:ln>
+            </p:spPr>
+            <p:style>
+              <a:lnRef idx="1">
+                <a:schemeClr val="accent1"/>
+              </a:lnRef>
+              <a:fillRef idx="0">
+                <a:schemeClr val="accent1"/>
+              </a:fillRef>
+              <a:effectRef idx="0">
+                <a:schemeClr val="accent1"/>
+              </a:effectRef>
+              <a:fontRef idx="minor">
+                <a:schemeClr val="tx1"/>
+              </a:fontRef>
+            </p:style>
+          </p:cxnSp>
+          <p:sp>
+            <p:nvSpPr>
+              <p:cNvPr id="16" name="文本框 15">
+                <a:extLst>
+                  <a:ext uri="{FF2B5EF4-FFF2-40B4-BE49-F238E27FC236}">
+                    <a16:creationId xmlns:a16="http://schemas.microsoft.com/office/drawing/2014/main" id="{14D3ADA5-D357-48BA-BE8A-86C9275BF98B}"/>
+                  </a:ext>
+                </a:extLst>
+              </p:cNvPr>
+              <p:cNvSpPr txBox="1"/>
+              <p:nvPr/>
+            </p:nvSpPr>
+            <p:spPr>
+              <a:xfrm>
+                <a:off x="7497855" y="3408774"/>
+                <a:ext cx="646331" cy="369332"/>
+              </a:xfrm>
+              <a:prstGeom prst="rect">
+                <a:avLst/>
+              </a:prstGeom>
+              <a:noFill/>
+              <a:ln>
+                <a:noFill/>
+              </a:ln>
+            </p:spPr>
+            <p:txBody>
+              <a:bodyPr wrap="none" rtlCol="0">
+                <a:spAutoFit/>
+              </a:bodyPr>
+              <a:lstStyle/>
+              <a:p>
+                <a:r>
+                  <a:rPr lang="en-US" altLang="zh-CN" dirty="0"/>
+                  <a:t>……</a:t>
+                </a:r>
+                <a:endParaRPr lang="zh-CN" altLang="en-US" dirty="0"/>
+              </a:p>
+            </p:txBody>
+          </p:sp>
+          <p:sp>
+            <p:nvSpPr>
+              <p:cNvPr id="17" name="文本框 16">
+                <a:extLst>
+                  <a:ext uri="{FF2B5EF4-FFF2-40B4-BE49-F238E27FC236}">
+                    <a16:creationId xmlns:a16="http://schemas.microsoft.com/office/drawing/2014/main" id="{8726DB7E-318B-4F13-9962-C0BA83888131}"/>
+                  </a:ext>
+                </a:extLst>
+              </p:cNvPr>
+              <p:cNvSpPr txBox="1"/>
+              <p:nvPr/>
+            </p:nvSpPr>
+            <p:spPr>
+              <a:xfrm>
+                <a:off x="7452320" y="5169521"/>
+                <a:ext cx="646331" cy="369332"/>
+              </a:xfrm>
+              <a:prstGeom prst="rect">
+                <a:avLst/>
+              </a:prstGeom>
+              <a:noFill/>
+              <a:ln>
+                <a:noFill/>
+              </a:ln>
+            </p:spPr>
+            <p:txBody>
+              <a:bodyPr wrap="none" rtlCol="0">
+                <a:spAutoFit/>
+              </a:bodyPr>
+              <a:lstStyle/>
+              <a:p>
+                <a:r>
+                  <a:rPr lang="en-US" altLang="zh-CN" dirty="0"/>
+                  <a:t>……</a:t>
+                </a:r>
+                <a:endParaRPr lang="zh-CN" altLang="en-US" dirty="0"/>
+              </a:p>
+            </p:txBody>
+          </p:sp>
+        </p:grpSp>
+        <p:sp>
+          <p:nvSpPr>
+            <p:cNvPr id="20" name="右大括号 19">
+              <a:extLst>
+                <a:ext uri="{FF2B5EF4-FFF2-40B4-BE49-F238E27FC236}">
+                  <a16:creationId xmlns:a16="http://schemas.microsoft.com/office/drawing/2014/main" id="{C564DB9F-1FBD-4082-9F5D-49C41911853F}"/>
+                </a:ext>
+              </a:extLst>
+            </p:cNvPr>
+            <p:cNvSpPr/>
+            <p:nvPr/>
+          </p:nvSpPr>
+          <p:spPr>
+            <a:xfrm>
+              <a:off x="10926692" y="3059311"/>
+              <a:ext cx="184270" cy="2410211"/>
+            </a:xfrm>
+            <a:prstGeom prst="rightBrace">
+              <a:avLst/>
+            </a:prstGeom>
+            <a:ln>
+              <a:solidFill>
+                <a:srgbClr val="00B0F0"/>
+              </a:solidFill>
+            </a:ln>
+          </p:spPr>
+          <p:style>
+            <a:lnRef idx="1">
+              <a:schemeClr val="accent1"/>
+            </a:lnRef>
+            <a:fillRef idx="0">
+              <a:schemeClr val="accent1"/>
+            </a:fillRef>
+            <a:effectRef idx="0">
+              <a:schemeClr val="accent1"/>
+            </a:effectRef>
+            <a:fontRef idx="minor">
+              <a:schemeClr val="tx1"/>
+            </a:fontRef>
+          </p:style>
+          <p:txBody>
+            <a:bodyPr rtlCol="0" anchor="ctr"/>
+            <a:lstStyle/>
+            <a:p>
+              <a:pPr algn="ctr"/>
+              <a:endParaRPr lang="zh-CN" altLang="en-US"/>
+            </a:p>
+          </p:txBody>
+        </p:sp>
+        <p:sp>
+          <p:nvSpPr>
+            <p:cNvPr id="24" name="右大括号 23">
+              <a:extLst>
+                <a:ext uri="{FF2B5EF4-FFF2-40B4-BE49-F238E27FC236}">
+                  <a16:creationId xmlns:a16="http://schemas.microsoft.com/office/drawing/2014/main" id="{FC659EED-A75E-46EC-BFC7-A43A3F073515}"/>
+                </a:ext>
+              </a:extLst>
+            </p:cNvPr>
+            <p:cNvSpPr/>
+            <p:nvPr/>
+          </p:nvSpPr>
+          <p:spPr>
+            <a:xfrm rot="5400000">
+              <a:off x="9512341" y="4346565"/>
+              <a:ext cx="180893" cy="2522228"/>
+            </a:xfrm>
+            <a:prstGeom prst="rightBrace">
+              <a:avLst/>
+            </a:prstGeom>
+            <a:ln>
+              <a:solidFill>
+                <a:srgbClr val="00B0F0"/>
+              </a:solidFill>
+            </a:ln>
+          </p:spPr>
+          <p:style>
+            <a:lnRef idx="1">
+              <a:schemeClr val="accent1"/>
+            </a:lnRef>
+            <a:fillRef idx="0">
+              <a:schemeClr val="accent1"/>
+            </a:fillRef>
+            <a:effectRef idx="0">
+              <a:schemeClr val="accent1"/>
+            </a:effectRef>
+            <a:fontRef idx="minor">
+              <a:schemeClr val="tx1"/>
+            </a:fontRef>
+          </p:style>
+          <p:txBody>
+            <a:bodyPr rtlCol="0" anchor="ctr"/>
+            <a:lstStyle/>
+            <a:p>
+              <a:pPr algn="ctr"/>
+              <a:endParaRPr lang="zh-CN" altLang="en-US"/>
+            </a:p>
+          </p:txBody>
+        </p:sp>
+        <p:sp>
+          <p:nvSpPr>
+            <p:cNvPr id="26" name="文本框 25">
+              <a:extLst>
+                <a:ext uri="{FF2B5EF4-FFF2-40B4-BE49-F238E27FC236}">
+                  <a16:creationId xmlns:a16="http://schemas.microsoft.com/office/drawing/2014/main" id="{1997E1BC-ED27-415E-9D3D-9DD100651CED}"/>
+                </a:ext>
+              </a:extLst>
+            </p:cNvPr>
+            <p:cNvSpPr txBox="1"/>
+            <p:nvPr/>
+          </p:nvSpPr>
+          <p:spPr>
+            <a:xfrm>
+              <a:off x="11046730" y="4051642"/>
+              <a:ext cx="631904" cy="369332"/>
+            </a:xfrm>
+            <a:prstGeom prst="rect">
+              <a:avLst/>
+            </a:prstGeom>
+            <a:noFill/>
+          </p:spPr>
+          <p:txBody>
+            <a:bodyPr wrap="none" rtlCol="0">
+              <a:spAutoFit/>
+            </a:bodyPr>
+            <a:lstStyle/>
+            <a:p>
+              <a:r>
+                <a:rPr lang="en-US" altLang="zh-CN" dirty="0"/>
+                <a:t>m</a:t>
+              </a:r>
+              <a:r>
+                <a:rPr lang="zh-CN" altLang="en-US" dirty="0"/>
+                <a:t>行</a:t>
+              </a:r>
+            </a:p>
+          </p:txBody>
+        </p:sp>
+        <p:sp>
+          <p:nvSpPr>
+            <p:cNvPr id="28" name="文本框 27">
+              <a:extLst>
+                <a:ext uri="{FF2B5EF4-FFF2-40B4-BE49-F238E27FC236}">
+                  <a16:creationId xmlns:a16="http://schemas.microsoft.com/office/drawing/2014/main" id="{E7A3B6B4-D231-4568-8BF8-9EEA0CE7A63F}"/>
+                </a:ext>
+              </a:extLst>
+            </p:cNvPr>
+            <p:cNvSpPr txBox="1"/>
+            <p:nvPr/>
+          </p:nvSpPr>
+          <p:spPr>
+            <a:xfrm>
+              <a:off x="9324505" y="5644898"/>
+              <a:ext cx="556563" cy="369332"/>
+            </a:xfrm>
+            <a:prstGeom prst="rect">
+              <a:avLst/>
+            </a:prstGeom>
+            <a:noFill/>
+          </p:spPr>
+          <p:txBody>
+            <a:bodyPr wrap="none" rtlCol="0">
+              <a:spAutoFit/>
+            </a:bodyPr>
+            <a:lstStyle/>
+            <a:p>
+              <a:r>
+                <a:rPr lang="en-US" altLang="zh-CN" dirty="0"/>
+                <a:t>n</a:t>
+              </a:r>
+              <a:r>
+                <a:rPr lang="zh-CN" altLang="en-US" dirty="0"/>
+                <a:t>列</a:t>
+              </a:r>
+            </a:p>
+          </p:txBody>
+        </p:sp>
+      </p:grpSp>
+      <p:sp>
+        <p:nvSpPr>
+          <p:cNvPr id="23" name="文本框 22">
+            <a:extLst>
+              <a:ext uri="{FF2B5EF4-FFF2-40B4-BE49-F238E27FC236}">
+                <a16:creationId xmlns:a16="http://schemas.microsoft.com/office/drawing/2014/main" id="{B496CC42-2805-41D7-9F7D-5CAD15CDED0F}"/>
+              </a:ext>
+            </a:extLst>
+          </p:cNvPr>
+          <p:cNvSpPr txBox="1"/>
+          <p:nvPr/>
+        </p:nvSpPr>
+        <p:spPr>
+          <a:xfrm>
+            <a:off x="4160640" y="4463435"/>
+            <a:ext cx="1043876" cy="307777"/>
+          </a:xfrm>
+          <a:prstGeom prst="rect">
+            <a:avLst/>
+          </a:prstGeom>
+          <a:noFill/>
+        </p:spPr>
+        <p:txBody>
+          <a:bodyPr wrap="none" rtlCol="0">
+            <a:spAutoFit/>
+          </a:bodyPr>
+          <a:lstStyle/>
+          <a:p>
+            <a:r>
+              <a:rPr lang="en-US" altLang="zh-CN" sz="1400" b="1" dirty="0">
+                <a:solidFill>
+                  <a:srgbClr val="FF0000"/>
+                </a:solidFill>
+                <a:latin typeface="Courier New" panose="02070309020205020404" pitchFamily="49" charset="0"/>
+                <a:cs typeface="Courier New" panose="02070309020205020404" pitchFamily="49" charset="0"/>
+              </a:rPr>
+              <a:t>// T *S;</a:t>
+            </a:r>
+            <a:endParaRPr lang="zh-CN" altLang="en-US" sz="1400" b="1" dirty="0">
+              <a:solidFill>
+                <a:srgbClr val="FF0000"/>
+              </a:solidFill>
+              <a:latin typeface="Courier New" panose="02070309020205020404" pitchFamily="49" charset="0"/>
+              <a:cs typeface="Courier New" panose="02070309020205020404" pitchFamily="49" charset="0"/>
+            </a:endParaRPr>
+          </a:p>
+        </p:txBody>
+      </p:sp>
+      <p:sp>
+        <p:nvSpPr>
+          <p:cNvPr id="30" name="文本框 29">
+            <a:extLst>
+              <a:ext uri="{FF2B5EF4-FFF2-40B4-BE49-F238E27FC236}">
+                <a16:creationId xmlns:a16="http://schemas.microsoft.com/office/drawing/2014/main" id="{843D1676-6B07-4533-885C-32C4229A9E1F}"/>
+              </a:ext>
+            </a:extLst>
+          </p:cNvPr>
+          <p:cNvSpPr txBox="1"/>
+          <p:nvPr/>
+        </p:nvSpPr>
+        <p:spPr>
+          <a:xfrm>
+            <a:off x="4160640" y="4720332"/>
+            <a:ext cx="1903085" cy="307777"/>
+          </a:xfrm>
+          <a:prstGeom prst="rect">
+            <a:avLst/>
+          </a:prstGeom>
+          <a:noFill/>
+        </p:spPr>
+        <p:txBody>
+          <a:bodyPr wrap="none" rtlCol="0">
+            <a:spAutoFit/>
+          </a:bodyPr>
+          <a:lstStyle/>
+          <a:p>
+            <a:r>
+              <a:rPr lang="en-US" altLang="zh-CN" sz="1400" b="1" dirty="0">
+                <a:solidFill>
+                  <a:srgbClr val="FF0000"/>
+                </a:solidFill>
+                <a:latin typeface="Courier New" panose="02070309020205020404" pitchFamily="49" charset="0"/>
+                <a:cs typeface="Courier New" panose="02070309020205020404" pitchFamily="49" charset="0"/>
+              </a:rPr>
+              <a:t>// S = new T[m];</a:t>
+            </a:r>
+            <a:endParaRPr lang="zh-CN" altLang="en-US" sz="1400" b="1" dirty="0">
+              <a:solidFill>
+                <a:srgbClr val="FF0000"/>
+              </a:solidFill>
+              <a:latin typeface="Courier New" panose="02070309020205020404" pitchFamily="49" charset="0"/>
+              <a:cs typeface="Courier New" panose="02070309020205020404" pitchFamily="49" charset="0"/>
+            </a:endParaRPr>
+          </a:p>
+        </p:txBody>
+      </p:sp>
+      <p:sp>
+        <p:nvSpPr>
+          <p:cNvPr id="31" name="文本框 30">
+            <a:extLst>
+              <a:ext uri="{FF2B5EF4-FFF2-40B4-BE49-F238E27FC236}">
+                <a16:creationId xmlns:a16="http://schemas.microsoft.com/office/drawing/2014/main" id="{6E7503A4-6318-4C2D-9AE8-CC5885DA901B}"/>
+              </a:ext>
+            </a:extLst>
+          </p:cNvPr>
+          <p:cNvSpPr txBox="1"/>
+          <p:nvPr/>
+        </p:nvSpPr>
+        <p:spPr>
+          <a:xfrm>
+            <a:off x="4160640" y="4194074"/>
+            <a:ext cx="2223392" cy="307777"/>
+          </a:xfrm>
+          <a:prstGeom prst="rect">
+            <a:avLst/>
+          </a:prstGeom>
+          <a:noFill/>
+        </p:spPr>
+        <p:txBody>
+          <a:bodyPr wrap="square" rtlCol="0">
+            <a:spAutoFit/>
+          </a:bodyPr>
+          <a:lstStyle/>
+          <a:p>
+            <a:r>
+              <a:rPr lang="en-US" altLang="zh-CN" sz="1400" b="1" dirty="0">
+                <a:solidFill>
+                  <a:srgbClr val="FF0000"/>
+                </a:solidFill>
+                <a:latin typeface="Courier New" panose="02070309020205020404" pitchFamily="49" charset="0"/>
+                <a:cs typeface="Courier New" panose="02070309020205020404" pitchFamily="49" charset="0"/>
+              </a:rPr>
+              <a:t>// typedef int T[n];</a:t>
+            </a:r>
+            <a:endParaRPr lang="zh-CN" altLang="en-US" sz="1400" b="1" dirty="0">
+              <a:solidFill>
+                <a:srgbClr val="FF0000"/>
+              </a:solidFill>
+              <a:latin typeface="Courier New" panose="02070309020205020404" pitchFamily="49" charset="0"/>
+              <a:cs typeface="Courier New" panose="02070309020205020404" pitchFamily="49" charset="0"/>
+            </a:endParaRPr>
+          </a:p>
+        </p:txBody>
+      </p:sp>
     </p:spTree>
+    <p:custDataLst>
+      <p:tags r:id="rId1"/>
+    </p:custDataLst>
     <p:extLst>
       <p:ext uri="{BB962C8B-B14F-4D97-AF65-F5344CB8AC3E}">
-        <p14:creationId xmlns:p14="http://schemas.microsoft.com/office/powerpoint/2010/main" val="34504877"/>
+        <p14:creationId xmlns:p14="http://schemas.microsoft.com/office/powerpoint/2010/main" val="39322639"/>
       </p:ext>
     </p:extLst>
   </p:cSld>
@@ -17709,7 +18676,7 @@
                             </p:stCondLst>
                             <p:childTnLst>
                               <p:par>
-                                <p:cTn id="26" presetID="10" presetClass="entr" presetSubtype="0" fill="hold" nodeType="afterEffect">
+                                <p:cTn id="26" presetID="1" presetClass="entr" presetSubtype="0" fill="hold" nodeType="afterEffect">
                                   <p:stCondLst>
                                     <p:cond delay="0"/>
                                   </p:stCondLst>
@@ -17722,7 +18689,7 @@
                                           </p:stCondLst>
                                         </p:cTn>
                                         <p:tgtEl>
-                                          <p:spTgt spid="6"/>
+                                          <p:spTgt spid="29"/>
                                         </p:tgtEl>
                                         <p:attrNameLst>
                                           <p:attrName>style.visibility</p:attrName>
@@ -17732,14 +18699,6 @@
                                         <p:strVal val="visible"/>
                                       </p:to>
                                     </p:set>
-                                    <p:animEffect transition="in" filter="fade">
-                                      <p:cBhvr>
-                                        <p:cTn id="28" dur="500"/>
-                                        <p:tgtEl>
-                                          <p:spTgt spid="6"/>
-                                        </p:tgtEl>
-                                      </p:cBhvr>
-                                    </p:animEffect>
                                   </p:childTnLst>
                                 </p:cTn>
                               </p:par>
@@ -17747,20 +18706,20 @@
                           </p:cTn>
                         </p:par>
                         <p:par>
-                          <p:cTn id="29" fill="hold">
+                          <p:cTn id="28" fill="hold">
                             <p:stCondLst>
-                              <p:cond delay="1000"/>
+                              <p:cond delay="500"/>
                             </p:stCondLst>
                             <p:childTnLst>
                               <p:par>
-                                <p:cTn id="30" presetID="10" presetClass="entr" presetSubtype="0" fill="hold" nodeType="afterEffect">
+                                <p:cTn id="29" presetID="10" presetClass="entr" presetSubtype="0" fill="hold" nodeType="afterEffect">
                                   <p:stCondLst>
                                     <p:cond delay="0"/>
                                   </p:stCondLst>
                                   <p:childTnLst>
                                     <p:set>
                                       <p:cBhvr>
-                                        <p:cTn id="31" dur="1" fill="hold">
+                                        <p:cTn id="30" dur="1" fill="hold">
                                           <p:stCondLst>
                                             <p:cond delay="0"/>
                                           </p:stCondLst>
@@ -17778,7 +18737,7 @@
                                     </p:set>
                                     <p:animEffect transition="in" filter="fade">
                                       <p:cBhvr>
-                                        <p:cTn id="32" dur="500"/>
+                                        <p:cTn id="31" dur="500"/>
                                         <p:tgtEl>
                                           <p:spTgt spid="21"/>
                                         </p:tgtEl>
@@ -17794,36 +18753,32 @@
                     </p:cTn>
                   </p:par>
                   <p:par>
-                    <p:cTn id="33" fill="hold">
+                    <p:cTn id="32" fill="hold">
                       <p:stCondLst>
                         <p:cond delay="indefinite"/>
                       </p:stCondLst>
                       <p:childTnLst>
                         <p:par>
-                          <p:cTn id="34" fill="hold">
+                          <p:cTn id="33" fill="hold">
                             <p:stCondLst>
                               <p:cond delay="0"/>
                             </p:stCondLst>
                             <p:childTnLst>
                               <p:par>
-                                <p:cTn id="35" presetID="10" presetClass="entr" presetSubtype="0" fill="hold" nodeType="clickEffect">
+                                <p:cTn id="34" presetID="1" presetClass="entr" presetSubtype="0" fill="hold" grpId="0" nodeType="clickEffect">
                                   <p:stCondLst>
                                     <p:cond delay="0"/>
                                   </p:stCondLst>
                                   <p:childTnLst>
                                     <p:set>
                                       <p:cBhvr>
-                                        <p:cTn id="36" dur="1" fill="hold">
+                                        <p:cTn id="35" dur="1" fill="hold">
                                           <p:stCondLst>
                                             <p:cond delay="0"/>
                                           </p:stCondLst>
                                         </p:cTn>
                                         <p:tgtEl>
-                                          <p:spTgt spid="4">
-                                            <p:txEl>
-                                              <p:pRg st="11" end="11"/>
-                                            </p:txEl>
-                                          </p:spTgt>
+                                          <p:spTgt spid="31"/>
                                         </p:tgtEl>
                                         <p:attrNameLst>
                                           <p:attrName>style.visibility</p:attrName>
@@ -17833,23 +18788,29 @@
                                         <p:strVal val="visible"/>
                                       </p:to>
                                     </p:set>
-                                    <p:animEffect transition="in" filter="fade">
-                                      <p:cBhvr>
-                                        <p:cTn id="37" dur="500"/>
-                                        <p:tgtEl>
-                                          <p:spTgt spid="4">
-                                            <p:txEl>
-                                              <p:pRg st="11" end="11"/>
-                                            </p:txEl>
-                                          </p:spTgt>
-                                        </p:tgtEl>
-                                      </p:cBhvr>
-                                    </p:animEffect>
                                   </p:childTnLst>
                                 </p:cTn>
                               </p:par>
+                            </p:childTnLst>
+                          </p:cTn>
+                        </p:par>
+                      </p:childTnLst>
+                    </p:cTn>
+                  </p:par>
+                  <p:par>
+                    <p:cTn id="36" fill="hold">
+                      <p:stCondLst>
+                        <p:cond delay="indefinite"/>
+                      </p:stCondLst>
+                      <p:childTnLst>
+                        <p:par>
+                          <p:cTn id="37" fill="hold">
+                            <p:stCondLst>
+                              <p:cond delay="0"/>
+                            </p:stCondLst>
+                            <p:childTnLst>
                               <p:par>
-                                <p:cTn id="38" presetID="10" presetClass="entr" presetSubtype="0" fill="hold" nodeType="withEffect">
+                                <p:cTn id="38" presetID="1" presetClass="entr" presetSubtype="0" fill="hold" grpId="0" nodeType="clickEffect">
                                   <p:stCondLst>
                                     <p:cond delay="0"/>
                                   </p:stCondLst>
@@ -17862,11 +18823,7 @@
                                           </p:stCondLst>
                                         </p:cTn>
                                         <p:tgtEl>
-                                          <p:spTgt spid="4">
-                                            <p:txEl>
-                                              <p:pRg st="12" end="12"/>
-                                            </p:txEl>
-                                          </p:spTgt>
+                                          <p:spTgt spid="23"/>
                                         </p:tgtEl>
                                         <p:attrNameLst>
                                           <p:attrName>style.visibility</p:attrName>
@@ -17876,40 +18833,42 @@
                                         <p:strVal val="visible"/>
                                       </p:to>
                                     </p:set>
-                                    <p:animEffect transition="in" filter="fade">
-                                      <p:cBhvr>
-                                        <p:cTn id="40" dur="500"/>
-                                        <p:tgtEl>
-                                          <p:spTgt spid="4">
-                                            <p:txEl>
-                                              <p:pRg st="12" end="12"/>
-                                            </p:txEl>
-                                          </p:spTgt>
-                                        </p:tgtEl>
-                                      </p:cBhvr>
-                                    </p:animEffect>
                                   </p:childTnLst>
                                 </p:cTn>
                               </p:par>
+                            </p:childTnLst>
+                          </p:cTn>
+                        </p:par>
+                      </p:childTnLst>
+                    </p:cTn>
+                  </p:par>
+                  <p:par>
+                    <p:cTn id="40" fill="hold">
+                      <p:stCondLst>
+                        <p:cond delay="indefinite"/>
+                      </p:stCondLst>
+                      <p:childTnLst>
+                        <p:par>
+                          <p:cTn id="41" fill="hold">
+                            <p:stCondLst>
+                              <p:cond delay="0"/>
+                            </p:stCondLst>
+                            <p:childTnLst>
                               <p:par>
-                                <p:cTn id="41" presetID="10" presetClass="entr" presetSubtype="0" fill="hold" nodeType="withEffect">
+                                <p:cTn id="42" presetID="1" presetClass="entr" presetSubtype="0" fill="hold" grpId="0" nodeType="clickEffect">
                                   <p:stCondLst>
                                     <p:cond delay="0"/>
                                   </p:stCondLst>
                                   <p:childTnLst>
                                     <p:set>
                                       <p:cBhvr>
-                                        <p:cTn id="42" dur="1" fill="hold">
+                                        <p:cTn id="43" dur="1" fill="hold">
                                           <p:stCondLst>
                                             <p:cond delay="0"/>
                                           </p:stCondLst>
                                         </p:cTn>
                                         <p:tgtEl>
-                                          <p:spTgt spid="4">
-                                            <p:txEl>
-                                              <p:pRg st="13" end="13"/>
-                                            </p:txEl>
-                                          </p:spTgt>
+                                          <p:spTgt spid="30"/>
                                         </p:tgtEl>
                                         <p:attrNameLst>
                                           <p:attrName>style.visibility</p:attrName>
@@ -17919,18 +18878,6 @@
                                         <p:strVal val="visible"/>
                                       </p:to>
                                     </p:set>
-                                    <p:animEffect transition="in" filter="fade">
-                                      <p:cBhvr>
-                                        <p:cTn id="43" dur="500"/>
-                                        <p:tgtEl>
-                                          <p:spTgt spid="4">
-                                            <p:txEl>
-                                              <p:pRg st="13" end="13"/>
-                                            </p:txEl>
-                                          </p:spTgt>
-                                        </p:tgtEl>
-                                      </p:cBhvr>
-                                    </p:animEffect>
                                   </p:childTnLst>
                                 </p:cTn>
                               </p:par>
@@ -17968,7 +18915,7 @@
                                         <p:tgtEl>
                                           <p:spTgt spid="4">
                                             <p:txEl>
-                                              <p:pRg st="15" end="15"/>
+                                              <p:pRg st="11" end="11"/>
                                             </p:txEl>
                                           </p:spTgt>
                                         </p:tgtEl>
@@ -17986,6 +18933,153 @@
                                         <p:tgtEl>
                                           <p:spTgt spid="4">
                                             <p:txEl>
+                                              <p:pRg st="11" end="11"/>
+                                            </p:txEl>
+                                          </p:spTgt>
+                                        </p:tgtEl>
+                                      </p:cBhvr>
+                                    </p:animEffect>
+                                  </p:childTnLst>
+                                </p:cTn>
+                              </p:par>
+                              <p:par>
+                                <p:cTn id="49" presetID="10" presetClass="entr" presetSubtype="0" fill="hold" nodeType="withEffect">
+                                  <p:stCondLst>
+                                    <p:cond delay="0"/>
+                                  </p:stCondLst>
+                                  <p:childTnLst>
+                                    <p:set>
+                                      <p:cBhvr>
+                                        <p:cTn id="50" dur="1" fill="hold">
+                                          <p:stCondLst>
+                                            <p:cond delay="0"/>
+                                          </p:stCondLst>
+                                        </p:cTn>
+                                        <p:tgtEl>
+                                          <p:spTgt spid="4">
+                                            <p:txEl>
+                                              <p:pRg st="12" end="12"/>
+                                            </p:txEl>
+                                          </p:spTgt>
+                                        </p:tgtEl>
+                                        <p:attrNameLst>
+                                          <p:attrName>style.visibility</p:attrName>
+                                        </p:attrNameLst>
+                                      </p:cBhvr>
+                                      <p:to>
+                                        <p:strVal val="visible"/>
+                                      </p:to>
+                                    </p:set>
+                                    <p:animEffect transition="in" filter="fade">
+                                      <p:cBhvr>
+                                        <p:cTn id="51" dur="500"/>
+                                        <p:tgtEl>
+                                          <p:spTgt spid="4">
+                                            <p:txEl>
+                                              <p:pRg st="12" end="12"/>
+                                            </p:txEl>
+                                          </p:spTgt>
+                                        </p:tgtEl>
+                                      </p:cBhvr>
+                                    </p:animEffect>
+                                  </p:childTnLst>
+                                </p:cTn>
+                              </p:par>
+                              <p:par>
+                                <p:cTn id="52" presetID="10" presetClass="entr" presetSubtype="0" fill="hold" nodeType="withEffect">
+                                  <p:stCondLst>
+                                    <p:cond delay="0"/>
+                                  </p:stCondLst>
+                                  <p:childTnLst>
+                                    <p:set>
+                                      <p:cBhvr>
+                                        <p:cTn id="53" dur="1" fill="hold">
+                                          <p:stCondLst>
+                                            <p:cond delay="0"/>
+                                          </p:stCondLst>
+                                        </p:cTn>
+                                        <p:tgtEl>
+                                          <p:spTgt spid="4">
+                                            <p:txEl>
+                                              <p:pRg st="13" end="13"/>
+                                            </p:txEl>
+                                          </p:spTgt>
+                                        </p:tgtEl>
+                                        <p:attrNameLst>
+                                          <p:attrName>style.visibility</p:attrName>
+                                        </p:attrNameLst>
+                                      </p:cBhvr>
+                                      <p:to>
+                                        <p:strVal val="visible"/>
+                                      </p:to>
+                                    </p:set>
+                                    <p:animEffect transition="in" filter="fade">
+                                      <p:cBhvr>
+                                        <p:cTn id="54" dur="500"/>
+                                        <p:tgtEl>
+                                          <p:spTgt spid="4">
+                                            <p:txEl>
+                                              <p:pRg st="13" end="13"/>
+                                            </p:txEl>
+                                          </p:spTgt>
+                                        </p:tgtEl>
+                                      </p:cBhvr>
+                                    </p:animEffect>
+                                  </p:childTnLst>
+                                </p:cTn>
+                              </p:par>
+                            </p:childTnLst>
+                          </p:cTn>
+                        </p:par>
+                      </p:childTnLst>
+                    </p:cTn>
+                  </p:par>
+                  <p:par>
+                    <p:cTn id="55" fill="hold">
+                      <p:stCondLst>
+                        <p:cond delay="indefinite"/>
+                      </p:stCondLst>
+                      <p:childTnLst>
+                        <p:par>
+                          <p:cTn id="56" fill="hold">
+                            <p:stCondLst>
+                              <p:cond delay="0"/>
+                            </p:stCondLst>
+                            <p:childTnLst>
+                              <p:par>
+                                <p:cTn id="57" presetID="10" presetClass="entr" presetSubtype="0" fill="hold" nodeType="clickEffect">
+                                  <p:stCondLst>
+                                    <p:cond delay="0"/>
+                                  </p:stCondLst>
+                                  <p:childTnLst>
+                                    <p:set>
+                                      <p:cBhvr>
+                                        <p:cTn id="58" dur="1" fill="hold">
+                                          <p:stCondLst>
+                                            <p:cond delay="0"/>
+                                          </p:stCondLst>
+                                        </p:cTn>
+                                        <p:tgtEl>
+                                          <p:spTgt spid="4">
+                                            <p:txEl>
+                                              <p:pRg st="15" end="15"/>
+                                            </p:txEl>
+                                          </p:spTgt>
+                                        </p:tgtEl>
+                                        <p:attrNameLst>
+                                          <p:attrName>style.visibility</p:attrName>
+                                        </p:attrNameLst>
+                                      </p:cBhvr>
+                                      <p:to>
+                                        <p:strVal val="visible"/>
+                                      </p:to>
+                                    </p:set>
+                                    <p:animEffect transition="in" filter="fade">
+                                      <p:cBhvr>
+                                        <p:cTn id="59" dur="500"/>
+                                        <p:tgtEl>
+                                          <p:spTgt spid="4">
+                                            <p:txEl>
                                               <p:pRg st="15" end="15"/>
                                             </p:txEl>
                                           </p:spTgt>
@@ -17999,34 +19093,26 @@
                           </p:cTn>
                         </p:par>
                         <p:par>
-                          <p:cTn id="49" fill="hold">
+                          <p:cTn id="60" fill="hold">
                             <p:stCondLst>
                               <p:cond delay="500"/>
                             </p:stCondLst>
                             <p:childTnLst>
                               <p:par>
-                                <p:cTn id="50" presetID="10" presetClass="exit" presetSubtype="0" fill="hold" nodeType="afterEffect">
+                                <p:cTn id="61" presetID="1" presetClass="exit" presetSubtype="0" fill="hold" nodeType="afterEffect">
                                   <p:stCondLst>
                                     <p:cond delay="0"/>
                                   </p:stCondLst>
                                   <p:childTnLst>
-                                    <p:animEffect transition="out" filter="fade">
-                                      <p:cBhvr>
-                                        <p:cTn id="51" dur="500"/>
-                                        <p:tgtEl>
-                                          <p:spTgt spid="6"/>
-                                        </p:tgtEl>
-                                      </p:cBhvr>
-                                    </p:animEffect>
                                     <p:set>
                                       <p:cBhvr>
-                                        <p:cTn id="52" dur="1" fill="hold">
+                                        <p:cTn id="62" dur="1" fill="hold">
                                           <p:stCondLst>
-                                            <p:cond delay="499"/>
+                                            <p:cond delay="0"/>
                                           </p:stCondLst>
                                         </p:cTn>
                                         <p:tgtEl>
-                                          <p:spTgt spid="6"/>
+                                          <p:spTgt spid="29"/>
                                         </p:tgtEl>
                                         <p:attrNameLst>
                                           <p:attrName>style.visibility</p:attrName>
@@ -18066,6 +19152,11 @@
         </p:cTn>
       </p:par>
     </p:tnLst>
+    <p:bldLst>
+      <p:bldP spid="23" grpId="0"/>
+      <p:bldP spid="30" grpId="0"/>
+      <p:bldP spid="31" grpId="0"/>
+    </p:bldLst>
   </p:timing>
 </p:sld>
 </file>
@@ -18877,7 +19968,7 @@
         </p:nvGrpSpPr>
         <p:grpSpPr>
           <a:xfrm>
-            <a:off x="9120336" y="3481526"/>
+            <a:off x="8472264" y="2996952"/>
             <a:ext cx="2522240" cy="2502448"/>
             <a:chOff x="6012160" y="3408774"/>
             <a:chExt cx="2522240" cy="2502448"/>
@@ -19379,7 +20470,7 @@
         </p:nvGrpSpPr>
         <p:grpSpPr>
           <a:xfrm>
-            <a:off x="8307223" y="3582554"/>
+            <a:off x="7659151" y="3097980"/>
             <a:ext cx="646331" cy="2554230"/>
             <a:chOff x="8307223" y="3582554"/>
             <a:chExt cx="646331" cy="2554230"/>
@@ -19988,7 +21079,7 @@
         </p:nvCxnSpPr>
         <p:spPr>
           <a:xfrm>
-            <a:off x="8642754" y="3726570"/>
+            <a:off x="7994682" y="3241996"/>
             <a:ext cx="477582" cy="0"/>
           </a:xfrm>
           <a:prstGeom prst="straightConnector1">
@@ -20027,7 +21118,7 @@
         </p:nvCxnSpPr>
         <p:spPr>
           <a:xfrm>
-            <a:off x="8642754" y="4014889"/>
+            <a:off x="7994682" y="3530315"/>
             <a:ext cx="477582" cy="0"/>
           </a:xfrm>
           <a:prstGeom prst="straightConnector1">
@@ -20066,7 +21157,7 @@
         </p:nvCxnSpPr>
         <p:spPr>
           <a:xfrm>
-            <a:off x="8630387" y="4303778"/>
+            <a:off x="7982315" y="3819204"/>
             <a:ext cx="477582" cy="0"/>
           </a:xfrm>
           <a:prstGeom prst="straightConnector1">
@@ -20105,7 +21196,7 @@
         </p:nvCxnSpPr>
         <p:spPr>
           <a:xfrm>
-            <a:off x="8630387" y="4591962"/>
+            <a:off x="7982315" y="4107388"/>
             <a:ext cx="477582" cy="0"/>
           </a:xfrm>
           <a:prstGeom prst="straightConnector1">
@@ -20144,7 +21235,7 @@
         </p:nvCxnSpPr>
         <p:spPr>
           <a:xfrm>
-            <a:off x="8642754" y="4889025"/>
+            <a:off x="7994682" y="4404451"/>
             <a:ext cx="477582" cy="0"/>
           </a:xfrm>
           <a:prstGeom prst="straightConnector1">
@@ -20183,7 +21274,7 @@
         </p:nvGrpSpPr>
         <p:grpSpPr>
           <a:xfrm>
-            <a:off x="7023066" y="3541904"/>
+            <a:off x="6374994" y="3057330"/>
             <a:ext cx="582089" cy="369332"/>
             <a:chOff x="7309020" y="3089186"/>
             <a:chExt cx="582089" cy="369332"/>
@@ -20292,7 +21383,7 @@
         </p:nvCxnSpPr>
         <p:spPr>
           <a:xfrm>
-            <a:off x="7461139" y="3726570"/>
+            <a:off x="6813067" y="3241996"/>
             <a:ext cx="1013203" cy="0"/>
           </a:xfrm>
           <a:prstGeom prst="straightConnector1">
@@ -20317,6 +21408,224 @@
           </a:fontRef>
         </p:style>
       </p:cxnSp>
+      <p:grpSp>
+        <p:nvGrpSpPr>
+          <p:cNvPr id="44" name="组合 43">
+            <a:extLst>
+              <a:ext uri="{FF2B5EF4-FFF2-40B4-BE49-F238E27FC236}">
+                <a16:creationId xmlns:a16="http://schemas.microsoft.com/office/drawing/2014/main" id="{01DEB56D-EDCF-49AB-8ECE-C31353AA527F}"/>
+              </a:ext>
+            </a:extLst>
+          </p:cNvPr>
+          <p:cNvGrpSpPr/>
+          <p:nvPr/>
+        </p:nvGrpSpPr>
+        <p:grpSpPr>
+          <a:xfrm>
+            <a:off x="7062379" y="3111185"/>
+            <a:ext cx="743259" cy="2410211"/>
+            <a:chOff x="7062379" y="3111185"/>
+            <a:chExt cx="743259" cy="2410211"/>
+          </a:xfrm>
+        </p:grpSpPr>
+        <p:sp>
+          <p:nvSpPr>
+            <p:cNvPr id="17" name="右大括号 16">
+              <a:extLst>
+                <a:ext uri="{FF2B5EF4-FFF2-40B4-BE49-F238E27FC236}">
+                  <a16:creationId xmlns:a16="http://schemas.microsoft.com/office/drawing/2014/main" id="{CA7830E8-BC4F-4105-9F66-2FF3FE8BC549}"/>
+                </a:ext>
+              </a:extLst>
+            </p:cNvPr>
+            <p:cNvSpPr/>
+            <p:nvPr/>
+          </p:nvSpPr>
+          <p:spPr>
+            <a:xfrm flipH="1">
+              <a:off x="7621368" y="3111185"/>
+              <a:ext cx="184270" cy="2410211"/>
+            </a:xfrm>
+            <a:prstGeom prst="rightBrace">
+              <a:avLst/>
+            </a:prstGeom>
+            <a:ln>
+              <a:solidFill>
+                <a:srgbClr val="00B0F0"/>
+              </a:solidFill>
+            </a:ln>
+          </p:spPr>
+          <p:style>
+            <a:lnRef idx="1">
+              <a:schemeClr val="accent1"/>
+            </a:lnRef>
+            <a:fillRef idx="0">
+              <a:schemeClr val="accent1"/>
+            </a:fillRef>
+            <a:effectRef idx="0">
+              <a:schemeClr val="accent1"/>
+            </a:effectRef>
+            <a:fontRef idx="minor">
+              <a:schemeClr val="tx1"/>
+            </a:fontRef>
+          </p:style>
+          <p:txBody>
+            <a:bodyPr rtlCol="0" anchor="ctr"/>
+            <a:lstStyle/>
+            <a:p>
+              <a:pPr algn="ctr"/>
+              <a:endParaRPr lang="zh-CN" altLang="en-US"/>
+            </a:p>
+          </p:txBody>
+        </p:sp>
+        <p:sp>
+          <p:nvSpPr>
+            <p:cNvPr id="41" name="文本框 40">
+              <a:extLst>
+                <a:ext uri="{FF2B5EF4-FFF2-40B4-BE49-F238E27FC236}">
+                  <a16:creationId xmlns:a16="http://schemas.microsoft.com/office/drawing/2014/main" id="{756D539C-CAB5-4B68-BF07-E5C98EE35F44}"/>
+                </a:ext>
+              </a:extLst>
+            </p:cNvPr>
+            <p:cNvSpPr txBox="1"/>
+            <p:nvPr/>
+          </p:nvSpPr>
+          <p:spPr>
+            <a:xfrm>
+              <a:off x="7062379" y="4073770"/>
+              <a:ext cx="631904" cy="369332"/>
+            </a:xfrm>
+            <a:prstGeom prst="rect">
+              <a:avLst/>
+            </a:prstGeom>
+            <a:noFill/>
+          </p:spPr>
+          <p:txBody>
+            <a:bodyPr wrap="none" rtlCol="0">
+              <a:spAutoFit/>
+            </a:bodyPr>
+            <a:lstStyle/>
+            <a:p>
+              <a:r>
+                <a:rPr lang="en-US" altLang="zh-CN" dirty="0"/>
+                <a:t>m</a:t>
+              </a:r>
+              <a:r>
+                <a:rPr lang="zh-CN" altLang="en-US" dirty="0"/>
+                <a:t>行</a:t>
+              </a:r>
+            </a:p>
+          </p:txBody>
+        </p:sp>
+      </p:grpSp>
+      <p:grpSp>
+        <p:nvGrpSpPr>
+          <p:cNvPr id="45" name="组合 44">
+            <a:extLst>
+              <a:ext uri="{FF2B5EF4-FFF2-40B4-BE49-F238E27FC236}">
+                <a16:creationId xmlns:a16="http://schemas.microsoft.com/office/drawing/2014/main" id="{3A2F2A5C-D6B4-4F09-AB64-7D27D6C30A11}"/>
+              </a:ext>
+            </a:extLst>
+          </p:cNvPr>
+          <p:cNvGrpSpPr/>
+          <p:nvPr/>
+        </p:nvGrpSpPr>
+        <p:grpSpPr>
+          <a:xfrm>
+            <a:off x="8464212" y="5561763"/>
+            <a:ext cx="2522228" cy="496998"/>
+            <a:chOff x="8464212" y="5561763"/>
+            <a:chExt cx="2522228" cy="496998"/>
+          </a:xfrm>
+        </p:grpSpPr>
+        <p:sp>
+          <p:nvSpPr>
+            <p:cNvPr id="18" name="右大括号 17">
+              <a:extLst>
+                <a:ext uri="{FF2B5EF4-FFF2-40B4-BE49-F238E27FC236}">
+                  <a16:creationId xmlns:a16="http://schemas.microsoft.com/office/drawing/2014/main" id="{CE6D8827-1CAF-4959-B9FB-FC64CF18BB96}"/>
+                </a:ext>
+              </a:extLst>
+            </p:cNvPr>
+            <p:cNvSpPr/>
+            <p:nvPr/>
+          </p:nvSpPr>
+          <p:spPr>
+            <a:xfrm rot="5400000">
+              <a:off x="9634879" y="4391096"/>
+              <a:ext cx="180893" cy="2522228"/>
+            </a:xfrm>
+            <a:prstGeom prst="rightBrace">
+              <a:avLst/>
+            </a:prstGeom>
+            <a:ln>
+              <a:solidFill>
+                <a:srgbClr val="00B0F0"/>
+              </a:solidFill>
+            </a:ln>
+          </p:spPr>
+          <p:style>
+            <a:lnRef idx="1">
+              <a:schemeClr val="accent1"/>
+            </a:lnRef>
+            <a:fillRef idx="0">
+              <a:schemeClr val="accent1"/>
+            </a:fillRef>
+            <a:effectRef idx="0">
+              <a:schemeClr val="accent1"/>
+            </a:effectRef>
+            <a:fontRef idx="minor">
+              <a:schemeClr val="tx1"/>
+            </a:fontRef>
+          </p:style>
+          <p:txBody>
+            <a:bodyPr rtlCol="0" anchor="ctr"/>
+            <a:lstStyle/>
+            <a:p>
+              <a:pPr algn="ctr"/>
+              <a:endParaRPr lang="zh-CN" altLang="en-US"/>
+            </a:p>
+          </p:txBody>
+        </p:sp>
+        <p:sp>
+          <p:nvSpPr>
+            <p:cNvPr id="43" name="文本框 42">
+              <a:extLst>
+                <a:ext uri="{FF2B5EF4-FFF2-40B4-BE49-F238E27FC236}">
+                  <a16:creationId xmlns:a16="http://schemas.microsoft.com/office/drawing/2014/main" id="{55695FE3-F3EE-4A99-B8D2-D2D16FDCB056}"/>
+                </a:ext>
+              </a:extLst>
+            </p:cNvPr>
+            <p:cNvSpPr txBox="1"/>
+            <p:nvPr/>
+          </p:nvSpPr>
+          <p:spPr>
+            <a:xfrm>
+              <a:off x="9447043" y="5689429"/>
+              <a:ext cx="556563" cy="369332"/>
+            </a:xfrm>
+            <a:prstGeom prst="rect">
+              <a:avLst/>
+            </a:prstGeom>
+            <a:noFill/>
+          </p:spPr>
+          <p:txBody>
+            <a:bodyPr wrap="none" rtlCol="0">
+              <a:spAutoFit/>
+            </a:bodyPr>
+            <a:lstStyle/>
+            <a:p>
+              <a:r>
+                <a:rPr lang="en-US" altLang="zh-CN" dirty="0"/>
+                <a:t>n</a:t>
+              </a:r>
+              <a:r>
+                <a:rPr lang="zh-CN" altLang="en-US" dirty="0"/>
+                <a:t>列</a:t>
+              </a:r>
+            </a:p>
+          </p:txBody>
+        </p:sp>
+      </p:grpSp>
     </p:spTree>
     <p:extLst>
       <p:ext uri="{BB962C8B-B14F-4D97-AF65-F5344CB8AC3E}">
@@ -20653,7 +21962,7 @@
                             </p:stCondLst>
                             <p:childTnLst>
                               <p:par>
-                                <p:cTn id="30" presetID="10" presetClass="entr" presetSubtype="0" fill="hold" nodeType="afterEffect">
+                                <p:cTn id="30" presetID="1" presetClass="entr" presetSubtype="0" fill="hold" nodeType="afterEffect">
                                   <p:stCondLst>
                                     <p:cond delay="0"/>
                                   </p:stCondLst>
@@ -20661,6 +21970,42 @@
                                     <p:set>
                                       <p:cBhvr>
                                         <p:cTn id="31" dur="1" fill="hold">
+                                          <p:stCondLst>
+                                            <p:cond delay="0"/>
+                                          </p:stCondLst>
+                                        </p:cTn>
+                                        <p:tgtEl>
+                                          <p:spTgt spid="44"/>
+                                        </p:tgtEl>
+                                        <p:attrNameLst>
+                                          <p:attrName>style.visibility</p:attrName>
+                                        </p:attrNameLst>
+                                      </p:cBhvr>
+                                      <p:to>
+                                        <p:strVal val="visible"/>
+                                      </p:to>
+                                    </p:set>
+                                  </p:childTnLst>
+                                </p:cTn>
+                              </p:par>
+                            </p:childTnLst>
+                          </p:cTn>
+                        </p:par>
+                        <p:par>
+                          <p:cTn id="32" fill="hold">
+                            <p:stCondLst>
+                              <p:cond delay="1000"/>
+                            </p:stCondLst>
+                            <p:childTnLst>
+                              <p:par>
+                                <p:cTn id="33" presetID="10" presetClass="entr" presetSubtype="0" fill="hold" nodeType="afterEffect">
+                                  <p:stCondLst>
+                                    <p:cond delay="0"/>
+                                  </p:stCondLst>
+                                  <p:childTnLst>
+                                    <p:set>
+                                      <p:cBhvr>
+                                        <p:cTn id="34" dur="1" fill="hold">
                                           <p:stCondLst>
                                             <p:cond delay="0"/>
                                           </p:stCondLst>
@@ -20678,7 +22023,7 @@
                                     </p:set>
                                     <p:animEffect transition="in" filter="fade">
                                       <p:cBhvr>
-                                        <p:cTn id="32" dur="500"/>
+                                        <p:cTn id="35" dur="500"/>
                                         <p:tgtEl>
                                           <p:spTgt spid="36"/>
                                         </p:tgtEl>
@@ -20694,26 +22039,26 @@
                     </p:cTn>
                   </p:par>
                   <p:par>
-                    <p:cTn id="33" fill="hold">
+                    <p:cTn id="36" fill="hold">
                       <p:stCondLst>
                         <p:cond delay="indefinite"/>
                       </p:stCondLst>
                       <p:childTnLst>
                         <p:par>
-                          <p:cTn id="34" fill="hold">
+                          <p:cTn id="37" fill="hold">
                             <p:stCondLst>
                               <p:cond delay="0"/>
                             </p:stCondLst>
                             <p:childTnLst>
                               <p:par>
-                                <p:cTn id="35" presetID="10" presetClass="entr" presetSubtype="0" fill="hold" nodeType="clickEffect">
+                                <p:cTn id="38" presetID="10" presetClass="entr" presetSubtype="0" fill="hold" nodeType="clickEffect">
                                   <p:stCondLst>
                                     <p:cond delay="0"/>
                                   </p:stCondLst>
                                   <p:childTnLst>
                                     <p:set>
                                       <p:cBhvr>
-                                        <p:cTn id="36" dur="1" fill="hold">
+                                        <p:cTn id="39" dur="1" fill="hold">
                                           <p:stCondLst>
                                             <p:cond delay="0"/>
                                           </p:stCondLst>
@@ -20735,7 +22080,7 @@
                                     </p:set>
                                     <p:animEffect transition="in" filter="fade">
                                       <p:cBhvr>
-                                        <p:cTn id="37" dur="500"/>
+                                        <p:cTn id="40" dur="500"/>
                                         <p:tgtEl>
                                           <p:spTgt spid="4">
                                             <p:txEl>
@@ -20752,20 +22097,20 @@
                           </p:cTn>
                         </p:par>
                         <p:par>
-                          <p:cTn id="38" fill="hold">
+                          <p:cTn id="41" fill="hold">
                             <p:stCondLst>
                               <p:cond delay="500"/>
                             </p:stCondLst>
                             <p:childTnLst>
                               <p:par>
-                                <p:cTn id="39" presetID="10" presetClass="entr" presetSubtype="0" fill="hold" nodeType="afterEffect">
+                                <p:cTn id="42" presetID="10" presetClass="entr" presetSubtype="0" fill="hold" nodeType="afterEffect">
                                   <p:stCondLst>
                                     <p:cond delay="0"/>
                                   </p:stCondLst>
                                   <p:childTnLst>
                                     <p:set>
                                       <p:cBhvr>
-                                        <p:cTn id="40" dur="1" fill="hold">
+                                        <p:cTn id="43" dur="1" fill="hold">
                                           <p:stCondLst>
                                             <p:cond delay="0"/>
                                           </p:stCondLst>
@@ -20783,7 +22128,7 @@
                                     </p:set>
                                     <p:animEffect transition="in" filter="fade">
                                       <p:cBhvr>
-                                        <p:cTn id="41" dur="500"/>
+                                        <p:cTn id="44" dur="500"/>
                                         <p:tgtEl>
                                           <p:spTgt spid="5"/>
                                         </p:tgtEl>
@@ -20796,20 +22141,56 @@
                           </p:cTn>
                         </p:par>
                         <p:par>
-                          <p:cTn id="42" fill="hold">
+                          <p:cTn id="45" fill="hold">
                             <p:stCondLst>
                               <p:cond delay="1000"/>
                             </p:stCondLst>
                             <p:childTnLst>
                               <p:par>
-                                <p:cTn id="43" presetID="10" presetClass="entr" presetSubtype="0" fill="hold" nodeType="afterEffect">
+                                <p:cTn id="46" presetID="1" presetClass="entr" presetSubtype="0" fill="hold" nodeType="afterEffect">
                                   <p:stCondLst>
                                     <p:cond delay="0"/>
                                   </p:stCondLst>
                                   <p:childTnLst>
                                     <p:set>
                                       <p:cBhvr>
-                                        <p:cTn id="44" dur="1" fill="hold">
+                                        <p:cTn id="47" dur="1" fill="hold">
+                                          <p:stCondLst>
+                                            <p:cond delay="0"/>
+                                          </p:stCondLst>
+                                        </p:cTn>
+                                        <p:tgtEl>
+                                          <p:spTgt spid="45"/>
+                                        </p:tgtEl>
+                                        <p:attrNameLst>
+                                          <p:attrName>style.visibility</p:attrName>
+                                        </p:attrNameLst>
+                                      </p:cBhvr>
+                                      <p:to>
+                                        <p:strVal val="visible"/>
+                                      </p:to>
+                                    </p:set>
+                                  </p:childTnLst>
+                                </p:cTn>
+                              </p:par>
+                            </p:childTnLst>
+                          </p:cTn>
+                        </p:par>
+                        <p:par>
+                          <p:cTn id="48" fill="hold">
+                            <p:stCondLst>
+                              <p:cond delay="1000"/>
+                            </p:stCondLst>
+                            <p:childTnLst>
+                              <p:par>
+                                <p:cTn id="49" presetID="10" presetClass="entr" presetSubtype="0" fill="hold" nodeType="afterEffect">
+                                  <p:stCondLst>
+                                    <p:cond delay="0"/>
+                                  </p:stCondLst>
+                                  <p:childTnLst>
+                                    <p:set>
+                                      <p:cBhvr>
+                                        <p:cTn id="50" dur="1" fill="hold">
                                           <p:stCondLst>
                                             <p:cond delay="0"/>
                                           </p:stCondLst>
@@ -20827,7 +22208,7 @@
                                     </p:set>
                                     <p:animEffect transition="in" filter="fade">
                                       <p:cBhvr>
-                                        <p:cTn id="45" dur="500"/>
+                                        <p:cTn id="51" dur="500"/>
                                         <p:tgtEl>
                                           <p:spTgt spid="28"/>
                                         </p:tgtEl>
@@ -20843,26 +22224,26 @@
                     </p:cTn>
                   </p:par>
                   <p:par>
-                    <p:cTn id="46" fill="hold">
+                    <p:cTn id="52" fill="hold">
                       <p:stCondLst>
                         <p:cond delay="indefinite"/>
                       </p:stCondLst>
                       <p:childTnLst>
                         <p:par>
-                          <p:cTn id="47" fill="hold">
+                          <p:cTn id="53" fill="hold">
                             <p:stCondLst>
                               <p:cond delay="0"/>
                             </p:stCondLst>
                             <p:childTnLst>
                               <p:par>
-                                <p:cTn id="48" presetID="10" presetClass="entr" presetSubtype="0" fill="hold" nodeType="clickEffect">
+                                <p:cTn id="54" presetID="10" presetClass="entr" presetSubtype="0" fill="hold" nodeType="clickEffect">
                                   <p:stCondLst>
                                     <p:cond delay="0"/>
                                   </p:stCondLst>
                                   <p:childTnLst>
                                     <p:set>
                                       <p:cBhvr>
-                                        <p:cTn id="49" dur="1" fill="hold">
+                                        <p:cTn id="55" dur="1" fill="hold">
                                           <p:stCondLst>
                                             <p:cond delay="0"/>
                                           </p:stCondLst>
@@ -20884,7 +22265,7 @@
                                     </p:set>
                                     <p:animEffect transition="in" filter="fade">
                                       <p:cBhvr>
-                                        <p:cTn id="50" dur="500"/>
+                                        <p:cTn id="56" dur="500"/>
                                         <p:tgtEl>
                                           <p:spTgt spid="4">
                                             <p:txEl>
@@ -20898,14 +22279,14 @@
                                 </p:cTn>
                               </p:par>
                               <p:par>
-                                <p:cTn id="51" presetID="10" presetClass="entr" presetSubtype="0" fill="hold" nodeType="withEffect">
+                                <p:cTn id="57" presetID="10" presetClass="entr" presetSubtype="0" fill="hold" nodeType="withEffect">
                                   <p:stCondLst>
                                     <p:cond delay="0"/>
                                   </p:stCondLst>
                                   <p:childTnLst>
                                     <p:set>
                                       <p:cBhvr>
-                                        <p:cTn id="52" dur="1" fill="hold">
+                                        <p:cTn id="58" dur="1" fill="hold">
                                           <p:stCondLst>
                                             <p:cond delay="0"/>
                                           </p:stCondLst>
@@ -20927,7 +22308,7 @@
                                     </p:set>
                                     <p:animEffect transition="in" filter="fade">
                                       <p:cBhvr>
-                                        <p:cTn id="53" dur="500"/>
+                                        <p:cTn id="59" dur="500"/>
                                         <p:tgtEl>
                                           <p:spTgt spid="4">
                                             <p:txEl>
@@ -20944,20 +22325,20 @@
                           </p:cTn>
                         </p:par>
                         <p:par>
-                          <p:cTn id="54" fill="hold">
+                          <p:cTn id="60" fill="hold">
                             <p:stCondLst>
                               <p:cond delay="500"/>
                             </p:stCondLst>
                             <p:childTnLst>
                               <p:par>
-                                <p:cTn id="55" presetID="10" presetClass="entr" presetSubtype="0" fill="hold" nodeType="afterEffect">
+                                <p:cTn id="61" presetID="10" presetClass="entr" presetSubtype="0" fill="hold" nodeType="afterEffect">
                                   <p:stCondLst>
                                     <p:cond delay="0"/>
                                   </p:stCondLst>
                                   <p:childTnLst>
                                     <p:set>
                                       <p:cBhvr>
-                                        <p:cTn id="56" dur="1" fill="hold">
+                                        <p:cTn id="62" dur="1" fill="hold">
                                           <p:stCondLst>
                                             <p:cond delay="0"/>
                                           </p:stCondLst>
@@ -20975,7 +22356,7 @@
                                     </p:set>
                                     <p:animEffect transition="in" filter="fade">
                                       <p:cBhvr>
-                                        <p:cTn id="57" dur="500"/>
+                                        <p:cTn id="63" dur="500"/>
                                         <p:tgtEl>
                                           <p:spTgt spid="29"/>
                                         </p:tgtEl>
@@ -20988,20 +22369,20 @@
                           </p:cTn>
                         </p:par>
                         <p:par>
-                          <p:cTn id="58" fill="hold">
+                          <p:cTn id="64" fill="hold">
                             <p:stCondLst>
                               <p:cond delay="1000"/>
                             </p:stCondLst>
                             <p:childTnLst>
                               <p:par>
-                                <p:cTn id="59" presetID="10" presetClass="entr" presetSubtype="0" fill="hold" nodeType="afterEffect">
+                                <p:cTn id="65" presetID="10" presetClass="entr" presetSubtype="0" fill="hold" nodeType="afterEffect">
                                   <p:stCondLst>
                                     <p:cond delay="0"/>
                                   </p:stCondLst>
                                   <p:childTnLst>
                                     <p:set>
                                       <p:cBhvr>
-                                        <p:cTn id="60" dur="1" fill="hold">
+                                        <p:cTn id="66" dur="1" fill="hold">
                                           <p:stCondLst>
                                             <p:cond delay="0"/>
                                           </p:stCondLst>
@@ -21019,7 +22400,7 @@
                                     </p:set>
                                     <p:animEffect transition="in" filter="fade">
                                       <p:cBhvr>
-                                        <p:cTn id="61" dur="500"/>
+                                        <p:cTn id="67" dur="500"/>
                                         <p:tgtEl>
                                           <p:spTgt spid="30"/>
                                         </p:tgtEl>
@@ -21032,20 +22413,20 @@
                           </p:cTn>
                         </p:par>
                         <p:par>
-                          <p:cTn id="62" fill="hold">
+                          <p:cTn id="68" fill="hold">
                             <p:stCondLst>
                               <p:cond delay="1500"/>
                             </p:stCondLst>
                             <p:childTnLst>
                               <p:par>
-                                <p:cTn id="63" presetID="10" presetClass="entr" presetSubtype="0" fill="hold" nodeType="afterEffect">
+                                <p:cTn id="69" presetID="10" presetClass="entr" presetSubtype="0" fill="hold" nodeType="afterEffect">
                                   <p:stCondLst>
                                     <p:cond delay="0"/>
                                   </p:stCondLst>
                                   <p:childTnLst>
                                     <p:set>
                                       <p:cBhvr>
-                                        <p:cTn id="64" dur="1" fill="hold">
+                                        <p:cTn id="70" dur="1" fill="hold">
                                           <p:stCondLst>
                                             <p:cond delay="0"/>
                                           </p:stCondLst>
@@ -21063,7 +22444,7 @@
                                     </p:set>
                                     <p:animEffect transition="in" filter="fade">
                                       <p:cBhvr>
-                                        <p:cTn id="65" dur="500"/>
+                                        <p:cTn id="71" dur="500"/>
                                         <p:tgtEl>
                                           <p:spTgt spid="31"/>
                                         </p:tgtEl>
@@ -21076,20 +22457,20 @@
                           </p:cTn>
                         </p:par>
                         <p:par>
-                          <p:cTn id="66" fill="hold">
+                          <p:cTn id="72" fill="hold">
                             <p:stCondLst>
                               <p:cond delay="2000"/>
                             </p:stCondLst>
                             <p:childTnLst>
                               <p:par>
-                                <p:cTn id="67" presetID="10" presetClass="entr" presetSubtype="0" fill="hold" nodeType="afterEffect">
+                                <p:cTn id="73" presetID="10" presetClass="entr" presetSubtype="0" fill="hold" nodeType="afterEffect">
                                   <p:stCondLst>
                                     <p:cond delay="0"/>
                                   </p:stCondLst>
                                   <p:childTnLst>
                                     <p:set>
                                       <p:cBhvr>
-                                        <p:cTn id="68" dur="1" fill="hold">
+                                        <p:cTn id="74" dur="1" fill="hold">
                                           <p:stCondLst>
                                             <p:cond delay="0"/>
                                           </p:stCondLst>
@@ -21107,7 +22488,7 @@
                                     </p:set>
                                     <p:animEffect transition="in" filter="fade">
                                       <p:cBhvr>
-                                        <p:cTn id="69" dur="500"/>
+                                        <p:cTn id="75" dur="500"/>
                                         <p:tgtEl>
                                           <p:spTgt spid="32"/>
                                         </p:tgtEl>
@@ -21123,26 +22504,26 @@
                     </p:cTn>
                   </p:par>
                   <p:par>
-                    <p:cTn id="70" fill="hold">
+                    <p:cTn id="76" fill="hold">
                       <p:stCondLst>
                         <p:cond delay="indefinite"/>
                       </p:stCondLst>
                       <p:childTnLst>
                         <p:par>
-                          <p:cTn id="71" fill="hold">
+                          <p:cTn id="77" fill="hold">
                             <p:stCondLst>
                               <p:cond delay="0"/>
                             </p:stCondLst>
                             <p:childTnLst>
                               <p:par>
-                                <p:cTn id="72" presetID="10" presetClass="entr" presetSubtype="0" fill="hold" nodeType="clickEffect">
+                                <p:cTn id="78" presetID="10" presetClass="entr" presetSubtype="0" fill="hold" nodeType="clickEffect">
                                   <p:stCondLst>
                                     <p:cond delay="0"/>
                                   </p:stCondLst>
                                   <p:childTnLst>
                                     <p:set>
                                       <p:cBhvr>
-                                        <p:cTn id="73" dur="1" fill="hold">
+                                        <p:cTn id="79" dur="1" fill="hold">
                                           <p:stCondLst>
                                             <p:cond delay="0"/>
                                           </p:stCondLst>
@@ -21164,7 +22545,7 @@
                                     </p:set>
                                     <p:animEffect transition="in" filter="fade">
                                       <p:cBhvr>
-                                        <p:cTn id="74" dur="500"/>
+                                        <p:cTn id="80" dur="500"/>
                                         <p:tgtEl>
                                           <p:spTgt spid="4">
                                             <p:txEl>
@@ -21178,14 +22559,14 @@
                                 </p:cTn>
                               </p:par>
                               <p:par>
-                                <p:cTn id="75" presetID="10" presetClass="entr" presetSubtype="0" fill="hold" nodeType="withEffect">
+                                <p:cTn id="81" presetID="10" presetClass="entr" presetSubtype="0" fill="hold" nodeType="withEffect">
                                   <p:stCondLst>
                                     <p:cond delay="0"/>
                                   </p:stCondLst>
                                   <p:childTnLst>
                                     <p:set>
                                       <p:cBhvr>
-                                        <p:cTn id="76" dur="1" fill="hold">
+                                        <p:cTn id="82" dur="1" fill="hold">
                                           <p:stCondLst>
                                             <p:cond delay="0"/>
                                           </p:stCondLst>
@@ -21207,7 +22588,7 @@
                                     </p:set>
                                     <p:animEffect transition="in" filter="fade">
                                       <p:cBhvr>
-                                        <p:cTn id="77" dur="500"/>
+                                        <p:cTn id="83" dur="500"/>
                                         <p:tgtEl>
                                           <p:spTgt spid="4">
                                             <p:txEl>
@@ -21221,14 +22602,14 @@
                                 </p:cTn>
                               </p:par>
                               <p:par>
-                                <p:cTn id="78" presetID="10" presetClass="entr" presetSubtype="0" fill="hold" nodeType="withEffect">
+                                <p:cTn id="84" presetID="10" presetClass="entr" presetSubtype="0" fill="hold" nodeType="withEffect">
                                   <p:stCondLst>
                                     <p:cond delay="0"/>
                                   </p:stCondLst>
                                   <p:childTnLst>
                                     <p:set>
                                       <p:cBhvr>
-                                        <p:cTn id="79" dur="1" fill="hold">
+                                        <p:cTn id="85" dur="1" fill="hold">
                                           <p:stCondLst>
                                             <p:cond delay="0"/>
                                           </p:stCondLst>
@@ -21250,7 +22631,7 @@
                                     </p:set>
                                     <p:animEffect transition="in" filter="fade">
                                       <p:cBhvr>
-                                        <p:cTn id="80" dur="500"/>
+                                        <p:cTn id="86" dur="500"/>
                                         <p:tgtEl>
                                           <p:spTgt spid="4">
                                             <p:txEl>
@@ -21270,26 +22651,26 @@
                     </p:cTn>
                   </p:par>
                   <p:par>
-                    <p:cTn id="81" fill="hold">
+                    <p:cTn id="87" fill="hold">
                       <p:stCondLst>
                         <p:cond delay="indefinite"/>
                       </p:stCondLst>
                       <p:childTnLst>
                         <p:par>
-                          <p:cTn id="82" fill="hold">
+                          <p:cTn id="88" fill="hold">
                             <p:stCondLst>
                               <p:cond delay="0"/>
                             </p:stCondLst>
                             <p:childTnLst>
                               <p:par>
-                                <p:cTn id="83" presetID="10" presetClass="entr" presetSubtype="0" fill="hold" nodeType="clickEffect">
+                                <p:cTn id="89" presetID="10" presetClass="entr" presetSubtype="0" fill="hold" nodeType="clickEffect">
                                   <p:stCondLst>
                                     <p:cond delay="0"/>
                                   </p:stCondLst>
                                   <p:childTnLst>
                                     <p:set>
                                       <p:cBhvr>
-                                        <p:cTn id="84" dur="1" fill="hold">
+                                        <p:cTn id="90" dur="1" fill="hold">
                                           <p:stCondLst>
                                             <p:cond delay="0"/>
                                           </p:stCondLst>
@@ -21311,7 +22692,7 @@
                                     </p:set>
                                     <p:animEffect transition="in" filter="fade">
                                       <p:cBhvr>
-                                        <p:cTn id="85" dur="500"/>
+                                        <p:cTn id="91" dur="500"/>
                                         <p:tgtEl>
                                           <p:spTgt spid="4">
                                             <p:txEl>
@@ -21328,20 +22709,20 @@
                           </p:cTn>
                         </p:par>
                         <p:par>
-                          <p:cTn id="86" fill="hold">
+                          <p:cTn id="92" fill="hold">
                             <p:stCondLst>
                               <p:cond delay="500"/>
                             </p:stCondLst>
                             <p:childTnLst>
                               <p:par>
-                                <p:cTn id="87" presetID="10" presetClass="exit" presetSubtype="0" fill="hold" nodeType="afterEffect">
+                                <p:cTn id="93" presetID="10" presetClass="exit" presetSubtype="0" fill="hold" nodeType="afterEffect">
                                   <p:stCondLst>
                                     <p:cond delay="0"/>
                                   </p:stCondLst>
                                   <p:childTnLst>
                                     <p:animEffect transition="out" filter="fade">
                                       <p:cBhvr>
-                                        <p:cTn id="88" dur="500"/>
+                                        <p:cTn id="94" dur="500"/>
                                         <p:tgtEl>
                                           <p:spTgt spid="5"/>
                                         </p:tgtEl>
@@ -21349,7 +22730,7 @@
                                     </p:animEffect>
                                     <p:set>
                                       <p:cBhvr>
-                                        <p:cTn id="89" dur="1" fill="hold">
+                                        <p:cTn id="95" dur="1" fill="hold">
                                           <p:stCondLst>
                                             <p:cond delay="499"/>
                                           </p:stCondLst>
@@ -21371,30 +22752,66 @@
                             </p:childTnLst>
                           </p:cTn>
                         </p:par>
-                      </p:childTnLst>
-                    </p:cTn>
-                  </p:par>
-                  <p:par>
-                    <p:cTn id="90" fill="hold">
-                      <p:stCondLst>
-                        <p:cond delay="indefinite"/>
-                      </p:stCondLst>
-                      <p:childTnLst>
                         <p:par>
-                          <p:cTn id="91" fill="hold">
+                          <p:cTn id="96" fill="hold">
                             <p:stCondLst>
-                              <p:cond delay="0"/>
+                              <p:cond delay="1000"/>
                             </p:stCondLst>
                             <p:childTnLst>
                               <p:par>
-                                <p:cTn id="92" presetID="10" presetClass="entr" presetSubtype="0" fill="hold" nodeType="clickEffect">
+                                <p:cTn id="97" presetID="1" presetClass="exit" presetSubtype="0" fill="hold" nodeType="afterEffect">
                                   <p:stCondLst>
                                     <p:cond delay="0"/>
                                   </p:stCondLst>
                                   <p:childTnLst>
                                     <p:set>
                                       <p:cBhvr>
-                                        <p:cTn id="93" dur="1" fill="hold">
+                                        <p:cTn id="98" dur="1" fill="hold">
+                                          <p:stCondLst>
+                                            <p:cond delay="0"/>
+                                          </p:stCondLst>
+                                        </p:cTn>
+                                        <p:tgtEl>
+                                          <p:spTgt spid="45"/>
+                                        </p:tgtEl>
+                                        <p:attrNameLst>
+                                          <p:attrName>style.visibility</p:attrName>
+                                        </p:attrNameLst>
+                                      </p:cBhvr>
+                                      <p:to>
+                                        <p:strVal val="hidden"/>
+                                      </p:to>
+                                    </p:set>
+                                  </p:childTnLst>
+                                </p:cTn>
+                              </p:par>
+                            </p:childTnLst>
+                          </p:cTn>
+                        </p:par>
+                      </p:childTnLst>
+                    </p:cTn>
+                  </p:par>
+                  <p:par>
+                    <p:cTn id="99" fill="hold">
+                      <p:stCondLst>
+                        <p:cond delay="indefinite"/>
+                      </p:stCondLst>
+                      <p:childTnLst>
+                        <p:par>
+                          <p:cTn id="100" fill="hold">
+                            <p:stCondLst>
+                              <p:cond delay="0"/>
+                            </p:stCondLst>
+                            <p:childTnLst>
+                              <p:par>
+                                <p:cTn id="101" presetID="10" presetClass="entr" presetSubtype="0" fill="hold" nodeType="clickEffect">
+                                  <p:stCondLst>
+                                    <p:cond delay="0"/>
+                                  </p:stCondLst>
+                                  <p:childTnLst>
+                                    <p:set>
+                                      <p:cBhvr>
+                                        <p:cTn id="102" dur="1" fill="hold">
                                           <p:stCondLst>
                                             <p:cond delay="0"/>
                                           </p:stCondLst>
@@ -21416,7 +22833,7 @@
                                     </p:set>
                                     <p:animEffect transition="in" filter="fade">
                                       <p:cBhvr>
-                                        <p:cTn id="94" dur="500"/>
+                                        <p:cTn id="103" dur="500"/>
                                         <p:tgtEl>
                                           <p:spTgt spid="4">
                                             <p:txEl>
@@ -21433,20 +22850,20 @@
                           </p:cTn>
                         </p:par>
                         <p:par>
-                          <p:cTn id="95" fill="hold">
+                          <p:cTn id="104" fill="hold">
                             <p:stCondLst>
                               <p:cond delay="500"/>
                             </p:stCondLst>
                             <p:childTnLst>
                               <p:par>
-                                <p:cTn id="96" presetID="10" presetClass="exit" presetSubtype="0" fill="hold" nodeType="afterEffect">
+                                <p:cTn id="105" presetID="10" presetClass="exit" presetSubtype="0" fill="hold" nodeType="afterEffect">
                                   <p:stCondLst>
                                     <p:cond delay="0"/>
                                   </p:stCondLst>
                                   <p:childTnLst>
                                     <p:animEffect transition="out" filter="fade">
                                       <p:cBhvr>
-                                        <p:cTn id="97" dur="500"/>
+                                        <p:cTn id="106" dur="500"/>
                                         <p:tgtEl>
                                           <p:spTgt spid="37"/>
                                         </p:tgtEl>
@@ -21454,7 +22871,7 @@
                                     </p:animEffect>
                                     <p:set>
                                       <p:cBhvr>
-                                        <p:cTn id="98" dur="1" fill="hold">
+                                        <p:cTn id="107" dur="1" fill="hold">
                                           <p:stCondLst>
                                             <p:cond delay="499"/>
                                           </p:stCondLst>
@@ -21477,20 +22894,47 @@
                           </p:cTn>
                         </p:par>
                         <p:par>
-                          <p:cTn id="99" fill="hold">
+                          <p:cTn id="108" fill="hold">
                             <p:stCondLst>
                               <p:cond delay="1000"/>
                             </p:stCondLst>
                             <p:childTnLst>
                               <p:par>
-                                <p:cTn id="100" presetID="10" presetClass="exit" presetSubtype="0" fill="hold" nodeType="afterEffect">
+                                <p:cTn id="109" presetID="1" presetClass="exit" presetSubtype="0" fill="hold" nodeType="afterEffect">
+                                  <p:stCondLst>
+                                    <p:cond delay="0"/>
+                                  </p:stCondLst>
+                                  <p:childTnLst>
+                                    <p:set>
+                                      <p:cBhvr>
+                                        <p:cTn id="110" dur="1" fill="hold">
+                                          <p:stCondLst>
+                                            <p:cond delay="0"/>
+                                          </p:stCondLst>
+                                        </p:cTn>
+                                        <p:tgtEl>
+                                          <p:spTgt spid="44"/>
+                                        </p:tgtEl>
+                                        <p:attrNameLst>
+                                          <p:attrName>style.visibility</p:attrName>
+                                        </p:attrNameLst>
+                                      </p:cBhvr>
+                                      <p:to>
+                                        <p:strVal val="hidden"/>
+                                      </p:to>
+                                    </p:set>
+                                  </p:childTnLst>
+                                </p:cTn>
+                              </p:par>
+                              <p:par>
+                                <p:cTn id="111" presetID="10" presetClass="exit" presetSubtype="0" fill="hold" nodeType="withEffect">
                                   <p:stCondLst>
                                     <p:cond delay="0"/>
                                   </p:stCondLst>
                                   <p:childTnLst>
                                     <p:animEffect transition="out" filter="fade">
                                       <p:cBhvr>
-                                        <p:cTn id="101" dur="500"/>
+                                        <p:cTn id="112" dur="500"/>
                                         <p:tgtEl>
                                           <p:spTgt spid="28"/>
                                         </p:tgtEl>
@@ -21498,7 +22942,7 @@
                                     </p:animEffect>
                                     <p:set>
                                       <p:cBhvr>
-                                        <p:cTn id="102" dur="1" fill="hold">
+                                        <p:cTn id="113" dur="1" fill="hold">
                                           <p:stCondLst>
                                             <p:cond delay="499"/>
                                           </p:stCondLst>
@@ -21517,24 +22961,15 @@
                                   </p:childTnLst>
                                 </p:cTn>
                               </p:par>
-                            </p:childTnLst>
-                          </p:cTn>
-                        </p:par>
-                        <p:par>
-                          <p:cTn id="103" fill="hold">
-                            <p:stCondLst>
-                              <p:cond delay="1500"/>
-                            </p:stCondLst>
-                            <p:childTnLst>
                               <p:par>
-                                <p:cTn id="104" presetID="10" presetClass="exit" presetSubtype="0" fill="hold" nodeType="afterEffect">
+                                <p:cTn id="114" presetID="10" presetClass="exit" presetSubtype="0" fill="hold" nodeType="withEffect">
                                   <p:stCondLst>
                                     <p:cond delay="0"/>
                                   </p:stCondLst>
                                   <p:childTnLst>
                                     <p:animEffect transition="out" filter="fade">
                                       <p:cBhvr>
-                                        <p:cTn id="105" dur="500"/>
+                                        <p:cTn id="115" dur="500"/>
                                         <p:tgtEl>
                                           <p:spTgt spid="29"/>
                                         </p:tgtEl>
@@ -21542,7 +22977,7 @@
                                     </p:animEffect>
                                     <p:set>
                                       <p:cBhvr>
-                                        <p:cTn id="106" dur="1" fill="hold">
+                                        <p:cTn id="116" dur="1" fill="hold">
                                           <p:stCondLst>
                                             <p:cond delay="499"/>
                                           </p:stCondLst>
@@ -21561,24 +22996,15 @@
                                   </p:childTnLst>
                                 </p:cTn>
                               </p:par>
-                            </p:childTnLst>
-                          </p:cTn>
-                        </p:par>
-                        <p:par>
-                          <p:cTn id="107" fill="hold">
-                            <p:stCondLst>
-                              <p:cond delay="2000"/>
-                            </p:stCondLst>
-                            <p:childTnLst>
                               <p:par>
-                                <p:cTn id="108" presetID="10" presetClass="exit" presetSubtype="0" fill="hold" nodeType="afterEffect">
+                                <p:cTn id="117" presetID="10" presetClass="exit" presetSubtype="0" fill="hold" nodeType="withEffect">
                                   <p:stCondLst>
                                     <p:cond delay="0"/>
                                   </p:stCondLst>
                                   <p:childTnLst>
                                     <p:animEffect transition="out" filter="fade">
                                       <p:cBhvr>
-                                        <p:cTn id="109" dur="500"/>
+                                        <p:cTn id="118" dur="500"/>
                                         <p:tgtEl>
                                           <p:spTgt spid="30"/>
                                         </p:tgtEl>
@@ -21586,7 +23012,7 @@
                                     </p:animEffect>
                                     <p:set>
                                       <p:cBhvr>
-                                        <p:cTn id="110" dur="1" fill="hold">
+                                        <p:cTn id="119" dur="1" fill="hold">
                                           <p:stCondLst>
                                             <p:cond delay="499"/>
                                           </p:stCondLst>
@@ -21605,24 +23031,15 @@
                                   </p:childTnLst>
                                 </p:cTn>
                               </p:par>
-                            </p:childTnLst>
-                          </p:cTn>
-                        </p:par>
-                        <p:par>
-                          <p:cTn id="111" fill="hold">
-                            <p:stCondLst>
-                              <p:cond delay="2500"/>
-                            </p:stCondLst>
-                            <p:childTnLst>
                               <p:par>
-                                <p:cTn id="112" presetID="10" presetClass="exit" presetSubtype="0" fill="hold" nodeType="afterEffect">
+                                <p:cTn id="120" presetID="10" presetClass="exit" presetSubtype="0" fill="hold" nodeType="withEffect">
                                   <p:stCondLst>
                                     <p:cond delay="0"/>
                                   </p:stCondLst>
                                   <p:childTnLst>
                                     <p:animEffect transition="out" filter="fade">
                                       <p:cBhvr>
-                                        <p:cTn id="113" dur="500"/>
+                                        <p:cTn id="121" dur="500"/>
                                         <p:tgtEl>
                                           <p:spTgt spid="31"/>
                                         </p:tgtEl>
@@ -21630,7 +23047,7 @@
                                     </p:animEffect>
                                     <p:set>
                                       <p:cBhvr>
-                                        <p:cTn id="114" dur="1" fill="hold">
+                                        <p:cTn id="122" dur="1" fill="hold">
                                           <p:stCondLst>
                                             <p:cond delay="499"/>
                                           </p:stCondLst>
@@ -21649,24 +23066,15 @@
                                   </p:childTnLst>
                                 </p:cTn>
                               </p:par>
-                            </p:childTnLst>
-                          </p:cTn>
-                        </p:par>
-                        <p:par>
-                          <p:cTn id="115" fill="hold">
-                            <p:stCondLst>
-                              <p:cond delay="3000"/>
-                            </p:stCondLst>
-                            <p:childTnLst>
                               <p:par>
-                                <p:cTn id="116" presetID="10" presetClass="exit" presetSubtype="0" fill="hold" nodeType="afterEffect">
+                                <p:cTn id="123" presetID="10" presetClass="exit" presetSubtype="0" fill="hold" nodeType="withEffect">
                                   <p:stCondLst>
                                     <p:cond delay="0"/>
                                   </p:stCondLst>
                                   <p:childTnLst>
                                     <p:animEffect transition="out" filter="fade">
                                       <p:cBhvr>
-                                        <p:cTn id="117" dur="500"/>
+                                        <p:cTn id="124" dur="500"/>
                                         <p:tgtEl>
                                           <p:spTgt spid="32"/>
                                         </p:tgtEl>
@@ -21674,7 +23082,7 @@
                                     </p:animEffect>
                                     <p:set>
                                       <p:cBhvr>
-                                        <p:cTn id="118" dur="1" fill="hold">
+                                        <p:cTn id="125" dur="1" fill="hold">
                                           <p:stCondLst>
                                             <p:cond delay="499"/>
                                           </p:stCondLst>
@@ -38493,6 +39901,24 @@
 </p:sld>
 </file>
 
+<file path=ppt/tags/tag1.xml><?xml version="1.0" encoding="utf-8"?>
+<p:tagLst xmlns:a="http://schemas.openxmlformats.org/drawingml/2006/main" xmlns:r="http://schemas.openxmlformats.org/officeDocument/2006/relationships" xmlns:p="http://schemas.openxmlformats.org/presentationml/2006/main">
+  <p:tag name="TIMING" val="|26.5|13.2"/>
+</p:tagLst>
+</file>
+
+<file path=ppt/tags/tag2.xml><?xml version="1.0" encoding="utf-8"?>
+<p:tagLst xmlns:a="http://schemas.openxmlformats.org/drawingml/2006/main" xmlns:r="http://schemas.openxmlformats.org/officeDocument/2006/relationships" xmlns:p="http://schemas.openxmlformats.org/presentationml/2006/main">
+  <p:tag name="TIMING" val="|28.9|6|51.7|48.8|24.7|41.1"/>
+</p:tagLst>
+</file>
+
+<file path=ppt/tags/tag3.xml><?xml version="1.0" encoding="utf-8"?>
+<p:tagLst xmlns:a="http://schemas.openxmlformats.org/drawingml/2006/main" xmlns:r="http://schemas.openxmlformats.org/officeDocument/2006/relationships" xmlns:p="http://schemas.openxmlformats.org/presentationml/2006/main">
+  <p:tag name="TIMING" val="|20.8|32.5"/>
+</p:tagLst>
+</file>
+
 <file path=ppt/theme/theme1.xml><?xml version="1.0" encoding="utf-8"?>
 <a:theme xmlns:a="http://schemas.openxmlformats.org/drawingml/2006/main" name="丝状">
   <a:themeElements>

--- a/教案/第00章 语言基础.pptx
+++ b/教案/第00章 语言基础.pptx
@@ -375,7 +375,7 @@
           <a:p>
             <a:fld id="{07D5EC8A-DED5-4534-8812-4BFE99EACB50}" type="datetimeFigureOut">
               <a:rPr lang="zh-CN" altLang="en-US" smtClean="0"/>
-              <a:t>2020-09-23</a:t>
+              <a:t>2022/9/8</a:t>
             </a:fld>
             <a:endParaRPr lang="zh-CN" altLang="en-US"/>
           </a:p>
@@ -18369,7 +18369,7 @@
                 <a:latin typeface="Courier New" panose="02070309020205020404" pitchFamily="49" charset="0"/>
                 <a:cs typeface="Courier New" panose="02070309020205020404" pitchFamily="49" charset="0"/>
               </a:rPr>
-              <a:t>// typedef int T[n];</a:t>
+              <a:t>// using T = int[n];</a:t>
             </a:r>
             <a:endParaRPr lang="zh-CN" altLang="en-US" sz="1400" b="1" dirty="0">
               <a:solidFill>
